--- a/docs/硅基人1.0.pptx
+++ b/docs/硅基人1.0.pptx
@@ -21637,7 +21637,7 @@
         </p:nvSpPr>
         <p:spPr>
           <a:xfrm>
-            <a:off x="1507236" y="5385106"/>
+            <a:off x="1414872" y="5265581"/>
             <a:ext cx="10026226" cy="1384995"/>
           </a:xfrm>
           <a:prstGeom prst="rect">

--- a/docs/硅基人1.0.pptx
+++ b/docs/硅基人1.0.pptx
@@ -24,8 +24,8 @@
     <p:sldId id="489" r:id="rId15"/>
     <p:sldId id="474" r:id="rId16"/>
     <p:sldId id="477" r:id="rId17"/>
-    <p:sldId id="497" r:id="rId18"/>
-    <p:sldId id="496" r:id="rId19"/>
+    <p:sldId id="496" r:id="rId18"/>
+    <p:sldId id="497" r:id="rId19"/>
     <p:sldId id="493" r:id="rId20"/>
   </p:sldIdLst>
   <p:sldSz cx="12192000" cy="6858000"/>
@@ -215,7 +215,7 @@
           <a:p>
             <a:fld id="{9A72E916-1053-40D0-88B3-92E6C3FD712E}" type="datetimeFigureOut">
               <a:rPr lang="zh-CN" altLang="en-US" smtClean="0"/>
-              <a:t>2026/1/20</a:t>
+              <a:t>2026/1/22</a:t>
             </a:fld>
             <a:endParaRPr lang="zh-CN" altLang="en-US"/>
           </a:p>
@@ -1298,7 +1298,7 @@
         <p:cNvPr id="1" name="">
           <a:extLst>
             <a:ext uri="{FF2B5EF4-FFF2-40B4-BE49-F238E27FC236}">
-              <a16:creationId xmlns:a16="http://schemas.microsoft.com/office/drawing/2014/main" id="{B49A41B2-25CD-5319-1515-83BEB92A79ED}"/>
+              <a16:creationId xmlns:a16="http://schemas.microsoft.com/office/drawing/2014/main" id="{819F9FB9-F404-2AE8-B19B-978739F90944}"/>
             </a:ext>
           </a:extLst>
         </p:cNvPr>
@@ -1318,7 +1318,7 @@
           <p:cNvPr id="16386" name="幻灯片图像占位符 1">
             <a:extLst>
               <a:ext uri="{FF2B5EF4-FFF2-40B4-BE49-F238E27FC236}">
-                <a16:creationId xmlns:a16="http://schemas.microsoft.com/office/drawing/2014/main" id="{87ACF981-3526-1CF2-4A02-853DD8186A4B}"/>
+                <a16:creationId xmlns:a16="http://schemas.microsoft.com/office/drawing/2014/main" id="{94AB2D62-CB40-523C-4E7E-AD1FAE46A46B}"/>
               </a:ext>
             </a:extLst>
           </p:cNvPr>
@@ -1353,7 +1353,7 @@
           <p:cNvPr id="16387" name="文本占位符 2">
             <a:extLst>
               <a:ext uri="{FF2B5EF4-FFF2-40B4-BE49-F238E27FC236}">
-                <a16:creationId xmlns:a16="http://schemas.microsoft.com/office/drawing/2014/main" id="{D8591E99-8CD9-CC10-16DA-A95D9AD99E4F}"/>
+                <a16:creationId xmlns:a16="http://schemas.microsoft.com/office/drawing/2014/main" id="{F9A40C4D-142F-FBBE-18C3-9C7211547DFB}"/>
               </a:ext>
             </a:extLst>
           </p:cNvPr>
@@ -1381,7 +1381,7 @@
     </p:spTree>
     <p:extLst>
       <p:ext uri="{BB962C8B-B14F-4D97-AF65-F5344CB8AC3E}">
-        <p14:creationId xmlns:p14="http://schemas.microsoft.com/office/powerpoint/2010/main" val="2967644676"/>
+        <p14:creationId xmlns:p14="http://schemas.microsoft.com/office/powerpoint/2010/main" val="1467540570"/>
       </p:ext>
     </p:extLst>
   </p:cSld>
@@ -1399,7 +1399,7 @@
         <p:cNvPr id="1" name="">
           <a:extLst>
             <a:ext uri="{FF2B5EF4-FFF2-40B4-BE49-F238E27FC236}">
-              <a16:creationId xmlns:a16="http://schemas.microsoft.com/office/drawing/2014/main" id="{819F9FB9-F404-2AE8-B19B-978739F90944}"/>
+              <a16:creationId xmlns:a16="http://schemas.microsoft.com/office/drawing/2014/main" id="{B49A41B2-25CD-5319-1515-83BEB92A79ED}"/>
             </a:ext>
           </a:extLst>
         </p:cNvPr>
@@ -1419,7 +1419,7 @@
           <p:cNvPr id="16386" name="幻灯片图像占位符 1">
             <a:extLst>
               <a:ext uri="{FF2B5EF4-FFF2-40B4-BE49-F238E27FC236}">
-                <a16:creationId xmlns:a16="http://schemas.microsoft.com/office/drawing/2014/main" id="{94AB2D62-CB40-523C-4E7E-AD1FAE46A46B}"/>
+                <a16:creationId xmlns:a16="http://schemas.microsoft.com/office/drawing/2014/main" id="{87ACF981-3526-1CF2-4A02-853DD8186A4B}"/>
               </a:ext>
             </a:extLst>
           </p:cNvPr>
@@ -1454,7 +1454,7 @@
           <p:cNvPr id="16387" name="文本占位符 2">
             <a:extLst>
               <a:ext uri="{FF2B5EF4-FFF2-40B4-BE49-F238E27FC236}">
-                <a16:creationId xmlns:a16="http://schemas.microsoft.com/office/drawing/2014/main" id="{F9A40C4D-142F-FBBE-18C3-9C7211547DFB}"/>
+                <a16:creationId xmlns:a16="http://schemas.microsoft.com/office/drawing/2014/main" id="{D8591E99-8CD9-CC10-16DA-A95D9AD99E4F}"/>
               </a:ext>
             </a:extLst>
           </p:cNvPr>
@@ -1482,7 +1482,7 @@
     </p:spTree>
     <p:extLst>
       <p:ext uri="{BB962C8B-B14F-4D97-AF65-F5344CB8AC3E}">
-        <p14:creationId xmlns:p14="http://schemas.microsoft.com/office/powerpoint/2010/main" val="1467540570"/>
+        <p14:creationId xmlns:p14="http://schemas.microsoft.com/office/powerpoint/2010/main" val="2967644676"/>
       </p:ext>
     </p:extLst>
   </p:cSld>
@@ -2512,7 +2512,7 @@
           <a:p>
             <a:fld id="{23959B16-E278-4406-8B12-91F12542BF03}" type="datetimeFigureOut">
               <a:rPr lang="zh-CN" altLang="en-US" smtClean="0"/>
-              <a:t>2026/1/20</a:t>
+              <a:t>2026/1/22</a:t>
             </a:fld>
             <a:endParaRPr lang="zh-CN" altLang="en-US"/>
           </a:p>
@@ -2680,7 +2680,7 @@
           <a:p>
             <a:fld id="{23959B16-E278-4406-8B12-91F12542BF03}" type="datetimeFigureOut">
               <a:rPr lang="zh-CN" altLang="en-US" smtClean="0"/>
-              <a:t>2026/1/20</a:t>
+              <a:t>2026/1/22</a:t>
             </a:fld>
             <a:endParaRPr lang="zh-CN" altLang="en-US"/>
           </a:p>
@@ -2858,7 +2858,7 @@
           <a:p>
             <a:fld id="{23959B16-E278-4406-8B12-91F12542BF03}" type="datetimeFigureOut">
               <a:rPr lang="zh-CN" altLang="en-US" smtClean="0"/>
-              <a:t>2026/1/20</a:t>
+              <a:t>2026/1/22</a:t>
             </a:fld>
             <a:endParaRPr lang="zh-CN" altLang="en-US"/>
           </a:p>
@@ -3026,7 +3026,7 @@
           <a:p>
             <a:fld id="{23959B16-E278-4406-8B12-91F12542BF03}" type="datetimeFigureOut">
               <a:rPr lang="zh-CN" altLang="en-US" smtClean="0"/>
-              <a:t>2026/1/20</a:t>
+              <a:t>2026/1/22</a:t>
             </a:fld>
             <a:endParaRPr lang="zh-CN" altLang="en-US"/>
           </a:p>
@@ -3271,7 +3271,7 @@
           <a:p>
             <a:fld id="{23959B16-E278-4406-8B12-91F12542BF03}" type="datetimeFigureOut">
               <a:rPr lang="zh-CN" altLang="en-US" smtClean="0"/>
-              <a:t>2026/1/20</a:t>
+              <a:t>2026/1/22</a:t>
             </a:fld>
             <a:endParaRPr lang="zh-CN" altLang="en-US"/>
           </a:p>
@@ -3500,7 +3500,7 @@
           <a:p>
             <a:fld id="{23959B16-E278-4406-8B12-91F12542BF03}" type="datetimeFigureOut">
               <a:rPr lang="zh-CN" altLang="en-US" smtClean="0"/>
-              <a:t>2026/1/20</a:t>
+              <a:t>2026/1/22</a:t>
             </a:fld>
             <a:endParaRPr lang="zh-CN" altLang="en-US"/>
           </a:p>
@@ -3864,7 +3864,7 @@
           <a:p>
             <a:fld id="{23959B16-E278-4406-8B12-91F12542BF03}" type="datetimeFigureOut">
               <a:rPr lang="zh-CN" altLang="en-US" smtClean="0"/>
-              <a:t>2026/1/20</a:t>
+              <a:t>2026/1/22</a:t>
             </a:fld>
             <a:endParaRPr lang="zh-CN" altLang="en-US"/>
           </a:p>
@@ -3981,7 +3981,7 @@
           <a:p>
             <a:fld id="{23959B16-E278-4406-8B12-91F12542BF03}" type="datetimeFigureOut">
               <a:rPr lang="zh-CN" altLang="en-US" smtClean="0"/>
-              <a:t>2026/1/20</a:t>
+              <a:t>2026/1/22</a:t>
             </a:fld>
             <a:endParaRPr lang="zh-CN" altLang="en-US"/>
           </a:p>
@@ -4076,7 +4076,7 @@
           <a:p>
             <a:fld id="{23959B16-E278-4406-8B12-91F12542BF03}" type="datetimeFigureOut">
               <a:rPr lang="zh-CN" altLang="en-US" smtClean="0"/>
-              <a:t>2026/1/20</a:t>
+              <a:t>2026/1/22</a:t>
             </a:fld>
             <a:endParaRPr lang="zh-CN" altLang="en-US"/>
           </a:p>
@@ -4351,7 +4351,7 @@
           <a:p>
             <a:fld id="{23959B16-E278-4406-8B12-91F12542BF03}" type="datetimeFigureOut">
               <a:rPr lang="zh-CN" altLang="en-US" smtClean="0"/>
-              <a:t>2026/1/20</a:t>
+              <a:t>2026/1/22</a:t>
             </a:fld>
             <a:endParaRPr lang="zh-CN" altLang="en-US"/>
           </a:p>
@@ -4603,7 +4603,7 @@
           <a:p>
             <a:fld id="{23959B16-E278-4406-8B12-91F12542BF03}" type="datetimeFigureOut">
               <a:rPr lang="zh-CN" altLang="en-US" smtClean="0"/>
-              <a:t>2026/1/20</a:t>
+              <a:t>2026/1/22</a:t>
             </a:fld>
             <a:endParaRPr lang="zh-CN" altLang="en-US"/>
           </a:p>
@@ -4814,7 +4814,7 @@
           <a:p>
             <a:fld id="{23959B16-E278-4406-8B12-91F12542BF03}" type="datetimeFigureOut">
               <a:rPr lang="zh-CN" altLang="en-US" smtClean="0"/>
-              <a:t>2026/1/20</a:t>
+              <a:t>2026/1/22</a:t>
             </a:fld>
             <a:endParaRPr lang="zh-CN" altLang="en-US"/>
           </a:p>
@@ -16086,7 +16086,7 @@
         <p:cNvPr id="1" name="">
           <a:extLst>
             <a:ext uri="{FF2B5EF4-FFF2-40B4-BE49-F238E27FC236}">
-              <a16:creationId xmlns:a16="http://schemas.microsoft.com/office/drawing/2014/main" id="{5C2535CA-402F-0A96-5E44-27D458779A35}"/>
+              <a16:creationId xmlns:a16="http://schemas.microsoft.com/office/drawing/2014/main" id="{D3C302E6-FA54-71C7-D92D-41A0FF96E0A1}"/>
             </a:ext>
           </a:extLst>
         </p:cNvPr>
@@ -16103,170 +16103,10 @@
       </p:grpSpPr>
       <p:sp>
         <p:nvSpPr>
-          <p:cNvPr id="36" name="灯片编号占位符 2">
-            <a:extLst>
-              <a:ext uri="{FF2B5EF4-FFF2-40B4-BE49-F238E27FC236}">
-                <a16:creationId xmlns:a16="http://schemas.microsoft.com/office/drawing/2014/main" id="{DFE7C316-CA3D-5B8A-90B3-25BCE9021217}"/>
-              </a:ext>
-            </a:extLst>
-          </p:cNvPr>
-          <p:cNvSpPr txBox="1">
-            <a:spLocks/>
-          </p:cNvSpPr>
-          <p:nvPr/>
-        </p:nvSpPr>
-        <p:spPr>
-          <a:xfrm>
-            <a:off x="11988800" y="8533041"/>
-            <a:ext cx="3657600" cy="212796"/>
-          </a:xfrm>
-          <a:prstGeom prst="rect">
-            <a:avLst/>
-          </a:prstGeom>
-        </p:spPr>
-        <p:txBody>
-          <a:bodyPr/>
-          <a:lstStyle>
-            <a:defPPr>
-              <a:defRPr lang="en-US"/>
-            </a:defPPr>
-            <a:lvl1pPr algn="l" defTabSz="457200" rtl="0" eaLnBrk="0" fontAlgn="base" hangingPunct="0">
-              <a:spcBef>
-                <a:spcPct val="0"/>
-              </a:spcBef>
-              <a:spcAft>
-                <a:spcPct val="0"/>
-              </a:spcAft>
-              <a:defRPr kern="1200">
-                <a:solidFill>
-                  <a:schemeClr val="tx1"/>
-                </a:solidFill>
-                <a:latin typeface="䑏䈷㑃㠵㍆㌶㜱㐴㜰" pitchFamily="34" charset="0"/>
-                <a:ea typeface="䑏S PGothic" pitchFamily="34" charset="-128"/>
-                <a:cs typeface="+mn-cs"/>
-              </a:defRPr>
-            </a:lvl1pPr>
-            <a:lvl2pPr marL="457200" algn="l" defTabSz="457200" rtl="0" eaLnBrk="0" fontAlgn="base" hangingPunct="0">
-              <a:spcBef>
-                <a:spcPct val="0"/>
-              </a:spcBef>
-              <a:spcAft>
-                <a:spcPct val="0"/>
-              </a:spcAft>
-              <a:defRPr kern="1200">
-                <a:solidFill>
-                  <a:schemeClr val="tx1"/>
-                </a:solidFill>
-                <a:latin typeface="䑏䈷㑃㠵㍆㌶㜱㐴㜰" pitchFamily="34" charset="0"/>
-                <a:ea typeface="䑏S PGothic" pitchFamily="34" charset="-128"/>
-                <a:cs typeface="+mn-cs"/>
-              </a:defRPr>
-            </a:lvl2pPr>
-            <a:lvl3pPr marL="914400" algn="l" defTabSz="457200" rtl="0" eaLnBrk="0" fontAlgn="base" hangingPunct="0">
-              <a:spcBef>
-                <a:spcPct val="0"/>
-              </a:spcBef>
-              <a:spcAft>
-                <a:spcPct val="0"/>
-              </a:spcAft>
-              <a:defRPr kern="1200">
-                <a:solidFill>
-                  <a:schemeClr val="tx1"/>
-                </a:solidFill>
-                <a:latin typeface="䑏䈷㑃㠵㍆㌶㜱㐴㜰" pitchFamily="34" charset="0"/>
-                <a:ea typeface="䑏S PGothic" pitchFamily="34" charset="-128"/>
-                <a:cs typeface="+mn-cs"/>
-              </a:defRPr>
-            </a:lvl3pPr>
-            <a:lvl4pPr marL="1371600" algn="l" defTabSz="457200" rtl="0" eaLnBrk="0" fontAlgn="base" hangingPunct="0">
-              <a:spcBef>
-                <a:spcPct val="0"/>
-              </a:spcBef>
-              <a:spcAft>
-                <a:spcPct val="0"/>
-              </a:spcAft>
-              <a:defRPr kern="1200">
-                <a:solidFill>
-                  <a:schemeClr val="tx1"/>
-                </a:solidFill>
-                <a:latin typeface="䑏䈷㑃㠵㍆㌶㜱㐴㜰" pitchFamily="34" charset="0"/>
-                <a:ea typeface="䑏S PGothic" pitchFamily="34" charset="-128"/>
-                <a:cs typeface="+mn-cs"/>
-              </a:defRPr>
-            </a:lvl4pPr>
-            <a:lvl5pPr marL="1828800" algn="l" defTabSz="457200" rtl="0" eaLnBrk="0" fontAlgn="base" hangingPunct="0">
-              <a:spcBef>
-                <a:spcPct val="0"/>
-              </a:spcBef>
-              <a:spcAft>
-                <a:spcPct val="0"/>
-              </a:spcAft>
-              <a:defRPr kern="1200">
-                <a:solidFill>
-                  <a:schemeClr val="tx1"/>
-                </a:solidFill>
-                <a:latin typeface="䑏䈷㑃㠵㍆㌶㜱㐴㜰" pitchFamily="34" charset="0"/>
-                <a:ea typeface="䑏S PGothic" pitchFamily="34" charset="-128"/>
-                <a:cs typeface="+mn-cs"/>
-              </a:defRPr>
-            </a:lvl5pPr>
-            <a:lvl6pPr marL="2286000" algn="l" defTabSz="914400" rtl="0" eaLnBrk="1" latinLnBrk="0" hangingPunct="1">
-              <a:defRPr kern="1200">
-                <a:solidFill>
-                  <a:schemeClr val="tx1"/>
-                </a:solidFill>
-                <a:latin typeface="䑏䈷㑃㠵㍆㌶㜱㐴㜰" pitchFamily="34" charset="0"/>
-                <a:ea typeface="䑏S PGothic" pitchFamily="34" charset="-128"/>
-                <a:cs typeface="+mn-cs"/>
-              </a:defRPr>
-            </a:lvl6pPr>
-            <a:lvl7pPr marL="2743200" algn="l" defTabSz="914400" rtl="0" eaLnBrk="1" latinLnBrk="0" hangingPunct="1">
-              <a:defRPr kern="1200">
-                <a:solidFill>
-                  <a:schemeClr val="tx1"/>
-                </a:solidFill>
-                <a:latin typeface="䑏䈷㑃㠵㍆㌶㜱㐴㜰" pitchFamily="34" charset="0"/>
-                <a:ea typeface="䑏S PGothic" pitchFamily="34" charset="-128"/>
-                <a:cs typeface="+mn-cs"/>
-              </a:defRPr>
-            </a:lvl7pPr>
-            <a:lvl8pPr marL="3200400" algn="l" defTabSz="914400" rtl="0" eaLnBrk="1" latinLnBrk="0" hangingPunct="1">
-              <a:defRPr kern="1200">
-                <a:solidFill>
-                  <a:schemeClr val="tx1"/>
-                </a:solidFill>
-                <a:latin typeface="䑏䈷㑃㠵㍆㌶㜱㐴㜰" pitchFamily="34" charset="0"/>
-                <a:ea typeface="䑏S PGothic" pitchFamily="34" charset="-128"/>
-                <a:cs typeface="+mn-cs"/>
-              </a:defRPr>
-            </a:lvl8pPr>
-            <a:lvl9pPr marL="3657600" algn="l" defTabSz="914400" rtl="0" eaLnBrk="1" latinLnBrk="0" hangingPunct="1">
-              <a:defRPr kern="1200">
-                <a:solidFill>
-                  <a:schemeClr val="tx1"/>
-                </a:solidFill>
-                <a:latin typeface="䑏䈷㑃㠵㍆㌶㜱㐴㜰" pitchFamily="34" charset="0"/>
-                <a:ea typeface="䑏S PGothic" pitchFamily="34" charset="-128"/>
-                <a:cs typeface="+mn-cs"/>
-              </a:defRPr>
-            </a:lvl9pPr>
-          </a:lstStyle>
-          <a:p>
-            <a:fld id="{884269F9-B5CE-EB46-8536-1F9E4423A6BA}" type="slidenum">
-              <a:rPr kumimoji="1" lang="zh-CN" altLang="en-US" sz="2400"/>
-              <a:pPr/>
-              <a:t>17</a:t>
-            </a:fld>
-            <a:endParaRPr kumimoji="1" lang="zh-CN" altLang="en-US" sz="2400" dirty="0"/>
-          </a:p>
-        </p:txBody>
-      </p:sp>
-      <p:sp>
-        <p:nvSpPr>
-          <p:cNvPr id="2" name="TextBox 35">
-            <a:extLst>
-              <a:ext uri="{FF2B5EF4-FFF2-40B4-BE49-F238E27FC236}">
-                <a16:creationId xmlns:a16="http://schemas.microsoft.com/office/drawing/2014/main" id="{9D085F4B-B184-11F4-418F-452F387B9A42}"/>
+          <p:cNvPr id="15362" name="TextBox 35">
+            <a:extLst>
+              <a:ext uri="{FF2B5EF4-FFF2-40B4-BE49-F238E27FC236}">
+                <a16:creationId xmlns:a16="http://schemas.microsoft.com/office/drawing/2014/main" id="{B07904E9-66E0-6E7F-731A-E81B5630FC6E}"/>
               </a:ext>
             </a:extLst>
           </p:cNvPr>
@@ -16277,8 +16117,8 @@
         </p:nvSpPr>
         <p:spPr bwMode="auto">
           <a:xfrm>
-            <a:off x="4622198" y="2926234"/>
-            <a:ext cx="3378802" cy="913199"/>
+            <a:off x="57151" y="186267"/>
+            <a:ext cx="11296649" cy="461665"/>
           </a:xfrm>
           <a:prstGeom prst="rect">
             <a:avLst/>
@@ -16429,12 +16269,418 @@
           </a:lstStyle>
           <a:p>
             <a:r>
+              <a:rPr lang="zh-CN" altLang="en-US" sz="2400" b="1" dirty="0">
+                <a:solidFill>
+                  <a:srgbClr val="1E53A4"/>
+                </a:solidFill>
+                <a:latin typeface="微软雅黑" panose="020B0503020204020204" charset="-122"/>
+                <a:ea typeface="微软雅黑" panose="020B0503020204020204" charset="-122"/>
+                <a:sym typeface="楷体" panose="02010609060101010101" pitchFamily="49" charset="-122"/>
+              </a:rPr>
+              <a:t>硅基人</a:t>
+            </a:r>
+            <a:r>
+              <a:rPr lang="en-US" altLang="zh-CN" sz="2400" b="1" dirty="0">
+                <a:solidFill>
+                  <a:srgbClr val="1E53A4"/>
+                </a:solidFill>
+                <a:latin typeface="微软雅黑" panose="020B0503020204020204" charset="-122"/>
+                <a:ea typeface="微软雅黑" panose="020B0503020204020204" charset="-122"/>
+                <a:sym typeface="楷体" panose="02010609060101010101" pitchFamily="49" charset="-122"/>
+              </a:rPr>
+              <a:t>—</a:t>
+            </a:r>
+            <a:r>
+              <a:rPr lang="zh-CN" altLang="en-US" sz="2400" b="1" dirty="0">
+                <a:solidFill>
+                  <a:srgbClr val="1E53A4"/>
+                </a:solidFill>
+                <a:latin typeface="微软雅黑" panose="020B0503020204020204" charset="-122"/>
+                <a:ea typeface="微软雅黑" panose="020B0503020204020204" charset="-122"/>
+              </a:rPr>
+              <a:t>业务原生</a:t>
+            </a:r>
+            <a:r>
+              <a:rPr lang="en-US" altLang="zh-CN" sz="2400" b="1" dirty="0">
+                <a:solidFill>
+                  <a:srgbClr val="1E53A4"/>
+                </a:solidFill>
+                <a:latin typeface="微软雅黑" panose="020B0503020204020204" charset="-122"/>
+                <a:ea typeface="微软雅黑" panose="020B0503020204020204" charset="-122"/>
+              </a:rPr>
+              <a:t>AI</a:t>
+            </a:r>
+            <a:r>
+              <a:rPr lang="zh-CN" altLang="en-US" sz="2400" b="1" dirty="0">
+                <a:solidFill>
+                  <a:srgbClr val="1E53A4"/>
+                </a:solidFill>
+                <a:latin typeface="微软雅黑" panose="020B0503020204020204" charset="-122"/>
+                <a:ea typeface="微软雅黑" panose="020B0503020204020204" charset="-122"/>
+              </a:rPr>
+              <a:t>架构</a:t>
+            </a:r>
+            <a:endParaRPr lang="en-US" altLang="zh-CN" sz="2400" b="1" dirty="0">
+              <a:solidFill>
+                <a:srgbClr val="1E53A4"/>
+              </a:solidFill>
+              <a:latin typeface="微软雅黑" panose="020B0503020204020204" charset="-122"/>
+              <a:ea typeface="微软雅黑" panose="020B0503020204020204" charset="-122"/>
+              <a:sym typeface="楷体" panose="02010609060101010101" pitchFamily="49" charset="-122"/>
+            </a:endParaRPr>
+          </a:p>
+        </p:txBody>
+      </p:sp>
+      <p:sp>
+        <p:nvSpPr>
+          <p:cNvPr id="36" name="灯片编号占位符 2">
+            <a:extLst>
+              <a:ext uri="{FF2B5EF4-FFF2-40B4-BE49-F238E27FC236}">
+                <a16:creationId xmlns:a16="http://schemas.microsoft.com/office/drawing/2014/main" id="{3945146C-8658-A4C6-7DCF-6B8939BCC8F2}"/>
+              </a:ext>
+            </a:extLst>
+          </p:cNvPr>
+          <p:cNvSpPr txBox="1">
+            <a:spLocks/>
+          </p:cNvSpPr>
+          <p:nvPr/>
+        </p:nvSpPr>
+        <p:spPr>
+          <a:xfrm>
+            <a:off x="11988800" y="8533041"/>
+            <a:ext cx="3657600" cy="212796"/>
+          </a:xfrm>
+          <a:prstGeom prst="rect">
+            <a:avLst/>
+          </a:prstGeom>
+        </p:spPr>
+        <p:txBody>
+          <a:bodyPr/>
+          <a:lstStyle>
+            <a:defPPr>
+              <a:defRPr lang="en-US"/>
+            </a:defPPr>
+            <a:lvl1pPr algn="l" defTabSz="457200" rtl="0" eaLnBrk="0" fontAlgn="base" hangingPunct="0">
+              <a:spcBef>
+                <a:spcPct val="0"/>
+              </a:spcBef>
+              <a:spcAft>
+                <a:spcPct val="0"/>
+              </a:spcAft>
+              <a:defRPr kern="1200">
+                <a:solidFill>
+                  <a:schemeClr val="tx1"/>
+                </a:solidFill>
+                <a:latin typeface="䑏䈷㑃㠵㍆㌶㜱㐴㜰" pitchFamily="34" charset="0"/>
+                <a:ea typeface="䑏S PGothic" pitchFamily="34" charset="-128"/>
+                <a:cs typeface="+mn-cs"/>
+              </a:defRPr>
+            </a:lvl1pPr>
+            <a:lvl2pPr marL="457200" algn="l" defTabSz="457200" rtl="0" eaLnBrk="0" fontAlgn="base" hangingPunct="0">
+              <a:spcBef>
+                <a:spcPct val="0"/>
+              </a:spcBef>
+              <a:spcAft>
+                <a:spcPct val="0"/>
+              </a:spcAft>
+              <a:defRPr kern="1200">
+                <a:solidFill>
+                  <a:schemeClr val="tx1"/>
+                </a:solidFill>
+                <a:latin typeface="䑏䈷㑃㠵㍆㌶㜱㐴㜰" pitchFamily="34" charset="0"/>
+                <a:ea typeface="䑏S PGothic" pitchFamily="34" charset="-128"/>
+                <a:cs typeface="+mn-cs"/>
+              </a:defRPr>
+            </a:lvl2pPr>
+            <a:lvl3pPr marL="914400" algn="l" defTabSz="457200" rtl="0" eaLnBrk="0" fontAlgn="base" hangingPunct="0">
+              <a:spcBef>
+                <a:spcPct val="0"/>
+              </a:spcBef>
+              <a:spcAft>
+                <a:spcPct val="0"/>
+              </a:spcAft>
+              <a:defRPr kern="1200">
+                <a:solidFill>
+                  <a:schemeClr val="tx1"/>
+                </a:solidFill>
+                <a:latin typeface="䑏䈷㑃㠵㍆㌶㜱㐴㜰" pitchFamily="34" charset="0"/>
+                <a:ea typeface="䑏S PGothic" pitchFamily="34" charset="-128"/>
+                <a:cs typeface="+mn-cs"/>
+              </a:defRPr>
+            </a:lvl3pPr>
+            <a:lvl4pPr marL="1371600" algn="l" defTabSz="457200" rtl="0" eaLnBrk="0" fontAlgn="base" hangingPunct="0">
+              <a:spcBef>
+                <a:spcPct val="0"/>
+              </a:spcBef>
+              <a:spcAft>
+                <a:spcPct val="0"/>
+              </a:spcAft>
+              <a:defRPr kern="1200">
+                <a:solidFill>
+                  <a:schemeClr val="tx1"/>
+                </a:solidFill>
+                <a:latin typeface="䑏䈷㑃㠵㍆㌶㜱㐴㜰" pitchFamily="34" charset="0"/>
+                <a:ea typeface="䑏S PGothic" pitchFamily="34" charset="-128"/>
+                <a:cs typeface="+mn-cs"/>
+              </a:defRPr>
+            </a:lvl4pPr>
+            <a:lvl5pPr marL="1828800" algn="l" defTabSz="457200" rtl="0" eaLnBrk="0" fontAlgn="base" hangingPunct="0">
+              <a:spcBef>
+                <a:spcPct val="0"/>
+              </a:spcBef>
+              <a:spcAft>
+                <a:spcPct val="0"/>
+              </a:spcAft>
+              <a:defRPr kern="1200">
+                <a:solidFill>
+                  <a:schemeClr val="tx1"/>
+                </a:solidFill>
+                <a:latin typeface="䑏䈷㑃㠵㍆㌶㜱㐴㜰" pitchFamily="34" charset="0"/>
+                <a:ea typeface="䑏S PGothic" pitchFamily="34" charset="-128"/>
+                <a:cs typeface="+mn-cs"/>
+              </a:defRPr>
+            </a:lvl5pPr>
+            <a:lvl6pPr marL="2286000" algn="l" defTabSz="914400" rtl="0" eaLnBrk="1" latinLnBrk="0" hangingPunct="1">
+              <a:defRPr kern="1200">
+                <a:solidFill>
+                  <a:schemeClr val="tx1"/>
+                </a:solidFill>
+                <a:latin typeface="䑏䈷㑃㠵㍆㌶㜱㐴㜰" pitchFamily="34" charset="0"/>
+                <a:ea typeface="䑏S PGothic" pitchFamily="34" charset="-128"/>
+                <a:cs typeface="+mn-cs"/>
+              </a:defRPr>
+            </a:lvl6pPr>
+            <a:lvl7pPr marL="2743200" algn="l" defTabSz="914400" rtl="0" eaLnBrk="1" latinLnBrk="0" hangingPunct="1">
+              <a:defRPr kern="1200">
+                <a:solidFill>
+                  <a:schemeClr val="tx1"/>
+                </a:solidFill>
+                <a:latin typeface="䑏䈷㑃㠵㍆㌶㜱㐴㜰" pitchFamily="34" charset="0"/>
+                <a:ea typeface="䑏S PGothic" pitchFamily="34" charset="-128"/>
+                <a:cs typeface="+mn-cs"/>
+              </a:defRPr>
+            </a:lvl7pPr>
+            <a:lvl8pPr marL="3200400" algn="l" defTabSz="914400" rtl="0" eaLnBrk="1" latinLnBrk="0" hangingPunct="1">
+              <a:defRPr kern="1200">
+                <a:solidFill>
+                  <a:schemeClr val="tx1"/>
+                </a:solidFill>
+                <a:latin typeface="䑏䈷㑃㠵㍆㌶㜱㐴㜰" pitchFamily="34" charset="0"/>
+                <a:ea typeface="䑏S PGothic" pitchFamily="34" charset="-128"/>
+                <a:cs typeface="+mn-cs"/>
+              </a:defRPr>
+            </a:lvl8pPr>
+            <a:lvl9pPr marL="3657600" algn="l" defTabSz="914400" rtl="0" eaLnBrk="1" latinLnBrk="0" hangingPunct="1">
+              <a:defRPr kern="1200">
+                <a:solidFill>
+                  <a:schemeClr val="tx1"/>
+                </a:solidFill>
+                <a:latin typeface="䑏䈷㑃㠵㍆㌶㜱㐴㜰" pitchFamily="34" charset="0"/>
+                <a:ea typeface="䑏S PGothic" pitchFamily="34" charset="-128"/>
+                <a:cs typeface="+mn-cs"/>
+              </a:defRPr>
+            </a:lvl9pPr>
+          </a:lstStyle>
+          <a:p>
+            <a:fld id="{884269F9-B5CE-EB46-8536-1F9E4423A6BA}" type="slidenum">
+              <a:rPr kumimoji="1" lang="zh-CN" altLang="en-US" sz="2400"/>
+              <a:pPr/>
+              <a:t>17</a:t>
+            </a:fld>
+            <a:endParaRPr kumimoji="1" lang="zh-CN" altLang="en-US" sz="2400" dirty="0"/>
+          </a:p>
+        </p:txBody>
+      </p:sp>
+      <p:sp>
+        <p:nvSpPr>
+          <p:cNvPr id="6" name="TextBox 35">
+            <a:extLst>
+              <a:ext uri="{FF2B5EF4-FFF2-40B4-BE49-F238E27FC236}">
+                <a16:creationId xmlns:a16="http://schemas.microsoft.com/office/drawing/2014/main" id="{E53416C9-1750-5F50-6E10-678405817832}"/>
+              </a:ext>
+            </a:extLst>
+          </p:cNvPr>
+          <p:cNvSpPr txBox="1">
+            <a:spLocks noChangeArrowheads="1"/>
+          </p:cNvSpPr>
+          <p:nvPr/>
+        </p:nvSpPr>
+        <p:spPr bwMode="auto">
+          <a:xfrm>
+            <a:off x="4406333" y="5763488"/>
+            <a:ext cx="5090596" cy="502766"/>
+          </a:xfrm>
+          <a:prstGeom prst="rect">
+            <a:avLst/>
+          </a:prstGeom>
+          <a:noFill/>
+          <a:ln>
+            <a:noFill/>
+          </a:ln>
+          <a:extLst>
+            <a:ext uri="{909E8E84-426E-40DD-AFC4-6F175D3DCCD1}">
+              <a14:hiddenFill xmlns:a14="http://schemas.microsoft.com/office/drawing/2010/main">
+                <a:solidFill>
+                  <a:srgbClr val="FFFFFF"/>
+                </a:solidFill>
+              </a14:hiddenFill>
+            </a:ext>
+            <a:ext uri="{91240B29-F687-4F45-9708-019B960494DF}">
+              <a14:hiddenLine xmlns:a14="http://schemas.microsoft.com/office/drawing/2010/main" w="9525">
+                <a:solidFill>
+                  <a:srgbClr val="000000"/>
+                </a:solidFill>
+                <a:miter lim="800000"/>
+                <a:headEnd/>
+                <a:tailEnd/>
+              </a14:hiddenLine>
+            </a:ext>
+          </a:extLst>
+        </p:spPr>
+        <p:txBody>
+          <a:bodyPr wrap="square">
+            <a:spAutoFit/>
+          </a:bodyPr>
+          <a:lstStyle>
+            <a:lvl1pPr>
+              <a:buFont typeface="Arial" panose="020B0604020202020204" pitchFamily="34" charset="0"/>
+              <a:defRPr>
+                <a:solidFill>
+                  <a:schemeClr val="tx1"/>
+                </a:solidFill>
+                <a:latin typeface="䑏䈷㑃㠵㍆㌶㜱㐴㜰" pitchFamily="34" charset="0"/>
+                <a:ea typeface="䑏S PGothic" pitchFamily="34" charset="-128"/>
+              </a:defRPr>
+            </a:lvl1pPr>
+            <a:lvl2pPr marL="742950" indent="-285750">
+              <a:buFont typeface="Arial" panose="020B0604020202020204" pitchFamily="34" charset="0"/>
+              <a:defRPr>
+                <a:solidFill>
+                  <a:schemeClr val="tx1"/>
+                </a:solidFill>
+                <a:latin typeface="䑏䈷㑃㠵㍆㌶㜱㐴㜰" pitchFamily="34" charset="0"/>
+                <a:ea typeface="䑏S PGothic" pitchFamily="34" charset="-128"/>
+              </a:defRPr>
+            </a:lvl2pPr>
+            <a:lvl3pPr marL="1143000" indent="-228600">
+              <a:buFont typeface="Arial" panose="020B0604020202020204" pitchFamily="34" charset="0"/>
+              <a:defRPr>
+                <a:solidFill>
+                  <a:schemeClr val="tx1"/>
+                </a:solidFill>
+                <a:latin typeface="䑏䈷㑃㠵㍆㌶㜱㐴㜰" pitchFamily="34" charset="0"/>
+                <a:ea typeface="䑏S PGothic" pitchFamily="34" charset="-128"/>
+              </a:defRPr>
+            </a:lvl3pPr>
+            <a:lvl4pPr marL="1600200" indent="-228600">
+              <a:buFont typeface="Arial" panose="020B0604020202020204" pitchFamily="34" charset="0"/>
+              <a:defRPr>
+                <a:solidFill>
+                  <a:schemeClr val="tx1"/>
+                </a:solidFill>
+                <a:latin typeface="䑏䈷㑃㠵㍆㌶㜱㐴㜰" pitchFamily="34" charset="0"/>
+                <a:ea typeface="䑏S PGothic" pitchFamily="34" charset="-128"/>
+              </a:defRPr>
+            </a:lvl4pPr>
+            <a:lvl5pPr marL="2057400" indent="-228600">
+              <a:buFont typeface="Arial" panose="020B0604020202020204" pitchFamily="34" charset="0"/>
+              <a:defRPr>
+                <a:solidFill>
+                  <a:schemeClr val="tx1"/>
+                </a:solidFill>
+                <a:latin typeface="䑏䈷㑃㠵㍆㌶㜱㐴㜰" pitchFamily="34" charset="0"/>
+                <a:ea typeface="䑏S PGothic" pitchFamily="34" charset="-128"/>
+              </a:defRPr>
+            </a:lvl5pPr>
+            <a:lvl6pPr marL="2514600" indent="-228600" defTabSz="457200" eaLnBrk="0" fontAlgn="base" hangingPunct="0">
+              <a:spcBef>
+                <a:spcPct val="0"/>
+              </a:spcBef>
+              <a:spcAft>
+                <a:spcPct val="0"/>
+              </a:spcAft>
+              <a:buFont typeface="Arial" panose="020B0604020202020204" pitchFamily="34" charset="0"/>
+              <a:defRPr>
+                <a:solidFill>
+                  <a:schemeClr val="tx1"/>
+                </a:solidFill>
+                <a:latin typeface="䑏䈷㑃㠵㍆㌶㜱㐴㜰" pitchFamily="34" charset="0"/>
+                <a:ea typeface="䑏S PGothic" pitchFamily="34" charset="-128"/>
+              </a:defRPr>
+            </a:lvl6pPr>
+            <a:lvl7pPr marL="2971800" indent="-228600" defTabSz="457200" eaLnBrk="0" fontAlgn="base" hangingPunct="0">
+              <a:spcBef>
+                <a:spcPct val="0"/>
+              </a:spcBef>
+              <a:spcAft>
+                <a:spcPct val="0"/>
+              </a:spcAft>
+              <a:buFont typeface="Arial" panose="020B0604020202020204" pitchFamily="34" charset="0"/>
+              <a:defRPr>
+                <a:solidFill>
+                  <a:schemeClr val="tx1"/>
+                </a:solidFill>
+                <a:latin typeface="䑏䈷㑃㠵㍆㌶㜱㐴㜰" pitchFamily="34" charset="0"/>
+                <a:ea typeface="䑏S PGothic" pitchFamily="34" charset="-128"/>
+              </a:defRPr>
+            </a:lvl7pPr>
+            <a:lvl8pPr marL="3429000" indent="-228600" defTabSz="457200" eaLnBrk="0" fontAlgn="base" hangingPunct="0">
+              <a:spcBef>
+                <a:spcPct val="0"/>
+              </a:spcBef>
+              <a:spcAft>
+                <a:spcPct val="0"/>
+              </a:spcAft>
+              <a:buFont typeface="Arial" panose="020B0604020202020204" pitchFamily="34" charset="0"/>
+              <a:defRPr>
+                <a:solidFill>
+                  <a:schemeClr val="tx1"/>
+                </a:solidFill>
+                <a:latin typeface="䑏䈷㑃㠵㍆㌶㜱㐴㜰" pitchFamily="34" charset="0"/>
+                <a:ea typeface="䑏S PGothic" pitchFamily="34" charset="-128"/>
+              </a:defRPr>
+            </a:lvl8pPr>
+            <a:lvl9pPr marL="3886200" indent="-228600" defTabSz="457200" eaLnBrk="0" fontAlgn="base" hangingPunct="0">
+              <a:spcBef>
+                <a:spcPct val="0"/>
+              </a:spcBef>
+              <a:spcAft>
+                <a:spcPct val="0"/>
+              </a:spcAft>
+              <a:buFont typeface="Arial" panose="020B0604020202020204" pitchFamily="34" charset="0"/>
+              <a:defRPr>
+                <a:solidFill>
+                  <a:schemeClr val="tx1"/>
+                </a:solidFill>
+                <a:latin typeface="䑏䈷㑃㠵㍆㌶㜱㐴㜰" pitchFamily="34" charset="0"/>
+                <a:ea typeface="䑏S PGothic" pitchFamily="34" charset="-128"/>
+              </a:defRPr>
+            </a:lvl9pPr>
+          </a:lstStyle>
+          <a:p>
+            <a:r>
               <a:rPr lang="zh-CN" altLang="en-US" sz="2667" b="1" dirty="0">
                 <a:latin typeface="微软雅黑" panose="020B0503020204020204" pitchFamily="34" charset="-122"/>
                 <a:ea typeface="微软雅黑" panose="020B0503020204020204" pitchFamily="34" charset="-122"/>
                 <a:sym typeface="楷体" panose="02010609060101010101" pitchFamily="49" charset="-122"/>
               </a:rPr>
-              <a:t>附录：</a:t>
+              <a:t>基于业务原生</a:t>
+            </a:r>
+            <a:r>
+              <a:rPr lang="en-US" altLang="zh-CN" sz="2667" b="1" dirty="0">
+                <a:latin typeface="微软雅黑" panose="020B0503020204020204" pitchFamily="34" charset="-122"/>
+                <a:ea typeface="微软雅黑" panose="020B0503020204020204" pitchFamily="34" charset="-122"/>
+                <a:sym typeface="楷体" panose="02010609060101010101" pitchFamily="49" charset="-122"/>
+              </a:rPr>
+              <a:t>AI</a:t>
+            </a:r>
+            <a:r>
+              <a:rPr lang="zh-CN" altLang="en-US" sz="2667" b="1" dirty="0">
+                <a:latin typeface="微软雅黑" panose="020B0503020204020204" pitchFamily="34" charset="-122"/>
+                <a:ea typeface="微软雅黑" panose="020B0503020204020204" pitchFamily="34" charset="-122"/>
+                <a:sym typeface="楷体" panose="02010609060101010101" pitchFamily="49" charset="-122"/>
+              </a:rPr>
+              <a:t>架构的视角</a:t>
             </a:r>
             <a:endParaRPr lang="en-US" altLang="zh-CN" sz="2667" b="1" dirty="0">
               <a:latin typeface="微软雅黑" panose="020B0503020204020204" pitchFamily="34" charset="-122"/>
@@ -16442,27 +16688,1835 @@
               <a:sym typeface="楷体" panose="02010609060101010101" pitchFamily="49" charset="-122"/>
             </a:endParaRPr>
           </a:p>
-          <a:p>
-            <a:r>
-              <a:rPr lang="zh-CN" altLang="en-US" sz="2667" b="1" dirty="0">
-                <a:latin typeface="微软雅黑" panose="020B0503020204020204" pitchFamily="34" charset="-122"/>
-                <a:ea typeface="微软雅黑" panose="020B0503020204020204" pitchFamily="34" charset="-122"/>
-                <a:sym typeface="楷体" panose="02010609060101010101" pitchFamily="49" charset="-122"/>
-              </a:rPr>
-              <a:t>你想的也可以增加</a:t>
-            </a:r>
-            <a:endParaRPr lang="en-US" altLang="zh-CN" sz="2667" b="1" dirty="0">
+        </p:txBody>
+      </p:sp>
+      <p:sp>
+        <p:nvSpPr>
+          <p:cNvPr id="5" name="矩形 4">
+            <a:extLst>
+              <a:ext uri="{FF2B5EF4-FFF2-40B4-BE49-F238E27FC236}">
+                <a16:creationId xmlns:a16="http://schemas.microsoft.com/office/drawing/2014/main" id="{AB8EB585-FDF7-1B0D-E48D-E8652E2ADE7D}"/>
+              </a:ext>
+            </a:extLst>
+          </p:cNvPr>
+          <p:cNvSpPr/>
+          <p:nvPr/>
+        </p:nvSpPr>
+        <p:spPr>
+          <a:xfrm>
+            <a:off x="1457141" y="2797455"/>
+            <a:ext cx="1168019" cy="629904"/>
+          </a:xfrm>
+          <a:prstGeom prst="rect">
+            <a:avLst/>
+          </a:prstGeom>
+          <a:solidFill>
+            <a:srgbClr val="1F497D"/>
+          </a:solidFill>
+          <a:ln/>
+        </p:spPr>
+        <p:style>
+          <a:lnRef idx="1">
+            <a:schemeClr val="accent1"/>
+          </a:lnRef>
+          <a:fillRef idx="3">
+            <a:schemeClr val="accent1"/>
+          </a:fillRef>
+          <a:effectRef idx="2">
+            <a:schemeClr val="accent1"/>
+          </a:effectRef>
+          <a:fontRef idx="minor">
+            <a:schemeClr val="lt1"/>
+          </a:fontRef>
+        </p:style>
+        <p:txBody>
+          <a:bodyPr rtlCol="0" anchor="ctr"/>
+          <a:lstStyle/>
+          <a:p>
+            <a:pPr algn="ctr"/>
+            <a:r>
+              <a:rPr lang="zh-CN" altLang="en-US" sz="1400" dirty="0">
+                <a:latin typeface="微软雅黑" panose="020B0503020204020204" pitchFamily="34" charset="-122"/>
+                <a:ea typeface="微软雅黑" panose="020B0503020204020204" pitchFamily="34" charset="-122"/>
+              </a:rPr>
+              <a:t>多源数据</a:t>
+            </a:r>
+            <a:endParaRPr lang="en-US" altLang="zh-CN" sz="1400" dirty="0">
               <a:latin typeface="微软雅黑" panose="020B0503020204020204" pitchFamily="34" charset="-122"/>
               <a:ea typeface="微软雅黑" panose="020B0503020204020204" pitchFamily="34" charset="-122"/>
-              <a:sym typeface="楷体" panose="02010609060101010101" pitchFamily="49" charset="-122"/>
             </a:endParaRPr>
           </a:p>
-        </p:txBody>
-      </p:sp>
+          <a:p>
+            <a:pPr algn="ctr"/>
+            <a:r>
+              <a:rPr lang="zh-CN" altLang="en-US" sz="1400" dirty="0">
+                <a:latin typeface="微软雅黑" panose="020B0503020204020204" pitchFamily="34" charset="-122"/>
+                <a:ea typeface="微软雅黑" panose="020B0503020204020204" pitchFamily="34" charset="-122"/>
+              </a:rPr>
+              <a:t>实时接入</a:t>
+            </a:r>
+            <a:endParaRPr lang="en-US" altLang="zh-CN" sz="1400" dirty="0">
+              <a:latin typeface="微软雅黑" panose="020B0503020204020204" pitchFamily="34" charset="-122"/>
+              <a:ea typeface="微软雅黑" panose="020B0503020204020204" pitchFamily="34" charset="-122"/>
+            </a:endParaRPr>
+          </a:p>
+        </p:txBody>
+      </p:sp>
+      <p:sp>
+        <p:nvSpPr>
+          <p:cNvPr id="11" name="矩形 10">
+            <a:extLst>
+              <a:ext uri="{FF2B5EF4-FFF2-40B4-BE49-F238E27FC236}">
+                <a16:creationId xmlns:a16="http://schemas.microsoft.com/office/drawing/2014/main" id="{B749498E-EBEC-429A-ABDE-4C49EAB7E3A8}"/>
+              </a:ext>
+            </a:extLst>
+          </p:cNvPr>
+          <p:cNvSpPr/>
+          <p:nvPr/>
+        </p:nvSpPr>
+        <p:spPr>
+          <a:xfrm>
+            <a:off x="5802856" y="554230"/>
+            <a:ext cx="1168019" cy="629904"/>
+          </a:xfrm>
+          <a:prstGeom prst="rect">
+            <a:avLst/>
+          </a:prstGeom>
+          <a:solidFill>
+            <a:srgbClr val="1F497D"/>
+          </a:solidFill>
+          <a:ln/>
+        </p:spPr>
+        <p:style>
+          <a:lnRef idx="1">
+            <a:schemeClr val="accent1"/>
+          </a:lnRef>
+          <a:fillRef idx="3">
+            <a:schemeClr val="accent1"/>
+          </a:fillRef>
+          <a:effectRef idx="2">
+            <a:schemeClr val="accent1"/>
+          </a:effectRef>
+          <a:fontRef idx="minor">
+            <a:schemeClr val="lt1"/>
+          </a:fontRef>
+        </p:style>
+        <p:txBody>
+          <a:bodyPr rtlCol="0" anchor="ctr"/>
+          <a:lstStyle/>
+          <a:p>
+            <a:pPr algn="ctr"/>
+            <a:r>
+              <a:rPr lang="en-US" altLang="zh-CN" sz="1400" dirty="0">
+                <a:latin typeface="微软雅黑" panose="020B0503020204020204" pitchFamily="34" charset="-122"/>
+                <a:ea typeface="微软雅黑" panose="020B0503020204020204" pitchFamily="34" charset="-122"/>
+              </a:rPr>
+              <a:t>AI</a:t>
+            </a:r>
+            <a:r>
+              <a:rPr lang="zh-CN" altLang="en-US" sz="1400" dirty="0">
+                <a:latin typeface="微软雅黑" panose="020B0503020204020204" pitchFamily="34" charset="-122"/>
+                <a:ea typeface="微软雅黑" panose="020B0503020204020204" pitchFamily="34" charset="-122"/>
+              </a:rPr>
+              <a:t>原生应用</a:t>
+            </a:r>
+            <a:endParaRPr lang="en-US" altLang="zh-CN" sz="1400" dirty="0">
+              <a:latin typeface="微软雅黑" panose="020B0503020204020204" pitchFamily="34" charset="-122"/>
+              <a:ea typeface="微软雅黑" panose="020B0503020204020204" pitchFamily="34" charset="-122"/>
+            </a:endParaRPr>
+          </a:p>
+        </p:txBody>
+      </p:sp>
+      <p:sp>
+        <p:nvSpPr>
+          <p:cNvPr id="13" name="矩形 12">
+            <a:extLst>
+              <a:ext uri="{FF2B5EF4-FFF2-40B4-BE49-F238E27FC236}">
+                <a16:creationId xmlns:a16="http://schemas.microsoft.com/office/drawing/2014/main" id="{E6F75C0A-7631-5CA6-77A4-A27BCACFCA04}"/>
+              </a:ext>
+            </a:extLst>
+          </p:cNvPr>
+          <p:cNvSpPr/>
+          <p:nvPr/>
+        </p:nvSpPr>
+        <p:spPr>
+          <a:xfrm>
+            <a:off x="2522626" y="1624180"/>
+            <a:ext cx="1168019" cy="629904"/>
+          </a:xfrm>
+          <a:prstGeom prst="rect">
+            <a:avLst/>
+          </a:prstGeom>
+          <a:solidFill>
+            <a:srgbClr val="1F497D"/>
+          </a:solidFill>
+          <a:ln/>
+        </p:spPr>
+        <p:style>
+          <a:lnRef idx="1">
+            <a:schemeClr val="accent1"/>
+          </a:lnRef>
+          <a:fillRef idx="3">
+            <a:schemeClr val="accent1"/>
+          </a:fillRef>
+          <a:effectRef idx="2">
+            <a:schemeClr val="accent1"/>
+          </a:effectRef>
+          <a:fontRef idx="minor">
+            <a:schemeClr val="lt1"/>
+          </a:fontRef>
+        </p:style>
+        <p:txBody>
+          <a:bodyPr rtlCol="0" anchor="ctr"/>
+          <a:lstStyle/>
+          <a:p>
+            <a:pPr algn="ctr"/>
+            <a:r>
+              <a:rPr lang="zh-CN" altLang="en-US" sz="1400" dirty="0">
+                <a:latin typeface="微软雅黑" panose="020B0503020204020204" pitchFamily="34" charset="-122"/>
+                <a:ea typeface="微软雅黑" panose="020B0503020204020204" pitchFamily="34" charset="-122"/>
+              </a:rPr>
+              <a:t>实时</a:t>
+            </a:r>
+            <a:endParaRPr lang="en-US" altLang="zh-CN" sz="1400" dirty="0">
+              <a:latin typeface="微软雅黑" panose="020B0503020204020204" pitchFamily="34" charset="-122"/>
+              <a:ea typeface="微软雅黑" panose="020B0503020204020204" pitchFamily="34" charset="-122"/>
+            </a:endParaRPr>
+          </a:p>
+          <a:p>
+            <a:pPr algn="ctr"/>
+            <a:r>
+              <a:rPr lang="zh-CN" altLang="en-US" sz="1400" dirty="0">
+                <a:latin typeface="微软雅黑" panose="020B0503020204020204" pitchFamily="34" charset="-122"/>
+                <a:ea typeface="微软雅黑" panose="020B0503020204020204" pitchFamily="34" charset="-122"/>
+              </a:rPr>
+              <a:t>数据智能</a:t>
+            </a:r>
+            <a:endParaRPr lang="en-US" altLang="zh-CN" sz="1400" dirty="0">
+              <a:latin typeface="微软雅黑" panose="020B0503020204020204" pitchFamily="34" charset="-122"/>
+              <a:ea typeface="微软雅黑" panose="020B0503020204020204" pitchFamily="34" charset="-122"/>
+            </a:endParaRPr>
+          </a:p>
+        </p:txBody>
+      </p:sp>
+      <p:cxnSp>
+        <p:nvCxnSpPr>
+          <p:cNvPr id="21" name="直接箭头连接符 20">
+            <a:extLst>
+              <a:ext uri="{FF2B5EF4-FFF2-40B4-BE49-F238E27FC236}">
+                <a16:creationId xmlns:a16="http://schemas.microsoft.com/office/drawing/2014/main" id="{AD3DACCC-9718-ED21-2BA4-FDD860EEF5E8}"/>
+              </a:ext>
+            </a:extLst>
+          </p:cNvPr>
+          <p:cNvCxnSpPr>
+            <a:cxnSpLocks/>
+            <a:stCxn id="11" idx="2"/>
+            <a:endCxn id="9" idx="0"/>
+          </p:cNvCxnSpPr>
+          <p:nvPr/>
+        </p:nvCxnSpPr>
+        <p:spPr>
+          <a:xfrm>
+            <a:off x="6386866" y="1184134"/>
+            <a:ext cx="4440" cy="440046"/>
+          </a:xfrm>
+          <a:prstGeom prst="straightConnector1">
+            <a:avLst/>
+          </a:prstGeom>
+          <a:ln>
+            <a:tailEnd type="triangle"/>
+          </a:ln>
+        </p:spPr>
+        <p:style>
+          <a:lnRef idx="1">
+            <a:schemeClr val="accent1"/>
+          </a:lnRef>
+          <a:fillRef idx="0">
+            <a:schemeClr val="accent1"/>
+          </a:fillRef>
+          <a:effectRef idx="0">
+            <a:schemeClr val="accent1"/>
+          </a:effectRef>
+          <a:fontRef idx="minor">
+            <a:schemeClr val="tx1"/>
+          </a:fontRef>
+        </p:style>
+      </p:cxnSp>
+      <p:sp>
+        <p:nvSpPr>
+          <p:cNvPr id="3" name="矩形 2">
+            <a:extLst>
+              <a:ext uri="{FF2B5EF4-FFF2-40B4-BE49-F238E27FC236}">
+                <a16:creationId xmlns:a16="http://schemas.microsoft.com/office/drawing/2014/main" id="{9CCF6135-C96E-175D-A62A-F5923CBA3B2C}"/>
+              </a:ext>
+            </a:extLst>
+          </p:cNvPr>
+          <p:cNvSpPr/>
+          <p:nvPr/>
+        </p:nvSpPr>
+        <p:spPr>
+          <a:xfrm>
+            <a:off x="3384753" y="2797455"/>
+            <a:ext cx="1168019" cy="629904"/>
+          </a:xfrm>
+          <a:prstGeom prst="rect">
+            <a:avLst/>
+          </a:prstGeom>
+          <a:solidFill>
+            <a:srgbClr val="1F497D"/>
+          </a:solidFill>
+          <a:ln/>
+        </p:spPr>
+        <p:style>
+          <a:lnRef idx="1">
+            <a:schemeClr val="accent1"/>
+          </a:lnRef>
+          <a:fillRef idx="3">
+            <a:schemeClr val="accent1"/>
+          </a:fillRef>
+          <a:effectRef idx="2">
+            <a:schemeClr val="accent1"/>
+          </a:effectRef>
+          <a:fontRef idx="minor">
+            <a:schemeClr val="lt1"/>
+          </a:fontRef>
+        </p:style>
+        <p:txBody>
+          <a:bodyPr rtlCol="0" anchor="ctr"/>
+          <a:lstStyle/>
+          <a:p>
+            <a:pPr algn="ctr"/>
+            <a:r>
+              <a:rPr lang="zh-CN" altLang="en-US" sz="1400" dirty="0">
+                <a:latin typeface="微软雅黑" panose="020B0503020204020204" pitchFamily="34" charset="-122"/>
+                <a:ea typeface="微软雅黑" panose="020B0503020204020204" pitchFamily="34" charset="-122"/>
+              </a:rPr>
+              <a:t>上下文</a:t>
+            </a:r>
+            <a:endParaRPr lang="en-US" altLang="zh-CN" sz="1400" dirty="0">
+              <a:latin typeface="微软雅黑" panose="020B0503020204020204" pitchFamily="34" charset="-122"/>
+              <a:ea typeface="微软雅黑" panose="020B0503020204020204" pitchFamily="34" charset="-122"/>
+            </a:endParaRPr>
+          </a:p>
+          <a:p>
+            <a:pPr algn="ctr"/>
+            <a:r>
+              <a:rPr lang="zh-CN" altLang="en-US" sz="1400" dirty="0">
+                <a:latin typeface="微软雅黑" panose="020B0503020204020204" pitchFamily="34" charset="-122"/>
+                <a:ea typeface="微软雅黑" panose="020B0503020204020204" pitchFamily="34" charset="-122"/>
+              </a:rPr>
+              <a:t>感知处理</a:t>
+            </a:r>
+            <a:endParaRPr lang="en-US" altLang="zh-CN" sz="1400" dirty="0">
+              <a:latin typeface="微软雅黑" panose="020B0503020204020204" pitchFamily="34" charset="-122"/>
+              <a:ea typeface="微软雅黑" panose="020B0503020204020204" pitchFamily="34" charset="-122"/>
+            </a:endParaRPr>
+          </a:p>
+        </p:txBody>
+      </p:sp>
+      <p:sp>
+        <p:nvSpPr>
+          <p:cNvPr id="4" name="矩形 3">
+            <a:extLst>
+              <a:ext uri="{FF2B5EF4-FFF2-40B4-BE49-F238E27FC236}">
+                <a16:creationId xmlns:a16="http://schemas.microsoft.com/office/drawing/2014/main" id="{84E9C57A-0689-1E78-D10B-9069E628449A}"/>
+              </a:ext>
+            </a:extLst>
+          </p:cNvPr>
+          <p:cNvSpPr/>
+          <p:nvPr/>
+        </p:nvSpPr>
+        <p:spPr>
+          <a:xfrm>
+            <a:off x="4874215" y="2797455"/>
+            <a:ext cx="1168019" cy="629904"/>
+          </a:xfrm>
+          <a:prstGeom prst="rect">
+            <a:avLst/>
+          </a:prstGeom>
+          <a:solidFill>
+            <a:srgbClr val="1F497D"/>
+          </a:solidFill>
+          <a:ln/>
+        </p:spPr>
+        <p:style>
+          <a:lnRef idx="1">
+            <a:schemeClr val="accent1"/>
+          </a:lnRef>
+          <a:fillRef idx="3">
+            <a:schemeClr val="accent1"/>
+          </a:fillRef>
+          <a:effectRef idx="2">
+            <a:schemeClr val="accent1"/>
+          </a:effectRef>
+          <a:fontRef idx="minor">
+            <a:schemeClr val="lt1"/>
+          </a:fontRef>
+        </p:style>
+        <p:txBody>
+          <a:bodyPr rtlCol="0" anchor="ctr"/>
+          <a:lstStyle/>
+          <a:p>
+            <a:pPr algn="ctr"/>
+            <a:r>
+              <a:rPr lang="zh-CN" altLang="en-US" sz="1400" dirty="0">
+                <a:latin typeface="微软雅黑" panose="020B0503020204020204" pitchFamily="34" charset="-122"/>
+                <a:ea typeface="微软雅黑" panose="020B0503020204020204" pitchFamily="34" charset="-122"/>
+              </a:rPr>
+              <a:t>动态</a:t>
+            </a:r>
+            <a:endParaRPr lang="en-US" altLang="zh-CN" sz="1400" dirty="0">
+              <a:latin typeface="微软雅黑" panose="020B0503020204020204" pitchFamily="34" charset="-122"/>
+              <a:ea typeface="微软雅黑" panose="020B0503020204020204" pitchFamily="34" charset="-122"/>
+            </a:endParaRPr>
+          </a:p>
+          <a:p>
+            <a:pPr algn="ctr"/>
+            <a:r>
+              <a:rPr lang="zh-CN" altLang="en-US" sz="1400" dirty="0">
+                <a:latin typeface="微软雅黑" panose="020B0503020204020204" pitchFamily="34" charset="-122"/>
+                <a:ea typeface="微软雅黑" panose="020B0503020204020204" pitchFamily="34" charset="-122"/>
+              </a:rPr>
+              <a:t>规则生成</a:t>
+            </a:r>
+            <a:endParaRPr lang="en-US" altLang="zh-CN" sz="1400" dirty="0">
+              <a:latin typeface="微软雅黑" panose="020B0503020204020204" pitchFamily="34" charset="-122"/>
+              <a:ea typeface="微软雅黑" panose="020B0503020204020204" pitchFamily="34" charset="-122"/>
+            </a:endParaRPr>
+          </a:p>
+        </p:txBody>
+      </p:sp>
+      <p:sp>
+        <p:nvSpPr>
+          <p:cNvPr id="9" name="矩形 8">
+            <a:extLst>
+              <a:ext uri="{FF2B5EF4-FFF2-40B4-BE49-F238E27FC236}">
+                <a16:creationId xmlns:a16="http://schemas.microsoft.com/office/drawing/2014/main" id="{853C21CB-673D-A537-2525-DFB4A543DAB6}"/>
+              </a:ext>
+            </a:extLst>
+          </p:cNvPr>
+          <p:cNvSpPr/>
+          <p:nvPr/>
+        </p:nvSpPr>
+        <p:spPr>
+          <a:xfrm>
+            <a:off x="5807296" y="1624180"/>
+            <a:ext cx="1168019" cy="629904"/>
+          </a:xfrm>
+          <a:prstGeom prst="rect">
+            <a:avLst/>
+          </a:prstGeom>
+          <a:solidFill>
+            <a:srgbClr val="1F497D"/>
+          </a:solidFill>
+          <a:ln/>
+        </p:spPr>
+        <p:style>
+          <a:lnRef idx="1">
+            <a:schemeClr val="accent1"/>
+          </a:lnRef>
+          <a:fillRef idx="3">
+            <a:schemeClr val="accent1"/>
+          </a:fillRef>
+          <a:effectRef idx="2">
+            <a:schemeClr val="accent1"/>
+          </a:effectRef>
+          <a:fontRef idx="minor">
+            <a:schemeClr val="lt1"/>
+          </a:fontRef>
+        </p:style>
+        <p:txBody>
+          <a:bodyPr rtlCol="0" anchor="ctr"/>
+          <a:lstStyle/>
+          <a:p>
+            <a:pPr algn="ctr"/>
+            <a:r>
+              <a:rPr lang="zh-CN" altLang="en-US" sz="1400" dirty="0">
+                <a:latin typeface="微软雅黑" panose="020B0503020204020204" pitchFamily="34" charset="-122"/>
+                <a:ea typeface="微软雅黑" panose="020B0503020204020204" pitchFamily="34" charset="-122"/>
+              </a:rPr>
+              <a:t>自主</a:t>
+            </a:r>
+            <a:endParaRPr lang="en-US" altLang="zh-CN" sz="1400" dirty="0">
+              <a:latin typeface="微软雅黑" panose="020B0503020204020204" pitchFamily="34" charset="-122"/>
+              <a:ea typeface="微软雅黑" panose="020B0503020204020204" pitchFamily="34" charset="-122"/>
+            </a:endParaRPr>
+          </a:p>
+          <a:p>
+            <a:pPr algn="ctr"/>
+            <a:r>
+              <a:rPr lang="zh-CN" altLang="en-US" sz="1400" dirty="0">
+                <a:latin typeface="微软雅黑" panose="020B0503020204020204" pitchFamily="34" charset="-122"/>
+                <a:ea typeface="微软雅黑" panose="020B0503020204020204" pitchFamily="34" charset="-122"/>
+              </a:rPr>
+              <a:t>决策引擎</a:t>
+            </a:r>
+            <a:endParaRPr lang="en-US" altLang="zh-CN" sz="1400" dirty="0">
+              <a:latin typeface="微软雅黑" panose="020B0503020204020204" pitchFamily="34" charset="-122"/>
+              <a:ea typeface="微软雅黑" panose="020B0503020204020204" pitchFamily="34" charset="-122"/>
+            </a:endParaRPr>
+          </a:p>
+        </p:txBody>
+      </p:sp>
+      <p:sp>
+        <p:nvSpPr>
+          <p:cNvPr id="10" name="矩形 9">
+            <a:extLst>
+              <a:ext uri="{FF2B5EF4-FFF2-40B4-BE49-F238E27FC236}">
+                <a16:creationId xmlns:a16="http://schemas.microsoft.com/office/drawing/2014/main" id="{A1A0EFEF-13D3-46D4-C8B4-DBDB6C782CFF}"/>
+              </a:ext>
+            </a:extLst>
+          </p:cNvPr>
+          <p:cNvSpPr/>
+          <p:nvPr/>
+        </p:nvSpPr>
+        <p:spPr>
+          <a:xfrm>
+            <a:off x="6801827" y="2797455"/>
+            <a:ext cx="1168019" cy="629904"/>
+          </a:xfrm>
+          <a:prstGeom prst="rect">
+            <a:avLst/>
+          </a:prstGeom>
+          <a:solidFill>
+            <a:srgbClr val="1F497D"/>
+          </a:solidFill>
+          <a:ln/>
+        </p:spPr>
+        <p:style>
+          <a:lnRef idx="1">
+            <a:schemeClr val="accent1"/>
+          </a:lnRef>
+          <a:fillRef idx="3">
+            <a:schemeClr val="accent1"/>
+          </a:fillRef>
+          <a:effectRef idx="2">
+            <a:schemeClr val="accent1"/>
+          </a:effectRef>
+          <a:fontRef idx="minor">
+            <a:schemeClr val="lt1"/>
+          </a:fontRef>
+        </p:style>
+        <p:txBody>
+          <a:bodyPr rtlCol="0" anchor="ctr"/>
+          <a:lstStyle/>
+          <a:p>
+            <a:pPr algn="ctr"/>
+            <a:r>
+              <a:rPr lang="zh-CN" altLang="en-US" sz="1400" dirty="0">
+                <a:latin typeface="微软雅黑" panose="020B0503020204020204" pitchFamily="34" charset="-122"/>
+                <a:ea typeface="微软雅黑" panose="020B0503020204020204" pitchFamily="34" charset="-122"/>
+              </a:rPr>
+              <a:t>结果</a:t>
+            </a:r>
+            <a:endParaRPr lang="en-US" altLang="zh-CN" sz="1400" dirty="0">
+              <a:latin typeface="微软雅黑" panose="020B0503020204020204" pitchFamily="34" charset="-122"/>
+              <a:ea typeface="微软雅黑" panose="020B0503020204020204" pitchFamily="34" charset="-122"/>
+            </a:endParaRPr>
+          </a:p>
+          <a:p>
+            <a:pPr algn="ctr"/>
+            <a:r>
+              <a:rPr lang="zh-CN" altLang="en-US" sz="1400" dirty="0">
+                <a:latin typeface="微软雅黑" panose="020B0503020204020204" pitchFamily="34" charset="-122"/>
+                <a:ea typeface="微软雅黑" panose="020B0503020204020204" pitchFamily="34" charset="-122"/>
+              </a:rPr>
+              <a:t>预测与验证</a:t>
+            </a:r>
+            <a:endParaRPr lang="en-US" altLang="zh-CN" sz="1400" dirty="0">
+              <a:latin typeface="微软雅黑" panose="020B0503020204020204" pitchFamily="34" charset="-122"/>
+              <a:ea typeface="微软雅黑" panose="020B0503020204020204" pitchFamily="34" charset="-122"/>
+            </a:endParaRPr>
+          </a:p>
+        </p:txBody>
+      </p:sp>
+      <p:sp>
+        <p:nvSpPr>
+          <p:cNvPr id="12" name="矩形 11">
+            <a:extLst>
+              <a:ext uri="{FF2B5EF4-FFF2-40B4-BE49-F238E27FC236}">
+                <a16:creationId xmlns:a16="http://schemas.microsoft.com/office/drawing/2014/main" id="{E04DBE25-37D2-D643-1349-4651AD4B176E}"/>
+              </a:ext>
+            </a:extLst>
+          </p:cNvPr>
+          <p:cNvSpPr/>
+          <p:nvPr/>
+        </p:nvSpPr>
+        <p:spPr>
+          <a:xfrm>
+            <a:off x="8281764" y="2797455"/>
+            <a:ext cx="1168019" cy="629904"/>
+          </a:xfrm>
+          <a:prstGeom prst="rect">
+            <a:avLst/>
+          </a:prstGeom>
+          <a:solidFill>
+            <a:srgbClr val="1F497D"/>
+          </a:solidFill>
+          <a:ln/>
+        </p:spPr>
+        <p:style>
+          <a:lnRef idx="1">
+            <a:schemeClr val="accent1"/>
+          </a:lnRef>
+          <a:fillRef idx="3">
+            <a:schemeClr val="accent1"/>
+          </a:fillRef>
+          <a:effectRef idx="2">
+            <a:schemeClr val="accent1"/>
+          </a:effectRef>
+          <a:fontRef idx="minor">
+            <a:schemeClr val="lt1"/>
+          </a:fontRef>
+        </p:style>
+        <p:txBody>
+          <a:bodyPr rtlCol="0" anchor="ctr"/>
+          <a:lstStyle/>
+          <a:p>
+            <a:pPr algn="ctr"/>
+            <a:r>
+              <a:rPr lang="zh-CN" altLang="en-US" sz="1400" dirty="0">
+                <a:latin typeface="微软雅黑" panose="020B0503020204020204" pitchFamily="34" charset="-122"/>
+                <a:ea typeface="微软雅黑" panose="020B0503020204020204" pitchFamily="34" charset="-122"/>
+              </a:rPr>
+              <a:t>流程节点</a:t>
+            </a:r>
+            <a:endParaRPr lang="en-US" altLang="zh-CN" sz="1400" dirty="0">
+              <a:latin typeface="微软雅黑" panose="020B0503020204020204" pitchFamily="34" charset="-122"/>
+              <a:ea typeface="微软雅黑" panose="020B0503020204020204" pitchFamily="34" charset="-122"/>
+            </a:endParaRPr>
+          </a:p>
+          <a:p>
+            <a:pPr algn="ctr"/>
+            <a:r>
+              <a:rPr lang="zh-CN" altLang="en-US" sz="1400" dirty="0">
+                <a:latin typeface="微软雅黑" panose="020B0503020204020204" pitchFamily="34" charset="-122"/>
+                <a:ea typeface="微软雅黑" panose="020B0503020204020204" pitchFamily="34" charset="-122"/>
+              </a:rPr>
+              <a:t>智能调度</a:t>
+            </a:r>
+            <a:endParaRPr lang="en-US" altLang="zh-CN" sz="1400" dirty="0">
+              <a:latin typeface="微软雅黑" panose="020B0503020204020204" pitchFamily="34" charset="-122"/>
+              <a:ea typeface="微软雅黑" panose="020B0503020204020204" pitchFamily="34" charset="-122"/>
+            </a:endParaRPr>
+          </a:p>
+        </p:txBody>
+      </p:sp>
+      <p:sp>
+        <p:nvSpPr>
+          <p:cNvPr id="14" name="矩形 13">
+            <a:extLst>
+              <a:ext uri="{FF2B5EF4-FFF2-40B4-BE49-F238E27FC236}">
+                <a16:creationId xmlns:a16="http://schemas.microsoft.com/office/drawing/2014/main" id="{C04068C5-9C7F-3417-0567-6B1610619C31}"/>
+              </a:ext>
+            </a:extLst>
+          </p:cNvPr>
+          <p:cNvSpPr/>
+          <p:nvPr/>
+        </p:nvSpPr>
+        <p:spPr>
+          <a:xfrm>
+            <a:off x="9091966" y="1624180"/>
+            <a:ext cx="1168019" cy="629904"/>
+          </a:xfrm>
+          <a:prstGeom prst="rect">
+            <a:avLst/>
+          </a:prstGeom>
+          <a:solidFill>
+            <a:srgbClr val="1F497D"/>
+          </a:solidFill>
+          <a:ln/>
+        </p:spPr>
+        <p:style>
+          <a:lnRef idx="1">
+            <a:schemeClr val="accent1"/>
+          </a:lnRef>
+          <a:fillRef idx="3">
+            <a:schemeClr val="accent1"/>
+          </a:fillRef>
+          <a:effectRef idx="2">
+            <a:schemeClr val="accent1"/>
+          </a:effectRef>
+          <a:fontRef idx="minor">
+            <a:schemeClr val="lt1"/>
+          </a:fontRef>
+        </p:style>
+        <p:txBody>
+          <a:bodyPr rtlCol="0" anchor="ctr"/>
+          <a:lstStyle/>
+          <a:p>
+            <a:pPr algn="ctr"/>
+            <a:r>
+              <a:rPr lang="zh-CN" altLang="en-US" sz="1400" dirty="0">
+                <a:latin typeface="微软雅黑" panose="020B0503020204020204" pitchFamily="34" charset="-122"/>
+                <a:ea typeface="微软雅黑" panose="020B0503020204020204" pitchFamily="34" charset="-122"/>
+              </a:rPr>
+              <a:t>自适应</a:t>
+            </a:r>
+            <a:endParaRPr lang="en-US" altLang="zh-CN" sz="1400" dirty="0">
+              <a:latin typeface="微软雅黑" panose="020B0503020204020204" pitchFamily="34" charset="-122"/>
+              <a:ea typeface="微软雅黑" panose="020B0503020204020204" pitchFamily="34" charset="-122"/>
+            </a:endParaRPr>
+          </a:p>
+          <a:p>
+            <a:pPr algn="ctr"/>
+            <a:r>
+              <a:rPr lang="zh-CN" altLang="en-US" sz="1400" dirty="0">
+                <a:latin typeface="微软雅黑" panose="020B0503020204020204" pitchFamily="34" charset="-122"/>
+                <a:ea typeface="微软雅黑" panose="020B0503020204020204" pitchFamily="34" charset="-122"/>
+              </a:rPr>
+              <a:t>流程编排</a:t>
+            </a:r>
+            <a:endParaRPr lang="en-US" altLang="zh-CN" sz="1400" dirty="0">
+              <a:latin typeface="微软雅黑" panose="020B0503020204020204" pitchFamily="34" charset="-122"/>
+              <a:ea typeface="微软雅黑" panose="020B0503020204020204" pitchFamily="34" charset="-122"/>
+            </a:endParaRPr>
+          </a:p>
+        </p:txBody>
+      </p:sp>
+      <p:sp>
+        <p:nvSpPr>
+          <p:cNvPr id="18" name="矩形 17">
+            <a:extLst>
+              <a:ext uri="{FF2B5EF4-FFF2-40B4-BE49-F238E27FC236}">
+                <a16:creationId xmlns:a16="http://schemas.microsoft.com/office/drawing/2014/main" id="{80A4D35E-DF28-6414-E30E-ED408C90D023}"/>
+              </a:ext>
+            </a:extLst>
+          </p:cNvPr>
+          <p:cNvSpPr/>
+          <p:nvPr/>
+        </p:nvSpPr>
+        <p:spPr>
+          <a:xfrm>
+            <a:off x="10209375" y="2797455"/>
+            <a:ext cx="1168019" cy="629904"/>
+          </a:xfrm>
+          <a:prstGeom prst="rect">
+            <a:avLst/>
+          </a:prstGeom>
+          <a:solidFill>
+            <a:srgbClr val="1F497D"/>
+          </a:solidFill>
+          <a:ln/>
+        </p:spPr>
+        <p:style>
+          <a:lnRef idx="1">
+            <a:schemeClr val="accent1"/>
+          </a:lnRef>
+          <a:fillRef idx="3">
+            <a:schemeClr val="accent1"/>
+          </a:fillRef>
+          <a:effectRef idx="2">
+            <a:schemeClr val="accent1"/>
+          </a:effectRef>
+          <a:fontRef idx="minor">
+            <a:schemeClr val="lt1"/>
+          </a:fontRef>
+        </p:style>
+        <p:txBody>
+          <a:bodyPr rtlCol="0" anchor="ctr"/>
+          <a:lstStyle/>
+          <a:p>
+            <a:pPr algn="ctr"/>
+            <a:r>
+              <a:rPr lang="zh-CN" altLang="en-US" sz="1400" dirty="0">
+                <a:latin typeface="微软雅黑" panose="020B0503020204020204" pitchFamily="34" charset="-122"/>
+                <a:ea typeface="微软雅黑" panose="020B0503020204020204" pitchFamily="34" charset="-122"/>
+              </a:rPr>
+              <a:t>异常场景</a:t>
+            </a:r>
+            <a:endParaRPr lang="en-US" altLang="zh-CN" sz="1400" dirty="0">
+              <a:latin typeface="微软雅黑" panose="020B0503020204020204" pitchFamily="34" charset="-122"/>
+              <a:ea typeface="微软雅黑" panose="020B0503020204020204" pitchFamily="34" charset="-122"/>
+            </a:endParaRPr>
+          </a:p>
+          <a:p>
+            <a:pPr algn="ctr"/>
+            <a:r>
+              <a:rPr lang="zh-CN" altLang="en-US" sz="1400" dirty="0">
+                <a:latin typeface="微软雅黑" panose="020B0503020204020204" pitchFamily="34" charset="-122"/>
+                <a:ea typeface="微软雅黑" panose="020B0503020204020204" pitchFamily="34" charset="-122"/>
+              </a:rPr>
+              <a:t>自动修复</a:t>
+            </a:r>
+            <a:endParaRPr lang="en-US" altLang="zh-CN" sz="1400" dirty="0">
+              <a:latin typeface="微软雅黑" panose="020B0503020204020204" pitchFamily="34" charset="-122"/>
+              <a:ea typeface="微软雅黑" panose="020B0503020204020204" pitchFamily="34" charset="-122"/>
+            </a:endParaRPr>
+          </a:p>
+        </p:txBody>
+      </p:sp>
+      <p:cxnSp>
+        <p:nvCxnSpPr>
+          <p:cNvPr id="22" name="直接箭头连接符 21">
+            <a:extLst>
+              <a:ext uri="{FF2B5EF4-FFF2-40B4-BE49-F238E27FC236}">
+                <a16:creationId xmlns:a16="http://schemas.microsoft.com/office/drawing/2014/main" id="{31A3A37D-84F0-25EC-7B34-3B6043781E64}"/>
+              </a:ext>
+            </a:extLst>
+          </p:cNvPr>
+          <p:cNvCxnSpPr>
+            <a:cxnSpLocks/>
+            <a:stCxn id="11" idx="2"/>
+            <a:endCxn id="14" idx="0"/>
+          </p:cNvCxnSpPr>
+          <p:nvPr/>
+        </p:nvCxnSpPr>
+        <p:spPr>
+          <a:xfrm>
+            <a:off x="6386866" y="1184134"/>
+            <a:ext cx="3289110" cy="440046"/>
+          </a:xfrm>
+          <a:prstGeom prst="straightConnector1">
+            <a:avLst/>
+          </a:prstGeom>
+          <a:ln>
+            <a:tailEnd type="triangle"/>
+          </a:ln>
+        </p:spPr>
+        <p:style>
+          <a:lnRef idx="1">
+            <a:schemeClr val="accent1"/>
+          </a:lnRef>
+          <a:fillRef idx="0">
+            <a:schemeClr val="accent1"/>
+          </a:fillRef>
+          <a:effectRef idx="0">
+            <a:schemeClr val="accent1"/>
+          </a:effectRef>
+          <a:fontRef idx="minor">
+            <a:schemeClr val="tx1"/>
+          </a:fontRef>
+        </p:style>
+      </p:cxnSp>
+      <p:cxnSp>
+        <p:nvCxnSpPr>
+          <p:cNvPr id="26" name="直接箭头连接符 25">
+            <a:extLst>
+              <a:ext uri="{FF2B5EF4-FFF2-40B4-BE49-F238E27FC236}">
+                <a16:creationId xmlns:a16="http://schemas.microsoft.com/office/drawing/2014/main" id="{3304253A-B10D-1C36-FA61-F88E1C7C9E21}"/>
+              </a:ext>
+            </a:extLst>
+          </p:cNvPr>
+          <p:cNvCxnSpPr>
+            <a:cxnSpLocks/>
+            <a:stCxn id="11" idx="2"/>
+            <a:endCxn id="13" idx="0"/>
+          </p:cNvCxnSpPr>
+          <p:nvPr/>
+        </p:nvCxnSpPr>
+        <p:spPr>
+          <a:xfrm flipH="1">
+            <a:off x="3106636" y="1184134"/>
+            <a:ext cx="3280230" cy="440046"/>
+          </a:xfrm>
+          <a:prstGeom prst="straightConnector1">
+            <a:avLst/>
+          </a:prstGeom>
+          <a:ln>
+            <a:tailEnd type="triangle"/>
+          </a:ln>
+        </p:spPr>
+        <p:style>
+          <a:lnRef idx="1">
+            <a:schemeClr val="accent1"/>
+          </a:lnRef>
+          <a:fillRef idx="0">
+            <a:schemeClr val="accent1"/>
+          </a:fillRef>
+          <a:effectRef idx="0">
+            <a:schemeClr val="accent1"/>
+          </a:effectRef>
+          <a:fontRef idx="minor">
+            <a:schemeClr val="tx1"/>
+          </a:fontRef>
+        </p:style>
+      </p:cxnSp>
+      <p:cxnSp>
+        <p:nvCxnSpPr>
+          <p:cNvPr id="30" name="直接箭头连接符 29">
+            <a:extLst>
+              <a:ext uri="{FF2B5EF4-FFF2-40B4-BE49-F238E27FC236}">
+                <a16:creationId xmlns:a16="http://schemas.microsoft.com/office/drawing/2014/main" id="{30E0DC53-7835-DC55-17FE-710451718FD0}"/>
+              </a:ext>
+            </a:extLst>
+          </p:cNvPr>
+          <p:cNvCxnSpPr>
+            <a:cxnSpLocks/>
+            <a:stCxn id="13" idx="2"/>
+            <a:endCxn id="5" idx="0"/>
+          </p:cNvCxnSpPr>
+          <p:nvPr/>
+        </p:nvCxnSpPr>
+        <p:spPr>
+          <a:xfrm flipH="1">
+            <a:off x="2041151" y="2254084"/>
+            <a:ext cx="1065485" cy="543371"/>
+          </a:xfrm>
+          <a:prstGeom prst="straightConnector1">
+            <a:avLst/>
+          </a:prstGeom>
+          <a:ln>
+            <a:tailEnd type="triangle"/>
+          </a:ln>
+        </p:spPr>
+        <p:style>
+          <a:lnRef idx="1">
+            <a:schemeClr val="accent1"/>
+          </a:lnRef>
+          <a:fillRef idx="0">
+            <a:schemeClr val="accent1"/>
+          </a:fillRef>
+          <a:effectRef idx="0">
+            <a:schemeClr val="accent1"/>
+          </a:effectRef>
+          <a:fontRef idx="minor">
+            <a:schemeClr val="tx1"/>
+          </a:fontRef>
+        </p:style>
+      </p:cxnSp>
+      <p:cxnSp>
+        <p:nvCxnSpPr>
+          <p:cNvPr id="33" name="直接箭头连接符 32">
+            <a:extLst>
+              <a:ext uri="{FF2B5EF4-FFF2-40B4-BE49-F238E27FC236}">
+                <a16:creationId xmlns:a16="http://schemas.microsoft.com/office/drawing/2014/main" id="{95998390-C0E3-6147-99F0-3D0CAEA7F781}"/>
+              </a:ext>
+            </a:extLst>
+          </p:cNvPr>
+          <p:cNvCxnSpPr>
+            <a:cxnSpLocks/>
+            <a:stCxn id="13" idx="2"/>
+            <a:endCxn id="3" idx="0"/>
+          </p:cNvCxnSpPr>
+          <p:nvPr/>
+        </p:nvCxnSpPr>
+        <p:spPr>
+          <a:xfrm>
+            <a:off x="3106636" y="2254084"/>
+            <a:ext cx="862127" cy="543371"/>
+          </a:xfrm>
+          <a:prstGeom prst="straightConnector1">
+            <a:avLst/>
+          </a:prstGeom>
+          <a:ln>
+            <a:tailEnd type="triangle"/>
+          </a:ln>
+        </p:spPr>
+        <p:style>
+          <a:lnRef idx="1">
+            <a:schemeClr val="accent1"/>
+          </a:lnRef>
+          <a:fillRef idx="0">
+            <a:schemeClr val="accent1"/>
+          </a:fillRef>
+          <a:effectRef idx="0">
+            <a:schemeClr val="accent1"/>
+          </a:effectRef>
+          <a:fontRef idx="minor">
+            <a:schemeClr val="tx1"/>
+          </a:fontRef>
+        </p:style>
+      </p:cxnSp>
+      <p:cxnSp>
+        <p:nvCxnSpPr>
+          <p:cNvPr id="37" name="直接箭头连接符 36">
+            <a:extLst>
+              <a:ext uri="{FF2B5EF4-FFF2-40B4-BE49-F238E27FC236}">
+                <a16:creationId xmlns:a16="http://schemas.microsoft.com/office/drawing/2014/main" id="{EC3E7CAD-4835-0285-46EA-7948753AF583}"/>
+              </a:ext>
+            </a:extLst>
+          </p:cNvPr>
+          <p:cNvCxnSpPr>
+            <a:cxnSpLocks/>
+            <a:stCxn id="9" idx="2"/>
+            <a:endCxn id="4" idx="0"/>
+          </p:cNvCxnSpPr>
+          <p:nvPr/>
+        </p:nvCxnSpPr>
+        <p:spPr>
+          <a:xfrm flipH="1">
+            <a:off x="5458225" y="2254084"/>
+            <a:ext cx="933081" cy="543371"/>
+          </a:xfrm>
+          <a:prstGeom prst="straightConnector1">
+            <a:avLst/>
+          </a:prstGeom>
+          <a:ln>
+            <a:tailEnd type="triangle"/>
+          </a:ln>
+        </p:spPr>
+        <p:style>
+          <a:lnRef idx="1">
+            <a:schemeClr val="accent1"/>
+          </a:lnRef>
+          <a:fillRef idx="0">
+            <a:schemeClr val="accent1"/>
+          </a:fillRef>
+          <a:effectRef idx="0">
+            <a:schemeClr val="accent1"/>
+          </a:effectRef>
+          <a:fontRef idx="minor">
+            <a:schemeClr val="tx1"/>
+          </a:fontRef>
+        </p:style>
+      </p:cxnSp>
+      <p:cxnSp>
+        <p:nvCxnSpPr>
+          <p:cNvPr id="40" name="直接箭头连接符 39">
+            <a:extLst>
+              <a:ext uri="{FF2B5EF4-FFF2-40B4-BE49-F238E27FC236}">
+                <a16:creationId xmlns:a16="http://schemas.microsoft.com/office/drawing/2014/main" id="{02B4E83D-7ED8-8BE7-25E5-2DB70E6FA8B0}"/>
+              </a:ext>
+            </a:extLst>
+          </p:cNvPr>
+          <p:cNvCxnSpPr>
+            <a:cxnSpLocks/>
+            <a:stCxn id="9" idx="2"/>
+            <a:endCxn id="10" idx="0"/>
+          </p:cNvCxnSpPr>
+          <p:nvPr/>
+        </p:nvCxnSpPr>
+        <p:spPr>
+          <a:xfrm>
+            <a:off x="6391306" y="2254084"/>
+            <a:ext cx="994531" cy="543371"/>
+          </a:xfrm>
+          <a:prstGeom prst="straightConnector1">
+            <a:avLst/>
+          </a:prstGeom>
+          <a:ln>
+            <a:tailEnd type="triangle"/>
+          </a:ln>
+        </p:spPr>
+        <p:style>
+          <a:lnRef idx="1">
+            <a:schemeClr val="accent1"/>
+          </a:lnRef>
+          <a:fillRef idx="0">
+            <a:schemeClr val="accent1"/>
+          </a:fillRef>
+          <a:effectRef idx="0">
+            <a:schemeClr val="accent1"/>
+          </a:effectRef>
+          <a:fontRef idx="minor">
+            <a:schemeClr val="tx1"/>
+          </a:fontRef>
+        </p:style>
+      </p:cxnSp>
+      <p:cxnSp>
+        <p:nvCxnSpPr>
+          <p:cNvPr id="46" name="直接箭头连接符 45">
+            <a:extLst>
+              <a:ext uri="{FF2B5EF4-FFF2-40B4-BE49-F238E27FC236}">
+                <a16:creationId xmlns:a16="http://schemas.microsoft.com/office/drawing/2014/main" id="{B2DA25C1-C630-B292-82CE-D5AEA5E7B01B}"/>
+              </a:ext>
+            </a:extLst>
+          </p:cNvPr>
+          <p:cNvCxnSpPr>
+            <a:cxnSpLocks/>
+            <a:stCxn id="14" idx="2"/>
+            <a:endCxn id="12" idx="0"/>
+          </p:cNvCxnSpPr>
+          <p:nvPr/>
+        </p:nvCxnSpPr>
+        <p:spPr>
+          <a:xfrm flipH="1">
+            <a:off x="8865774" y="2254084"/>
+            <a:ext cx="810202" cy="543371"/>
+          </a:xfrm>
+          <a:prstGeom prst="straightConnector1">
+            <a:avLst/>
+          </a:prstGeom>
+          <a:ln>
+            <a:tailEnd type="triangle"/>
+          </a:ln>
+        </p:spPr>
+        <p:style>
+          <a:lnRef idx="1">
+            <a:schemeClr val="accent1"/>
+          </a:lnRef>
+          <a:fillRef idx="0">
+            <a:schemeClr val="accent1"/>
+          </a:fillRef>
+          <a:effectRef idx="0">
+            <a:schemeClr val="accent1"/>
+          </a:effectRef>
+          <a:fontRef idx="minor">
+            <a:schemeClr val="tx1"/>
+          </a:fontRef>
+        </p:style>
+      </p:cxnSp>
+      <p:cxnSp>
+        <p:nvCxnSpPr>
+          <p:cNvPr id="51" name="直接箭头连接符 50">
+            <a:extLst>
+              <a:ext uri="{FF2B5EF4-FFF2-40B4-BE49-F238E27FC236}">
+                <a16:creationId xmlns:a16="http://schemas.microsoft.com/office/drawing/2014/main" id="{9E7C1CD4-F9D2-AB50-8212-D300559A6EC5}"/>
+              </a:ext>
+            </a:extLst>
+          </p:cNvPr>
+          <p:cNvCxnSpPr>
+            <a:cxnSpLocks/>
+            <a:stCxn id="14" idx="2"/>
+            <a:endCxn id="18" idx="0"/>
+          </p:cNvCxnSpPr>
+          <p:nvPr/>
+        </p:nvCxnSpPr>
+        <p:spPr>
+          <a:xfrm>
+            <a:off x="9675976" y="2254084"/>
+            <a:ext cx="1117409" cy="543371"/>
+          </a:xfrm>
+          <a:prstGeom prst="straightConnector1">
+            <a:avLst/>
+          </a:prstGeom>
+          <a:ln>
+            <a:tailEnd type="triangle"/>
+          </a:ln>
+        </p:spPr>
+        <p:style>
+          <a:lnRef idx="1">
+            <a:schemeClr val="accent1"/>
+          </a:lnRef>
+          <a:fillRef idx="0">
+            <a:schemeClr val="accent1"/>
+          </a:fillRef>
+          <a:effectRef idx="0">
+            <a:schemeClr val="accent1"/>
+          </a:effectRef>
+          <a:fontRef idx="minor">
+            <a:schemeClr val="tx1"/>
+          </a:fontRef>
+        </p:style>
+      </p:cxnSp>
+      <p:sp>
+        <p:nvSpPr>
+          <p:cNvPr id="15360" name="矩形 15359">
+            <a:extLst>
+              <a:ext uri="{FF2B5EF4-FFF2-40B4-BE49-F238E27FC236}">
+                <a16:creationId xmlns:a16="http://schemas.microsoft.com/office/drawing/2014/main" id="{CD4B99B0-059B-A8FD-A179-1CAF983C8F8D}"/>
+              </a:ext>
+            </a:extLst>
+          </p:cNvPr>
+          <p:cNvSpPr/>
+          <p:nvPr/>
+        </p:nvSpPr>
+        <p:spPr>
+          <a:xfrm>
+            <a:off x="1457140" y="4197630"/>
+            <a:ext cx="1168019" cy="629904"/>
+          </a:xfrm>
+          <a:prstGeom prst="rect">
+            <a:avLst/>
+          </a:prstGeom>
+          <a:solidFill>
+            <a:srgbClr val="1F497D"/>
+          </a:solidFill>
+          <a:ln/>
+        </p:spPr>
+        <p:style>
+          <a:lnRef idx="1">
+            <a:schemeClr val="accent1"/>
+          </a:lnRef>
+          <a:fillRef idx="3">
+            <a:schemeClr val="accent1"/>
+          </a:fillRef>
+          <a:effectRef idx="2">
+            <a:schemeClr val="accent1"/>
+          </a:effectRef>
+          <a:fontRef idx="minor">
+            <a:schemeClr val="lt1"/>
+          </a:fontRef>
+        </p:style>
+        <p:txBody>
+          <a:bodyPr rtlCol="0" anchor="ctr"/>
+          <a:lstStyle/>
+          <a:p>
+            <a:pPr algn="ctr"/>
+            <a:r>
+              <a:rPr lang="zh-CN" altLang="en-US" sz="1400" dirty="0">
+                <a:latin typeface="微软雅黑" panose="020B0503020204020204" pitchFamily="34" charset="-122"/>
+                <a:ea typeface="微软雅黑" panose="020B0503020204020204" pitchFamily="34" charset="-122"/>
+              </a:rPr>
+              <a:t>系统</a:t>
+            </a:r>
+            <a:endParaRPr lang="en-US" altLang="zh-CN" sz="1400" dirty="0">
+              <a:latin typeface="微软雅黑" panose="020B0503020204020204" pitchFamily="34" charset="-122"/>
+              <a:ea typeface="微软雅黑" panose="020B0503020204020204" pitchFamily="34" charset="-122"/>
+            </a:endParaRPr>
+          </a:p>
+          <a:p>
+            <a:pPr algn="ctr"/>
+            <a:r>
+              <a:rPr lang="en-US" altLang="zh-CN" sz="1400" dirty="0">
+                <a:latin typeface="微软雅黑" panose="020B0503020204020204" pitchFamily="34" charset="-122"/>
+                <a:ea typeface="微软雅黑" panose="020B0503020204020204" pitchFamily="34" charset="-122"/>
+              </a:rPr>
+              <a:t>Agent</a:t>
+            </a:r>
+          </a:p>
+        </p:txBody>
+      </p:sp>
+      <p:cxnSp>
+        <p:nvCxnSpPr>
+          <p:cNvPr id="15365" name="直接连接符 15364">
+            <a:extLst>
+              <a:ext uri="{FF2B5EF4-FFF2-40B4-BE49-F238E27FC236}">
+                <a16:creationId xmlns:a16="http://schemas.microsoft.com/office/drawing/2014/main" id="{46FB2061-AC57-9975-F657-C09F6CBCAF64}"/>
+              </a:ext>
+            </a:extLst>
+          </p:cNvPr>
+          <p:cNvCxnSpPr/>
+          <p:nvPr/>
+        </p:nvCxnSpPr>
+        <p:spPr>
+          <a:xfrm>
+            <a:off x="1457140" y="3819525"/>
+            <a:ext cx="9896660" cy="0"/>
+          </a:xfrm>
+          <a:prstGeom prst="line">
+            <a:avLst/>
+          </a:prstGeom>
+          <a:ln w="28575"/>
+        </p:spPr>
+        <p:style>
+          <a:lnRef idx="1">
+            <a:schemeClr val="accent1"/>
+          </a:lnRef>
+          <a:fillRef idx="0">
+            <a:schemeClr val="accent1"/>
+          </a:fillRef>
+          <a:effectRef idx="0">
+            <a:schemeClr val="accent1"/>
+          </a:effectRef>
+          <a:fontRef idx="minor">
+            <a:schemeClr val="tx1"/>
+          </a:fontRef>
+        </p:style>
+      </p:cxnSp>
+      <p:sp>
+        <p:nvSpPr>
+          <p:cNvPr id="15366" name="矩形 15365">
+            <a:extLst>
+              <a:ext uri="{FF2B5EF4-FFF2-40B4-BE49-F238E27FC236}">
+                <a16:creationId xmlns:a16="http://schemas.microsoft.com/office/drawing/2014/main" id="{3B0713B3-8729-08CA-C8D8-791235355A18}"/>
+              </a:ext>
+            </a:extLst>
+          </p:cNvPr>
+          <p:cNvSpPr/>
+          <p:nvPr/>
+        </p:nvSpPr>
+        <p:spPr>
+          <a:xfrm>
+            <a:off x="1457139" y="4843061"/>
+            <a:ext cx="1168019" cy="629904"/>
+          </a:xfrm>
+          <a:prstGeom prst="rect">
+            <a:avLst/>
+          </a:prstGeom>
+          <a:solidFill>
+            <a:srgbClr val="1F497D"/>
+          </a:solidFill>
+          <a:ln/>
+        </p:spPr>
+        <p:style>
+          <a:lnRef idx="1">
+            <a:schemeClr val="accent1"/>
+          </a:lnRef>
+          <a:fillRef idx="3">
+            <a:schemeClr val="accent1"/>
+          </a:fillRef>
+          <a:effectRef idx="2">
+            <a:schemeClr val="accent1"/>
+          </a:effectRef>
+          <a:fontRef idx="minor">
+            <a:schemeClr val="lt1"/>
+          </a:fontRef>
+        </p:style>
+        <p:txBody>
+          <a:bodyPr rtlCol="0" anchor="ctr"/>
+          <a:lstStyle/>
+          <a:p>
+            <a:pPr algn="ctr"/>
+            <a:r>
+              <a:rPr lang="zh-CN" altLang="en-US" sz="1400" dirty="0">
+                <a:latin typeface="微软雅黑" panose="020B0503020204020204" pitchFamily="34" charset="-122"/>
+                <a:ea typeface="微软雅黑" panose="020B0503020204020204" pitchFamily="34" charset="-122"/>
+              </a:rPr>
+              <a:t>子系统</a:t>
+            </a:r>
+            <a:endParaRPr lang="en-US" altLang="zh-CN" sz="1400" dirty="0">
+              <a:latin typeface="微软雅黑" panose="020B0503020204020204" pitchFamily="34" charset="-122"/>
+              <a:ea typeface="微软雅黑" panose="020B0503020204020204" pitchFamily="34" charset="-122"/>
+            </a:endParaRPr>
+          </a:p>
+          <a:p>
+            <a:pPr algn="ctr"/>
+            <a:r>
+              <a:rPr lang="zh-CN" altLang="en-US" sz="1400" dirty="0">
+                <a:latin typeface="微软雅黑" panose="020B0503020204020204" pitchFamily="34" charset="-122"/>
+                <a:ea typeface="微软雅黑" panose="020B0503020204020204" pitchFamily="34" charset="-122"/>
+              </a:rPr>
+              <a:t>代码</a:t>
+            </a:r>
+            <a:endParaRPr lang="en-US" altLang="zh-CN" sz="1400" dirty="0">
+              <a:latin typeface="微软雅黑" panose="020B0503020204020204" pitchFamily="34" charset="-122"/>
+              <a:ea typeface="微软雅黑" panose="020B0503020204020204" pitchFamily="34" charset="-122"/>
+            </a:endParaRPr>
+          </a:p>
+        </p:txBody>
+      </p:sp>
+      <p:sp>
+        <p:nvSpPr>
+          <p:cNvPr id="15367" name="矩形 15366">
+            <a:extLst>
+              <a:ext uri="{FF2B5EF4-FFF2-40B4-BE49-F238E27FC236}">
+                <a16:creationId xmlns:a16="http://schemas.microsoft.com/office/drawing/2014/main" id="{30C7E04F-3937-D077-A5F7-96E53DA8477C}"/>
+              </a:ext>
+            </a:extLst>
+          </p:cNvPr>
+          <p:cNvSpPr/>
+          <p:nvPr/>
+        </p:nvSpPr>
+        <p:spPr>
+          <a:xfrm>
+            <a:off x="3238315" y="4210924"/>
+            <a:ext cx="1168019" cy="629904"/>
+          </a:xfrm>
+          <a:prstGeom prst="rect">
+            <a:avLst/>
+          </a:prstGeom>
+          <a:solidFill>
+            <a:srgbClr val="1F497D"/>
+          </a:solidFill>
+          <a:ln/>
+        </p:spPr>
+        <p:style>
+          <a:lnRef idx="1">
+            <a:schemeClr val="accent1"/>
+          </a:lnRef>
+          <a:fillRef idx="3">
+            <a:schemeClr val="accent1"/>
+          </a:fillRef>
+          <a:effectRef idx="2">
+            <a:schemeClr val="accent1"/>
+          </a:effectRef>
+          <a:fontRef idx="minor">
+            <a:schemeClr val="lt1"/>
+          </a:fontRef>
+        </p:style>
+        <p:txBody>
+          <a:bodyPr rtlCol="0" anchor="ctr"/>
+          <a:lstStyle/>
+          <a:p>
+            <a:pPr algn="ctr"/>
+            <a:r>
+              <a:rPr lang="zh-CN" altLang="en-US" sz="1400" dirty="0">
+                <a:latin typeface="微软雅黑" panose="020B0503020204020204" pitchFamily="34" charset="-122"/>
+                <a:ea typeface="微软雅黑" panose="020B0503020204020204" pitchFamily="34" charset="-122"/>
+              </a:rPr>
+              <a:t>知识</a:t>
+            </a:r>
+            <a:endParaRPr lang="en-US" altLang="zh-CN" sz="1400" dirty="0">
+              <a:latin typeface="微软雅黑" panose="020B0503020204020204" pitchFamily="34" charset="-122"/>
+              <a:ea typeface="微软雅黑" panose="020B0503020204020204" pitchFamily="34" charset="-122"/>
+            </a:endParaRPr>
+          </a:p>
+          <a:p>
+            <a:pPr algn="ctr"/>
+            <a:r>
+              <a:rPr lang="en-US" altLang="zh-CN" sz="1400" dirty="0">
+                <a:latin typeface="微软雅黑" panose="020B0503020204020204" pitchFamily="34" charset="-122"/>
+                <a:ea typeface="微软雅黑" panose="020B0503020204020204" pitchFamily="34" charset="-122"/>
+              </a:rPr>
+              <a:t>Agent</a:t>
+            </a:r>
+          </a:p>
+        </p:txBody>
+      </p:sp>
+      <p:sp>
+        <p:nvSpPr>
+          <p:cNvPr id="15369" name="矩形 15368">
+            <a:extLst>
+              <a:ext uri="{FF2B5EF4-FFF2-40B4-BE49-F238E27FC236}">
+                <a16:creationId xmlns:a16="http://schemas.microsoft.com/office/drawing/2014/main" id="{ACA5D7D2-0399-C9A1-3292-505AEF0FECF4}"/>
+              </a:ext>
+            </a:extLst>
+          </p:cNvPr>
+          <p:cNvSpPr/>
+          <p:nvPr/>
+        </p:nvSpPr>
+        <p:spPr>
+          <a:xfrm>
+            <a:off x="3238314" y="4856355"/>
+            <a:ext cx="1168019" cy="629904"/>
+          </a:xfrm>
+          <a:prstGeom prst="rect">
+            <a:avLst/>
+          </a:prstGeom>
+          <a:solidFill>
+            <a:srgbClr val="1F497D"/>
+          </a:solidFill>
+          <a:ln/>
+        </p:spPr>
+        <p:style>
+          <a:lnRef idx="1">
+            <a:schemeClr val="accent1"/>
+          </a:lnRef>
+          <a:fillRef idx="3">
+            <a:schemeClr val="accent1"/>
+          </a:fillRef>
+          <a:effectRef idx="2">
+            <a:schemeClr val="accent1"/>
+          </a:effectRef>
+          <a:fontRef idx="minor">
+            <a:schemeClr val="lt1"/>
+          </a:fontRef>
+        </p:style>
+        <p:txBody>
+          <a:bodyPr rtlCol="0" anchor="ctr"/>
+          <a:lstStyle/>
+          <a:p>
+            <a:pPr algn="ctr"/>
+            <a:r>
+              <a:rPr lang="zh-CN" altLang="en-US" sz="1400" dirty="0">
+                <a:latin typeface="微软雅黑" panose="020B0503020204020204" pitchFamily="34" charset="-122"/>
+                <a:ea typeface="微软雅黑" panose="020B0503020204020204" pitchFamily="34" charset="-122"/>
+              </a:rPr>
+              <a:t>存量</a:t>
+            </a:r>
+            <a:endParaRPr lang="en-US" altLang="zh-CN" sz="1400" dirty="0">
+              <a:latin typeface="微软雅黑" panose="020B0503020204020204" pitchFamily="34" charset="-122"/>
+              <a:ea typeface="微软雅黑" panose="020B0503020204020204" pitchFamily="34" charset="-122"/>
+            </a:endParaRPr>
+          </a:p>
+          <a:p>
+            <a:pPr algn="ctr"/>
+            <a:r>
+              <a:rPr lang="zh-CN" altLang="en-US" sz="1400" dirty="0">
+                <a:latin typeface="微软雅黑" panose="020B0503020204020204" pitchFamily="34" charset="-122"/>
+                <a:ea typeface="微软雅黑" panose="020B0503020204020204" pitchFamily="34" charset="-122"/>
+              </a:rPr>
+              <a:t>业务知识</a:t>
+            </a:r>
+            <a:endParaRPr lang="en-US" altLang="zh-CN" sz="1400" dirty="0">
+              <a:latin typeface="微软雅黑" panose="020B0503020204020204" pitchFamily="34" charset="-122"/>
+              <a:ea typeface="微软雅黑" panose="020B0503020204020204" pitchFamily="34" charset="-122"/>
+            </a:endParaRPr>
+          </a:p>
+        </p:txBody>
+      </p:sp>
+      <p:cxnSp>
+        <p:nvCxnSpPr>
+          <p:cNvPr id="15372" name="直接箭头连接符 15371">
+            <a:extLst>
+              <a:ext uri="{FF2B5EF4-FFF2-40B4-BE49-F238E27FC236}">
+                <a16:creationId xmlns:a16="http://schemas.microsoft.com/office/drawing/2014/main" id="{4C657148-B118-77F2-C384-C5AA9A8BFE4D}"/>
+              </a:ext>
+            </a:extLst>
+          </p:cNvPr>
+          <p:cNvCxnSpPr>
+            <a:stCxn id="15360" idx="0"/>
+          </p:cNvCxnSpPr>
+          <p:nvPr/>
+        </p:nvCxnSpPr>
+        <p:spPr>
+          <a:xfrm flipH="1" flipV="1">
+            <a:off x="2041148" y="3819525"/>
+            <a:ext cx="2" cy="378105"/>
+          </a:xfrm>
+          <a:prstGeom prst="straightConnector1">
+            <a:avLst/>
+          </a:prstGeom>
+          <a:ln>
+            <a:tailEnd type="triangle"/>
+          </a:ln>
+        </p:spPr>
+        <p:style>
+          <a:lnRef idx="1">
+            <a:schemeClr val="accent1"/>
+          </a:lnRef>
+          <a:fillRef idx="0">
+            <a:schemeClr val="accent1"/>
+          </a:fillRef>
+          <a:effectRef idx="0">
+            <a:schemeClr val="accent1"/>
+          </a:effectRef>
+          <a:fontRef idx="minor">
+            <a:schemeClr val="tx1"/>
+          </a:fontRef>
+        </p:style>
+      </p:cxnSp>
+      <p:cxnSp>
+        <p:nvCxnSpPr>
+          <p:cNvPr id="15374" name="直接箭头连接符 15373">
+            <a:extLst>
+              <a:ext uri="{FF2B5EF4-FFF2-40B4-BE49-F238E27FC236}">
+                <a16:creationId xmlns:a16="http://schemas.microsoft.com/office/drawing/2014/main" id="{39309BDB-4FFE-D9C2-7C94-DB532C807D83}"/>
+              </a:ext>
+            </a:extLst>
+          </p:cNvPr>
+          <p:cNvCxnSpPr/>
+          <p:nvPr/>
+        </p:nvCxnSpPr>
+        <p:spPr>
+          <a:xfrm flipH="1" flipV="1">
+            <a:off x="3822323" y="3827868"/>
+            <a:ext cx="2" cy="378105"/>
+          </a:xfrm>
+          <a:prstGeom prst="straightConnector1">
+            <a:avLst/>
+          </a:prstGeom>
+          <a:ln>
+            <a:tailEnd type="triangle"/>
+          </a:ln>
+        </p:spPr>
+        <p:style>
+          <a:lnRef idx="1">
+            <a:schemeClr val="accent1"/>
+          </a:lnRef>
+          <a:fillRef idx="0">
+            <a:schemeClr val="accent1"/>
+          </a:fillRef>
+          <a:effectRef idx="0">
+            <a:schemeClr val="accent1"/>
+          </a:effectRef>
+          <a:fontRef idx="minor">
+            <a:schemeClr val="tx1"/>
+          </a:fontRef>
+        </p:style>
+      </p:cxnSp>
+      <p:sp>
+        <p:nvSpPr>
+          <p:cNvPr id="15375" name="矩形 15374">
+            <a:extLst>
+              <a:ext uri="{FF2B5EF4-FFF2-40B4-BE49-F238E27FC236}">
+                <a16:creationId xmlns:a16="http://schemas.microsoft.com/office/drawing/2014/main" id="{986BE01C-ACA4-7943-6453-F7E6B79FB6C9}"/>
+              </a:ext>
+            </a:extLst>
+          </p:cNvPr>
+          <p:cNvSpPr/>
+          <p:nvPr/>
+        </p:nvSpPr>
+        <p:spPr>
+          <a:xfrm>
+            <a:off x="8349203" y="4226451"/>
+            <a:ext cx="1168019" cy="629904"/>
+          </a:xfrm>
+          <a:prstGeom prst="rect">
+            <a:avLst/>
+          </a:prstGeom>
+          <a:solidFill>
+            <a:srgbClr val="1F497D"/>
+          </a:solidFill>
+          <a:ln/>
+        </p:spPr>
+        <p:style>
+          <a:lnRef idx="1">
+            <a:schemeClr val="accent1"/>
+          </a:lnRef>
+          <a:fillRef idx="3">
+            <a:schemeClr val="accent1"/>
+          </a:fillRef>
+          <a:effectRef idx="2">
+            <a:schemeClr val="accent1"/>
+          </a:effectRef>
+          <a:fontRef idx="minor">
+            <a:schemeClr val="lt1"/>
+          </a:fontRef>
+        </p:style>
+        <p:txBody>
+          <a:bodyPr rtlCol="0" anchor="ctr"/>
+          <a:lstStyle/>
+          <a:p>
+            <a:pPr algn="ctr"/>
+            <a:r>
+              <a:rPr lang="zh-CN" altLang="en-US" sz="1400" dirty="0">
+                <a:latin typeface="微软雅黑" panose="020B0503020204020204" pitchFamily="34" charset="-122"/>
+                <a:ea typeface="微软雅黑" panose="020B0503020204020204" pitchFamily="34" charset="-122"/>
+              </a:rPr>
+              <a:t>知识</a:t>
+            </a:r>
+            <a:endParaRPr lang="en-US" altLang="zh-CN" sz="1400" dirty="0">
+              <a:latin typeface="微软雅黑" panose="020B0503020204020204" pitchFamily="34" charset="-122"/>
+              <a:ea typeface="微软雅黑" panose="020B0503020204020204" pitchFamily="34" charset="-122"/>
+            </a:endParaRPr>
+          </a:p>
+          <a:p>
+            <a:pPr algn="ctr"/>
+            <a:r>
+              <a:rPr lang="en-US" altLang="zh-CN" sz="1400" dirty="0">
+                <a:latin typeface="微软雅黑" panose="020B0503020204020204" pitchFamily="34" charset="-122"/>
+                <a:ea typeface="微软雅黑" panose="020B0503020204020204" pitchFamily="34" charset="-122"/>
+              </a:rPr>
+              <a:t>Agent</a:t>
+            </a:r>
+          </a:p>
+        </p:txBody>
+      </p:sp>
+      <p:sp>
+        <p:nvSpPr>
+          <p:cNvPr id="15376" name="矩形 15375">
+            <a:extLst>
+              <a:ext uri="{FF2B5EF4-FFF2-40B4-BE49-F238E27FC236}">
+                <a16:creationId xmlns:a16="http://schemas.microsoft.com/office/drawing/2014/main" id="{A96491CE-7412-0E3E-AEB1-C5F0322ACF25}"/>
+              </a:ext>
+            </a:extLst>
+          </p:cNvPr>
+          <p:cNvSpPr/>
+          <p:nvPr/>
+        </p:nvSpPr>
+        <p:spPr>
+          <a:xfrm>
+            <a:off x="8349202" y="4871882"/>
+            <a:ext cx="1168019" cy="629904"/>
+          </a:xfrm>
+          <a:prstGeom prst="rect">
+            <a:avLst/>
+          </a:prstGeom>
+          <a:solidFill>
+            <a:srgbClr val="1F497D"/>
+          </a:solidFill>
+          <a:ln/>
+        </p:spPr>
+        <p:style>
+          <a:lnRef idx="1">
+            <a:schemeClr val="accent1"/>
+          </a:lnRef>
+          <a:fillRef idx="3">
+            <a:schemeClr val="accent1"/>
+          </a:fillRef>
+          <a:effectRef idx="2">
+            <a:schemeClr val="accent1"/>
+          </a:effectRef>
+          <a:fontRef idx="minor">
+            <a:schemeClr val="lt1"/>
+          </a:fontRef>
+        </p:style>
+        <p:txBody>
+          <a:bodyPr rtlCol="0" anchor="ctr"/>
+          <a:lstStyle/>
+          <a:p>
+            <a:pPr algn="ctr"/>
+            <a:r>
+              <a:rPr lang="en-US" altLang="zh-CN" sz="1400" dirty="0">
+                <a:latin typeface="微软雅黑" panose="020B0503020204020204" pitchFamily="34" charset="-122"/>
+                <a:ea typeface="微软雅黑" panose="020B0503020204020204" pitchFamily="34" charset="-122"/>
+              </a:rPr>
+              <a:t>DB</a:t>
+            </a:r>
+          </a:p>
+        </p:txBody>
+      </p:sp>
+      <p:cxnSp>
+        <p:nvCxnSpPr>
+          <p:cNvPr id="15377" name="直接箭头连接符 15376">
+            <a:extLst>
+              <a:ext uri="{FF2B5EF4-FFF2-40B4-BE49-F238E27FC236}">
+                <a16:creationId xmlns:a16="http://schemas.microsoft.com/office/drawing/2014/main" id="{D68AB787-6AF8-AAC6-A29A-422801CCB7F2}"/>
+              </a:ext>
+            </a:extLst>
+          </p:cNvPr>
+          <p:cNvCxnSpPr/>
+          <p:nvPr/>
+        </p:nvCxnSpPr>
+        <p:spPr>
+          <a:xfrm flipH="1" flipV="1">
+            <a:off x="8933211" y="3843395"/>
+            <a:ext cx="2" cy="378105"/>
+          </a:xfrm>
+          <a:prstGeom prst="straightConnector1">
+            <a:avLst/>
+          </a:prstGeom>
+          <a:ln>
+            <a:tailEnd type="triangle"/>
+          </a:ln>
+        </p:spPr>
+        <p:style>
+          <a:lnRef idx="1">
+            <a:schemeClr val="accent1"/>
+          </a:lnRef>
+          <a:fillRef idx="0">
+            <a:schemeClr val="accent1"/>
+          </a:fillRef>
+          <a:effectRef idx="0">
+            <a:schemeClr val="accent1"/>
+          </a:effectRef>
+          <a:fontRef idx="minor">
+            <a:schemeClr val="tx1"/>
+          </a:fontRef>
+        </p:style>
+      </p:cxnSp>
+      <p:sp>
+        <p:nvSpPr>
+          <p:cNvPr id="15378" name="矩形 15377">
+            <a:extLst>
+              <a:ext uri="{FF2B5EF4-FFF2-40B4-BE49-F238E27FC236}">
+                <a16:creationId xmlns:a16="http://schemas.microsoft.com/office/drawing/2014/main" id="{0CA87ED3-E30F-F2E5-063C-CDB612F69066}"/>
+              </a:ext>
+            </a:extLst>
+          </p:cNvPr>
+          <p:cNvSpPr/>
+          <p:nvPr/>
+        </p:nvSpPr>
+        <p:spPr>
+          <a:xfrm>
+            <a:off x="9675975" y="4221500"/>
+            <a:ext cx="1168019" cy="629904"/>
+          </a:xfrm>
+          <a:prstGeom prst="rect">
+            <a:avLst/>
+          </a:prstGeom>
+          <a:solidFill>
+            <a:srgbClr val="1F497D"/>
+          </a:solidFill>
+          <a:ln/>
+        </p:spPr>
+        <p:style>
+          <a:lnRef idx="1">
+            <a:schemeClr val="accent1"/>
+          </a:lnRef>
+          <a:fillRef idx="3">
+            <a:schemeClr val="accent1"/>
+          </a:fillRef>
+          <a:effectRef idx="2">
+            <a:schemeClr val="accent1"/>
+          </a:effectRef>
+          <a:fontRef idx="minor">
+            <a:schemeClr val="lt1"/>
+          </a:fontRef>
+        </p:style>
+        <p:txBody>
+          <a:bodyPr rtlCol="0" anchor="ctr"/>
+          <a:lstStyle/>
+          <a:p>
+            <a:pPr algn="ctr"/>
+            <a:r>
+              <a:rPr lang="zh-CN" altLang="en-US" sz="1400" dirty="0">
+                <a:latin typeface="微软雅黑" panose="020B0503020204020204" pitchFamily="34" charset="-122"/>
+                <a:ea typeface="微软雅黑" panose="020B0503020204020204" pitchFamily="34" charset="-122"/>
+              </a:rPr>
+              <a:t>接口</a:t>
+            </a:r>
+            <a:endParaRPr lang="en-US" altLang="zh-CN" sz="1400" dirty="0">
+              <a:latin typeface="微软雅黑" panose="020B0503020204020204" pitchFamily="34" charset="-122"/>
+              <a:ea typeface="微软雅黑" panose="020B0503020204020204" pitchFamily="34" charset="-122"/>
+            </a:endParaRPr>
+          </a:p>
+          <a:p>
+            <a:pPr algn="ctr"/>
+            <a:r>
+              <a:rPr lang="en-US" altLang="zh-CN" sz="1400" dirty="0">
+                <a:latin typeface="微软雅黑" panose="020B0503020204020204" pitchFamily="34" charset="-122"/>
+                <a:ea typeface="微软雅黑" panose="020B0503020204020204" pitchFamily="34" charset="-122"/>
+              </a:rPr>
+              <a:t>Agent</a:t>
+            </a:r>
+          </a:p>
+        </p:txBody>
+      </p:sp>
+      <p:sp>
+        <p:nvSpPr>
+          <p:cNvPr id="15379" name="矩形 15378">
+            <a:extLst>
+              <a:ext uri="{FF2B5EF4-FFF2-40B4-BE49-F238E27FC236}">
+                <a16:creationId xmlns:a16="http://schemas.microsoft.com/office/drawing/2014/main" id="{C5EECA5E-123A-5FA2-8CCB-FB59984F9E86}"/>
+              </a:ext>
+            </a:extLst>
+          </p:cNvPr>
+          <p:cNvSpPr/>
+          <p:nvPr/>
+        </p:nvSpPr>
+        <p:spPr>
+          <a:xfrm>
+            <a:off x="9675974" y="4866931"/>
+            <a:ext cx="1168019" cy="629904"/>
+          </a:xfrm>
+          <a:prstGeom prst="rect">
+            <a:avLst/>
+          </a:prstGeom>
+          <a:solidFill>
+            <a:srgbClr val="1F497D"/>
+          </a:solidFill>
+          <a:ln/>
+        </p:spPr>
+        <p:style>
+          <a:lnRef idx="1">
+            <a:schemeClr val="accent1"/>
+          </a:lnRef>
+          <a:fillRef idx="3">
+            <a:schemeClr val="accent1"/>
+          </a:fillRef>
+          <a:effectRef idx="2">
+            <a:schemeClr val="accent1"/>
+          </a:effectRef>
+          <a:fontRef idx="minor">
+            <a:schemeClr val="lt1"/>
+          </a:fontRef>
+        </p:style>
+        <p:txBody>
+          <a:bodyPr rtlCol="0" anchor="ctr"/>
+          <a:lstStyle/>
+          <a:p>
+            <a:pPr algn="ctr"/>
+            <a:r>
+              <a:rPr lang="zh-CN" altLang="en-US" sz="1400" dirty="0">
+                <a:latin typeface="微软雅黑" panose="020B0503020204020204" pitchFamily="34" charset="-122"/>
+                <a:ea typeface="微软雅黑" panose="020B0503020204020204" pitchFamily="34" charset="-122"/>
+              </a:rPr>
+              <a:t>存量接口</a:t>
+            </a:r>
+            <a:endParaRPr lang="en-US" altLang="zh-CN" sz="1400" dirty="0">
+              <a:latin typeface="微软雅黑" panose="020B0503020204020204" pitchFamily="34" charset="-122"/>
+              <a:ea typeface="微软雅黑" panose="020B0503020204020204" pitchFamily="34" charset="-122"/>
+            </a:endParaRPr>
+          </a:p>
+        </p:txBody>
+      </p:sp>
+      <p:cxnSp>
+        <p:nvCxnSpPr>
+          <p:cNvPr id="15380" name="直接箭头连接符 15379">
+            <a:extLst>
+              <a:ext uri="{FF2B5EF4-FFF2-40B4-BE49-F238E27FC236}">
+                <a16:creationId xmlns:a16="http://schemas.microsoft.com/office/drawing/2014/main" id="{D338E2B5-D0AB-ACD8-0619-A121D23192D6}"/>
+              </a:ext>
+            </a:extLst>
+          </p:cNvPr>
+          <p:cNvCxnSpPr/>
+          <p:nvPr/>
+        </p:nvCxnSpPr>
+        <p:spPr>
+          <a:xfrm flipH="1" flipV="1">
+            <a:off x="10259983" y="3838444"/>
+            <a:ext cx="2" cy="378105"/>
+          </a:xfrm>
+          <a:prstGeom prst="straightConnector1">
+            <a:avLst/>
+          </a:prstGeom>
+          <a:ln>
+            <a:tailEnd type="triangle"/>
+          </a:ln>
+        </p:spPr>
+        <p:style>
+          <a:lnRef idx="1">
+            <a:schemeClr val="accent1"/>
+          </a:lnRef>
+          <a:fillRef idx="0">
+            <a:schemeClr val="accent1"/>
+          </a:fillRef>
+          <a:effectRef idx="0">
+            <a:schemeClr val="accent1"/>
+          </a:effectRef>
+          <a:fontRef idx="minor">
+            <a:schemeClr val="tx1"/>
+          </a:fontRef>
+        </p:style>
+      </p:cxnSp>
     </p:spTree>
     <p:extLst>
       <p:ext uri="{BB962C8B-B14F-4D97-AF65-F5344CB8AC3E}">
-        <p14:creationId xmlns:p14="http://schemas.microsoft.com/office/powerpoint/2010/main" val="2890312723"/>
+        <p14:creationId xmlns:p14="http://schemas.microsoft.com/office/powerpoint/2010/main" val="3593849669"/>
       </p:ext>
     </p:extLst>
   </p:cSld>
@@ -16480,7 +18534,7 @@
         <p:cNvPr id="1" name="">
           <a:extLst>
             <a:ext uri="{FF2B5EF4-FFF2-40B4-BE49-F238E27FC236}">
-              <a16:creationId xmlns:a16="http://schemas.microsoft.com/office/drawing/2014/main" id="{D3C302E6-FA54-71C7-D92D-41A0FF96E0A1}"/>
+              <a16:creationId xmlns:a16="http://schemas.microsoft.com/office/drawing/2014/main" id="{5C2535CA-402F-0A96-5E44-27D458779A35}"/>
             </a:ext>
           </a:extLst>
         </p:cNvPr>
@@ -16497,10 +18551,170 @@
       </p:grpSpPr>
       <p:sp>
         <p:nvSpPr>
-          <p:cNvPr id="15362" name="TextBox 35">
-            <a:extLst>
-              <a:ext uri="{FF2B5EF4-FFF2-40B4-BE49-F238E27FC236}">
-                <a16:creationId xmlns:a16="http://schemas.microsoft.com/office/drawing/2014/main" id="{B07904E9-66E0-6E7F-731A-E81B5630FC6E}"/>
+          <p:cNvPr id="36" name="灯片编号占位符 2">
+            <a:extLst>
+              <a:ext uri="{FF2B5EF4-FFF2-40B4-BE49-F238E27FC236}">
+                <a16:creationId xmlns:a16="http://schemas.microsoft.com/office/drawing/2014/main" id="{DFE7C316-CA3D-5B8A-90B3-25BCE9021217}"/>
+              </a:ext>
+            </a:extLst>
+          </p:cNvPr>
+          <p:cNvSpPr txBox="1">
+            <a:spLocks/>
+          </p:cNvSpPr>
+          <p:nvPr/>
+        </p:nvSpPr>
+        <p:spPr>
+          <a:xfrm>
+            <a:off x="11988800" y="8533041"/>
+            <a:ext cx="3657600" cy="212796"/>
+          </a:xfrm>
+          <a:prstGeom prst="rect">
+            <a:avLst/>
+          </a:prstGeom>
+        </p:spPr>
+        <p:txBody>
+          <a:bodyPr/>
+          <a:lstStyle>
+            <a:defPPr>
+              <a:defRPr lang="en-US"/>
+            </a:defPPr>
+            <a:lvl1pPr algn="l" defTabSz="457200" rtl="0" eaLnBrk="0" fontAlgn="base" hangingPunct="0">
+              <a:spcBef>
+                <a:spcPct val="0"/>
+              </a:spcBef>
+              <a:spcAft>
+                <a:spcPct val="0"/>
+              </a:spcAft>
+              <a:defRPr kern="1200">
+                <a:solidFill>
+                  <a:schemeClr val="tx1"/>
+                </a:solidFill>
+                <a:latin typeface="䑏䈷㑃㠵㍆㌶㜱㐴㜰" pitchFamily="34" charset="0"/>
+                <a:ea typeface="䑏S PGothic" pitchFamily="34" charset="-128"/>
+                <a:cs typeface="+mn-cs"/>
+              </a:defRPr>
+            </a:lvl1pPr>
+            <a:lvl2pPr marL="457200" algn="l" defTabSz="457200" rtl="0" eaLnBrk="0" fontAlgn="base" hangingPunct="0">
+              <a:spcBef>
+                <a:spcPct val="0"/>
+              </a:spcBef>
+              <a:spcAft>
+                <a:spcPct val="0"/>
+              </a:spcAft>
+              <a:defRPr kern="1200">
+                <a:solidFill>
+                  <a:schemeClr val="tx1"/>
+                </a:solidFill>
+                <a:latin typeface="䑏䈷㑃㠵㍆㌶㜱㐴㜰" pitchFamily="34" charset="0"/>
+                <a:ea typeface="䑏S PGothic" pitchFamily="34" charset="-128"/>
+                <a:cs typeface="+mn-cs"/>
+              </a:defRPr>
+            </a:lvl2pPr>
+            <a:lvl3pPr marL="914400" algn="l" defTabSz="457200" rtl="0" eaLnBrk="0" fontAlgn="base" hangingPunct="0">
+              <a:spcBef>
+                <a:spcPct val="0"/>
+              </a:spcBef>
+              <a:spcAft>
+                <a:spcPct val="0"/>
+              </a:spcAft>
+              <a:defRPr kern="1200">
+                <a:solidFill>
+                  <a:schemeClr val="tx1"/>
+                </a:solidFill>
+                <a:latin typeface="䑏䈷㑃㠵㍆㌶㜱㐴㜰" pitchFamily="34" charset="0"/>
+                <a:ea typeface="䑏S PGothic" pitchFamily="34" charset="-128"/>
+                <a:cs typeface="+mn-cs"/>
+              </a:defRPr>
+            </a:lvl3pPr>
+            <a:lvl4pPr marL="1371600" algn="l" defTabSz="457200" rtl="0" eaLnBrk="0" fontAlgn="base" hangingPunct="0">
+              <a:spcBef>
+                <a:spcPct val="0"/>
+              </a:spcBef>
+              <a:spcAft>
+                <a:spcPct val="0"/>
+              </a:spcAft>
+              <a:defRPr kern="1200">
+                <a:solidFill>
+                  <a:schemeClr val="tx1"/>
+                </a:solidFill>
+                <a:latin typeface="䑏䈷㑃㠵㍆㌶㜱㐴㜰" pitchFamily="34" charset="0"/>
+                <a:ea typeface="䑏S PGothic" pitchFamily="34" charset="-128"/>
+                <a:cs typeface="+mn-cs"/>
+              </a:defRPr>
+            </a:lvl4pPr>
+            <a:lvl5pPr marL="1828800" algn="l" defTabSz="457200" rtl="0" eaLnBrk="0" fontAlgn="base" hangingPunct="0">
+              <a:spcBef>
+                <a:spcPct val="0"/>
+              </a:spcBef>
+              <a:spcAft>
+                <a:spcPct val="0"/>
+              </a:spcAft>
+              <a:defRPr kern="1200">
+                <a:solidFill>
+                  <a:schemeClr val="tx1"/>
+                </a:solidFill>
+                <a:latin typeface="䑏䈷㑃㠵㍆㌶㜱㐴㜰" pitchFamily="34" charset="0"/>
+                <a:ea typeface="䑏S PGothic" pitchFamily="34" charset="-128"/>
+                <a:cs typeface="+mn-cs"/>
+              </a:defRPr>
+            </a:lvl5pPr>
+            <a:lvl6pPr marL="2286000" algn="l" defTabSz="914400" rtl="0" eaLnBrk="1" latinLnBrk="0" hangingPunct="1">
+              <a:defRPr kern="1200">
+                <a:solidFill>
+                  <a:schemeClr val="tx1"/>
+                </a:solidFill>
+                <a:latin typeface="䑏䈷㑃㠵㍆㌶㜱㐴㜰" pitchFamily="34" charset="0"/>
+                <a:ea typeface="䑏S PGothic" pitchFamily="34" charset="-128"/>
+                <a:cs typeface="+mn-cs"/>
+              </a:defRPr>
+            </a:lvl6pPr>
+            <a:lvl7pPr marL="2743200" algn="l" defTabSz="914400" rtl="0" eaLnBrk="1" latinLnBrk="0" hangingPunct="1">
+              <a:defRPr kern="1200">
+                <a:solidFill>
+                  <a:schemeClr val="tx1"/>
+                </a:solidFill>
+                <a:latin typeface="䑏䈷㑃㠵㍆㌶㜱㐴㜰" pitchFamily="34" charset="0"/>
+                <a:ea typeface="䑏S PGothic" pitchFamily="34" charset="-128"/>
+                <a:cs typeface="+mn-cs"/>
+              </a:defRPr>
+            </a:lvl7pPr>
+            <a:lvl8pPr marL="3200400" algn="l" defTabSz="914400" rtl="0" eaLnBrk="1" latinLnBrk="0" hangingPunct="1">
+              <a:defRPr kern="1200">
+                <a:solidFill>
+                  <a:schemeClr val="tx1"/>
+                </a:solidFill>
+                <a:latin typeface="䑏䈷㑃㠵㍆㌶㜱㐴㜰" pitchFamily="34" charset="0"/>
+                <a:ea typeface="䑏S PGothic" pitchFamily="34" charset="-128"/>
+                <a:cs typeface="+mn-cs"/>
+              </a:defRPr>
+            </a:lvl8pPr>
+            <a:lvl9pPr marL="3657600" algn="l" defTabSz="914400" rtl="0" eaLnBrk="1" latinLnBrk="0" hangingPunct="1">
+              <a:defRPr kern="1200">
+                <a:solidFill>
+                  <a:schemeClr val="tx1"/>
+                </a:solidFill>
+                <a:latin typeface="䑏䈷㑃㠵㍆㌶㜱㐴㜰" pitchFamily="34" charset="0"/>
+                <a:ea typeface="䑏S PGothic" pitchFamily="34" charset="-128"/>
+                <a:cs typeface="+mn-cs"/>
+              </a:defRPr>
+            </a:lvl9pPr>
+          </a:lstStyle>
+          <a:p>
+            <a:fld id="{884269F9-B5CE-EB46-8536-1F9E4423A6BA}" type="slidenum">
+              <a:rPr kumimoji="1" lang="zh-CN" altLang="en-US" sz="2400"/>
+              <a:pPr/>
+              <a:t>18</a:t>
+            </a:fld>
+            <a:endParaRPr kumimoji="1" lang="zh-CN" altLang="en-US" sz="2400" dirty="0"/>
+          </a:p>
+        </p:txBody>
+      </p:sp>
+      <p:sp>
+        <p:nvSpPr>
+          <p:cNvPr id="2" name="TextBox 35">
+            <a:extLst>
+              <a:ext uri="{FF2B5EF4-FFF2-40B4-BE49-F238E27FC236}">
+                <a16:creationId xmlns:a16="http://schemas.microsoft.com/office/drawing/2014/main" id="{9D085F4B-B184-11F4-418F-452F387B9A42}"/>
               </a:ext>
             </a:extLst>
           </p:cNvPr>
@@ -16511,8 +18725,8 @@
         </p:nvSpPr>
         <p:spPr bwMode="auto">
           <a:xfrm>
-            <a:off x="57151" y="186267"/>
-            <a:ext cx="11296649" cy="461665"/>
+            <a:off x="4622198" y="2926234"/>
+            <a:ext cx="3378802" cy="913199"/>
           </a:xfrm>
           <a:prstGeom prst="rect">
             <a:avLst/>
@@ -16663,418 +18877,12 @@
           </a:lstStyle>
           <a:p>
             <a:r>
-              <a:rPr lang="zh-CN" altLang="en-US" sz="2400" b="1" dirty="0">
-                <a:solidFill>
-                  <a:srgbClr val="1E53A4"/>
-                </a:solidFill>
-                <a:latin typeface="微软雅黑" panose="020B0503020204020204" charset="-122"/>
-                <a:ea typeface="微软雅黑" panose="020B0503020204020204" charset="-122"/>
+              <a:rPr lang="zh-CN" altLang="en-US" sz="2667" b="1" dirty="0">
+                <a:latin typeface="微软雅黑" panose="020B0503020204020204" pitchFamily="34" charset="-122"/>
+                <a:ea typeface="微软雅黑" panose="020B0503020204020204" pitchFamily="34" charset="-122"/>
                 <a:sym typeface="楷体" panose="02010609060101010101" pitchFamily="49" charset="-122"/>
               </a:rPr>
-              <a:t>硅基人</a:t>
-            </a:r>
-            <a:r>
-              <a:rPr lang="en-US" altLang="zh-CN" sz="2400" b="1" dirty="0">
-                <a:solidFill>
-                  <a:srgbClr val="1E53A4"/>
-                </a:solidFill>
-                <a:latin typeface="微软雅黑" panose="020B0503020204020204" charset="-122"/>
-                <a:ea typeface="微软雅黑" panose="020B0503020204020204" charset="-122"/>
-                <a:sym typeface="楷体" panose="02010609060101010101" pitchFamily="49" charset="-122"/>
-              </a:rPr>
-              <a:t>—</a:t>
-            </a:r>
-            <a:r>
-              <a:rPr lang="zh-CN" altLang="en-US" sz="2400" b="1" dirty="0">
-                <a:solidFill>
-                  <a:srgbClr val="1E53A4"/>
-                </a:solidFill>
-                <a:latin typeface="微软雅黑" panose="020B0503020204020204" charset="-122"/>
-                <a:ea typeface="微软雅黑" panose="020B0503020204020204" charset="-122"/>
-              </a:rPr>
-              <a:t>业务原生</a:t>
-            </a:r>
-            <a:r>
-              <a:rPr lang="en-US" altLang="zh-CN" sz="2400" b="1" dirty="0">
-                <a:solidFill>
-                  <a:srgbClr val="1E53A4"/>
-                </a:solidFill>
-                <a:latin typeface="微软雅黑" panose="020B0503020204020204" charset="-122"/>
-                <a:ea typeface="微软雅黑" panose="020B0503020204020204" charset="-122"/>
-              </a:rPr>
-              <a:t>AI</a:t>
-            </a:r>
-            <a:r>
-              <a:rPr lang="zh-CN" altLang="en-US" sz="2400" b="1" dirty="0">
-                <a:solidFill>
-                  <a:srgbClr val="1E53A4"/>
-                </a:solidFill>
-                <a:latin typeface="微软雅黑" panose="020B0503020204020204" charset="-122"/>
-                <a:ea typeface="微软雅黑" panose="020B0503020204020204" charset="-122"/>
-              </a:rPr>
-              <a:t>架构</a:t>
-            </a:r>
-            <a:endParaRPr lang="en-US" altLang="zh-CN" sz="2400" b="1" dirty="0">
-              <a:solidFill>
-                <a:srgbClr val="1E53A4"/>
-              </a:solidFill>
-              <a:latin typeface="微软雅黑" panose="020B0503020204020204" charset="-122"/>
-              <a:ea typeface="微软雅黑" panose="020B0503020204020204" charset="-122"/>
-              <a:sym typeface="楷体" panose="02010609060101010101" pitchFamily="49" charset="-122"/>
-            </a:endParaRPr>
-          </a:p>
-        </p:txBody>
-      </p:sp>
-      <p:sp>
-        <p:nvSpPr>
-          <p:cNvPr id="36" name="灯片编号占位符 2">
-            <a:extLst>
-              <a:ext uri="{FF2B5EF4-FFF2-40B4-BE49-F238E27FC236}">
-                <a16:creationId xmlns:a16="http://schemas.microsoft.com/office/drawing/2014/main" id="{3945146C-8658-A4C6-7DCF-6B8939BCC8F2}"/>
-              </a:ext>
-            </a:extLst>
-          </p:cNvPr>
-          <p:cNvSpPr txBox="1">
-            <a:spLocks/>
-          </p:cNvSpPr>
-          <p:nvPr/>
-        </p:nvSpPr>
-        <p:spPr>
-          <a:xfrm>
-            <a:off x="11988800" y="8533041"/>
-            <a:ext cx="3657600" cy="212796"/>
-          </a:xfrm>
-          <a:prstGeom prst="rect">
-            <a:avLst/>
-          </a:prstGeom>
-        </p:spPr>
-        <p:txBody>
-          <a:bodyPr/>
-          <a:lstStyle>
-            <a:defPPr>
-              <a:defRPr lang="en-US"/>
-            </a:defPPr>
-            <a:lvl1pPr algn="l" defTabSz="457200" rtl="0" eaLnBrk="0" fontAlgn="base" hangingPunct="0">
-              <a:spcBef>
-                <a:spcPct val="0"/>
-              </a:spcBef>
-              <a:spcAft>
-                <a:spcPct val="0"/>
-              </a:spcAft>
-              <a:defRPr kern="1200">
-                <a:solidFill>
-                  <a:schemeClr val="tx1"/>
-                </a:solidFill>
-                <a:latin typeface="䑏䈷㑃㠵㍆㌶㜱㐴㜰" pitchFamily="34" charset="0"/>
-                <a:ea typeface="䑏S PGothic" pitchFamily="34" charset="-128"/>
-                <a:cs typeface="+mn-cs"/>
-              </a:defRPr>
-            </a:lvl1pPr>
-            <a:lvl2pPr marL="457200" algn="l" defTabSz="457200" rtl="0" eaLnBrk="0" fontAlgn="base" hangingPunct="0">
-              <a:spcBef>
-                <a:spcPct val="0"/>
-              </a:spcBef>
-              <a:spcAft>
-                <a:spcPct val="0"/>
-              </a:spcAft>
-              <a:defRPr kern="1200">
-                <a:solidFill>
-                  <a:schemeClr val="tx1"/>
-                </a:solidFill>
-                <a:latin typeface="䑏䈷㑃㠵㍆㌶㜱㐴㜰" pitchFamily="34" charset="0"/>
-                <a:ea typeface="䑏S PGothic" pitchFamily="34" charset="-128"/>
-                <a:cs typeface="+mn-cs"/>
-              </a:defRPr>
-            </a:lvl2pPr>
-            <a:lvl3pPr marL="914400" algn="l" defTabSz="457200" rtl="0" eaLnBrk="0" fontAlgn="base" hangingPunct="0">
-              <a:spcBef>
-                <a:spcPct val="0"/>
-              </a:spcBef>
-              <a:spcAft>
-                <a:spcPct val="0"/>
-              </a:spcAft>
-              <a:defRPr kern="1200">
-                <a:solidFill>
-                  <a:schemeClr val="tx1"/>
-                </a:solidFill>
-                <a:latin typeface="䑏䈷㑃㠵㍆㌶㜱㐴㜰" pitchFamily="34" charset="0"/>
-                <a:ea typeface="䑏S PGothic" pitchFamily="34" charset="-128"/>
-                <a:cs typeface="+mn-cs"/>
-              </a:defRPr>
-            </a:lvl3pPr>
-            <a:lvl4pPr marL="1371600" algn="l" defTabSz="457200" rtl="0" eaLnBrk="0" fontAlgn="base" hangingPunct="0">
-              <a:spcBef>
-                <a:spcPct val="0"/>
-              </a:spcBef>
-              <a:spcAft>
-                <a:spcPct val="0"/>
-              </a:spcAft>
-              <a:defRPr kern="1200">
-                <a:solidFill>
-                  <a:schemeClr val="tx1"/>
-                </a:solidFill>
-                <a:latin typeface="䑏䈷㑃㠵㍆㌶㜱㐴㜰" pitchFamily="34" charset="0"/>
-                <a:ea typeface="䑏S PGothic" pitchFamily="34" charset="-128"/>
-                <a:cs typeface="+mn-cs"/>
-              </a:defRPr>
-            </a:lvl4pPr>
-            <a:lvl5pPr marL="1828800" algn="l" defTabSz="457200" rtl="0" eaLnBrk="0" fontAlgn="base" hangingPunct="0">
-              <a:spcBef>
-                <a:spcPct val="0"/>
-              </a:spcBef>
-              <a:spcAft>
-                <a:spcPct val="0"/>
-              </a:spcAft>
-              <a:defRPr kern="1200">
-                <a:solidFill>
-                  <a:schemeClr val="tx1"/>
-                </a:solidFill>
-                <a:latin typeface="䑏䈷㑃㠵㍆㌶㜱㐴㜰" pitchFamily="34" charset="0"/>
-                <a:ea typeface="䑏S PGothic" pitchFamily="34" charset="-128"/>
-                <a:cs typeface="+mn-cs"/>
-              </a:defRPr>
-            </a:lvl5pPr>
-            <a:lvl6pPr marL="2286000" algn="l" defTabSz="914400" rtl="0" eaLnBrk="1" latinLnBrk="0" hangingPunct="1">
-              <a:defRPr kern="1200">
-                <a:solidFill>
-                  <a:schemeClr val="tx1"/>
-                </a:solidFill>
-                <a:latin typeface="䑏䈷㑃㠵㍆㌶㜱㐴㜰" pitchFamily="34" charset="0"/>
-                <a:ea typeface="䑏S PGothic" pitchFamily="34" charset="-128"/>
-                <a:cs typeface="+mn-cs"/>
-              </a:defRPr>
-            </a:lvl6pPr>
-            <a:lvl7pPr marL="2743200" algn="l" defTabSz="914400" rtl="0" eaLnBrk="1" latinLnBrk="0" hangingPunct="1">
-              <a:defRPr kern="1200">
-                <a:solidFill>
-                  <a:schemeClr val="tx1"/>
-                </a:solidFill>
-                <a:latin typeface="䑏䈷㑃㠵㍆㌶㜱㐴㜰" pitchFamily="34" charset="0"/>
-                <a:ea typeface="䑏S PGothic" pitchFamily="34" charset="-128"/>
-                <a:cs typeface="+mn-cs"/>
-              </a:defRPr>
-            </a:lvl7pPr>
-            <a:lvl8pPr marL="3200400" algn="l" defTabSz="914400" rtl="0" eaLnBrk="1" latinLnBrk="0" hangingPunct="1">
-              <a:defRPr kern="1200">
-                <a:solidFill>
-                  <a:schemeClr val="tx1"/>
-                </a:solidFill>
-                <a:latin typeface="䑏䈷㑃㠵㍆㌶㜱㐴㜰" pitchFamily="34" charset="0"/>
-                <a:ea typeface="䑏S PGothic" pitchFamily="34" charset="-128"/>
-                <a:cs typeface="+mn-cs"/>
-              </a:defRPr>
-            </a:lvl8pPr>
-            <a:lvl9pPr marL="3657600" algn="l" defTabSz="914400" rtl="0" eaLnBrk="1" latinLnBrk="0" hangingPunct="1">
-              <a:defRPr kern="1200">
-                <a:solidFill>
-                  <a:schemeClr val="tx1"/>
-                </a:solidFill>
-                <a:latin typeface="䑏䈷㑃㠵㍆㌶㜱㐴㜰" pitchFamily="34" charset="0"/>
-                <a:ea typeface="䑏S PGothic" pitchFamily="34" charset="-128"/>
-                <a:cs typeface="+mn-cs"/>
-              </a:defRPr>
-            </a:lvl9pPr>
-          </a:lstStyle>
-          <a:p>
-            <a:fld id="{884269F9-B5CE-EB46-8536-1F9E4423A6BA}" type="slidenum">
-              <a:rPr kumimoji="1" lang="zh-CN" altLang="en-US" sz="2400"/>
-              <a:pPr/>
-              <a:t>18</a:t>
-            </a:fld>
-            <a:endParaRPr kumimoji="1" lang="zh-CN" altLang="en-US" sz="2400" dirty="0"/>
-          </a:p>
-        </p:txBody>
-      </p:sp>
-      <p:sp>
-        <p:nvSpPr>
-          <p:cNvPr id="6" name="TextBox 35">
-            <a:extLst>
-              <a:ext uri="{FF2B5EF4-FFF2-40B4-BE49-F238E27FC236}">
-                <a16:creationId xmlns:a16="http://schemas.microsoft.com/office/drawing/2014/main" id="{E53416C9-1750-5F50-6E10-678405817832}"/>
-              </a:ext>
-            </a:extLst>
-          </p:cNvPr>
-          <p:cNvSpPr txBox="1">
-            <a:spLocks noChangeArrowheads="1"/>
-          </p:cNvSpPr>
-          <p:nvPr/>
-        </p:nvSpPr>
-        <p:spPr bwMode="auto">
-          <a:xfrm>
-            <a:off x="4406333" y="5763488"/>
-            <a:ext cx="5090596" cy="502766"/>
-          </a:xfrm>
-          <a:prstGeom prst="rect">
-            <a:avLst/>
-          </a:prstGeom>
-          <a:noFill/>
-          <a:ln>
-            <a:noFill/>
-          </a:ln>
-          <a:extLst>
-            <a:ext uri="{909E8E84-426E-40DD-AFC4-6F175D3DCCD1}">
-              <a14:hiddenFill xmlns:a14="http://schemas.microsoft.com/office/drawing/2010/main">
-                <a:solidFill>
-                  <a:srgbClr val="FFFFFF"/>
-                </a:solidFill>
-              </a14:hiddenFill>
-            </a:ext>
-            <a:ext uri="{91240B29-F687-4F45-9708-019B960494DF}">
-              <a14:hiddenLine xmlns:a14="http://schemas.microsoft.com/office/drawing/2010/main" w="9525">
-                <a:solidFill>
-                  <a:srgbClr val="000000"/>
-                </a:solidFill>
-                <a:miter lim="800000"/>
-                <a:headEnd/>
-                <a:tailEnd/>
-              </a14:hiddenLine>
-            </a:ext>
-          </a:extLst>
-        </p:spPr>
-        <p:txBody>
-          <a:bodyPr wrap="square">
-            <a:spAutoFit/>
-          </a:bodyPr>
-          <a:lstStyle>
-            <a:lvl1pPr>
-              <a:buFont typeface="Arial" panose="020B0604020202020204" pitchFamily="34" charset="0"/>
-              <a:defRPr>
-                <a:solidFill>
-                  <a:schemeClr val="tx1"/>
-                </a:solidFill>
-                <a:latin typeface="䑏䈷㑃㠵㍆㌶㜱㐴㜰" pitchFamily="34" charset="0"/>
-                <a:ea typeface="䑏S PGothic" pitchFamily="34" charset="-128"/>
-              </a:defRPr>
-            </a:lvl1pPr>
-            <a:lvl2pPr marL="742950" indent="-285750">
-              <a:buFont typeface="Arial" panose="020B0604020202020204" pitchFamily="34" charset="0"/>
-              <a:defRPr>
-                <a:solidFill>
-                  <a:schemeClr val="tx1"/>
-                </a:solidFill>
-                <a:latin typeface="䑏䈷㑃㠵㍆㌶㜱㐴㜰" pitchFamily="34" charset="0"/>
-                <a:ea typeface="䑏S PGothic" pitchFamily="34" charset="-128"/>
-              </a:defRPr>
-            </a:lvl2pPr>
-            <a:lvl3pPr marL="1143000" indent="-228600">
-              <a:buFont typeface="Arial" panose="020B0604020202020204" pitchFamily="34" charset="0"/>
-              <a:defRPr>
-                <a:solidFill>
-                  <a:schemeClr val="tx1"/>
-                </a:solidFill>
-                <a:latin typeface="䑏䈷㑃㠵㍆㌶㜱㐴㜰" pitchFamily="34" charset="0"/>
-                <a:ea typeface="䑏S PGothic" pitchFamily="34" charset="-128"/>
-              </a:defRPr>
-            </a:lvl3pPr>
-            <a:lvl4pPr marL="1600200" indent="-228600">
-              <a:buFont typeface="Arial" panose="020B0604020202020204" pitchFamily="34" charset="0"/>
-              <a:defRPr>
-                <a:solidFill>
-                  <a:schemeClr val="tx1"/>
-                </a:solidFill>
-                <a:latin typeface="䑏䈷㑃㠵㍆㌶㜱㐴㜰" pitchFamily="34" charset="0"/>
-                <a:ea typeface="䑏S PGothic" pitchFamily="34" charset="-128"/>
-              </a:defRPr>
-            </a:lvl4pPr>
-            <a:lvl5pPr marL="2057400" indent="-228600">
-              <a:buFont typeface="Arial" panose="020B0604020202020204" pitchFamily="34" charset="0"/>
-              <a:defRPr>
-                <a:solidFill>
-                  <a:schemeClr val="tx1"/>
-                </a:solidFill>
-                <a:latin typeface="䑏䈷㑃㠵㍆㌶㜱㐴㜰" pitchFamily="34" charset="0"/>
-                <a:ea typeface="䑏S PGothic" pitchFamily="34" charset="-128"/>
-              </a:defRPr>
-            </a:lvl5pPr>
-            <a:lvl6pPr marL="2514600" indent="-228600" defTabSz="457200" eaLnBrk="0" fontAlgn="base" hangingPunct="0">
-              <a:spcBef>
-                <a:spcPct val="0"/>
-              </a:spcBef>
-              <a:spcAft>
-                <a:spcPct val="0"/>
-              </a:spcAft>
-              <a:buFont typeface="Arial" panose="020B0604020202020204" pitchFamily="34" charset="0"/>
-              <a:defRPr>
-                <a:solidFill>
-                  <a:schemeClr val="tx1"/>
-                </a:solidFill>
-                <a:latin typeface="䑏䈷㑃㠵㍆㌶㜱㐴㜰" pitchFamily="34" charset="0"/>
-                <a:ea typeface="䑏S PGothic" pitchFamily="34" charset="-128"/>
-              </a:defRPr>
-            </a:lvl6pPr>
-            <a:lvl7pPr marL="2971800" indent="-228600" defTabSz="457200" eaLnBrk="0" fontAlgn="base" hangingPunct="0">
-              <a:spcBef>
-                <a:spcPct val="0"/>
-              </a:spcBef>
-              <a:spcAft>
-                <a:spcPct val="0"/>
-              </a:spcAft>
-              <a:buFont typeface="Arial" panose="020B0604020202020204" pitchFamily="34" charset="0"/>
-              <a:defRPr>
-                <a:solidFill>
-                  <a:schemeClr val="tx1"/>
-                </a:solidFill>
-                <a:latin typeface="䑏䈷㑃㠵㍆㌶㜱㐴㜰" pitchFamily="34" charset="0"/>
-                <a:ea typeface="䑏S PGothic" pitchFamily="34" charset="-128"/>
-              </a:defRPr>
-            </a:lvl7pPr>
-            <a:lvl8pPr marL="3429000" indent="-228600" defTabSz="457200" eaLnBrk="0" fontAlgn="base" hangingPunct="0">
-              <a:spcBef>
-                <a:spcPct val="0"/>
-              </a:spcBef>
-              <a:spcAft>
-                <a:spcPct val="0"/>
-              </a:spcAft>
-              <a:buFont typeface="Arial" panose="020B0604020202020204" pitchFamily="34" charset="0"/>
-              <a:defRPr>
-                <a:solidFill>
-                  <a:schemeClr val="tx1"/>
-                </a:solidFill>
-                <a:latin typeface="䑏䈷㑃㠵㍆㌶㜱㐴㜰" pitchFamily="34" charset="0"/>
-                <a:ea typeface="䑏S PGothic" pitchFamily="34" charset="-128"/>
-              </a:defRPr>
-            </a:lvl8pPr>
-            <a:lvl9pPr marL="3886200" indent="-228600" defTabSz="457200" eaLnBrk="0" fontAlgn="base" hangingPunct="0">
-              <a:spcBef>
-                <a:spcPct val="0"/>
-              </a:spcBef>
-              <a:spcAft>
-                <a:spcPct val="0"/>
-              </a:spcAft>
-              <a:buFont typeface="Arial" panose="020B0604020202020204" pitchFamily="34" charset="0"/>
-              <a:defRPr>
-                <a:solidFill>
-                  <a:schemeClr val="tx1"/>
-                </a:solidFill>
-                <a:latin typeface="䑏䈷㑃㠵㍆㌶㜱㐴㜰" pitchFamily="34" charset="0"/>
-                <a:ea typeface="䑏S PGothic" pitchFamily="34" charset="-128"/>
-              </a:defRPr>
-            </a:lvl9pPr>
-          </a:lstStyle>
-          <a:p>
-            <a:r>
-              <a:rPr lang="zh-CN" altLang="en-US" sz="2667" b="1" dirty="0">
-                <a:latin typeface="微软雅黑" panose="020B0503020204020204" pitchFamily="34" charset="-122"/>
-                <a:ea typeface="微软雅黑" panose="020B0503020204020204" pitchFamily="34" charset="-122"/>
-                <a:sym typeface="楷体" panose="02010609060101010101" pitchFamily="49" charset="-122"/>
-              </a:rPr>
-              <a:t>基于业务原生</a:t>
-            </a:r>
-            <a:r>
-              <a:rPr lang="en-US" altLang="zh-CN" sz="2667" b="1" dirty="0">
-                <a:latin typeface="微软雅黑" panose="020B0503020204020204" pitchFamily="34" charset="-122"/>
-                <a:ea typeface="微软雅黑" panose="020B0503020204020204" pitchFamily="34" charset="-122"/>
-                <a:sym typeface="楷体" panose="02010609060101010101" pitchFamily="49" charset="-122"/>
-              </a:rPr>
-              <a:t>AI</a:t>
-            </a:r>
-            <a:r>
-              <a:rPr lang="zh-CN" altLang="en-US" sz="2667" b="1" dirty="0">
-                <a:latin typeface="微软雅黑" panose="020B0503020204020204" pitchFamily="34" charset="-122"/>
-                <a:ea typeface="微软雅黑" panose="020B0503020204020204" pitchFamily="34" charset="-122"/>
-                <a:sym typeface="楷体" panose="02010609060101010101" pitchFamily="49" charset="-122"/>
-              </a:rPr>
-              <a:t>架构的视角</a:t>
+              <a:t>附录：</a:t>
             </a:r>
             <a:endParaRPr lang="en-US" altLang="zh-CN" sz="2667" b="1" dirty="0">
               <a:latin typeface="微软雅黑" panose="020B0503020204020204" pitchFamily="34" charset="-122"/>
@@ -17082,1835 +18890,27 @@
               <a:sym typeface="楷体" panose="02010609060101010101" pitchFamily="49" charset="-122"/>
             </a:endParaRPr>
           </a:p>
-        </p:txBody>
-      </p:sp>
-      <p:sp>
-        <p:nvSpPr>
-          <p:cNvPr id="5" name="矩形 4">
-            <a:extLst>
-              <a:ext uri="{FF2B5EF4-FFF2-40B4-BE49-F238E27FC236}">
-                <a16:creationId xmlns:a16="http://schemas.microsoft.com/office/drawing/2014/main" id="{AB8EB585-FDF7-1B0D-E48D-E8652E2ADE7D}"/>
-              </a:ext>
-            </a:extLst>
-          </p:cNvPr>
-          <p:cNvSpPr/>
-          <p:nvPr/>
-        </p:nvSpPr>
-        <p:spPr>
-          <a:xfrm>
-            <a:off x="1457141" y="2797455"/>
-            <a:ext cx="1168019" cy="629904"/>
-          </a:xfrm>
-          <a:prstGeom prst="rect">
-            <a:avLst/>
-          </a:prstGeom>
-          <a:solidFill>
-            <a:srgbClr val="1F497D"/>
-          </a:solidFill>
-          <a:ln/>
-        </p:spPr>
-        <p:style>
-          <a:lnRef idx="1">
-            <a:schemeClr val="accent1"/>
-          </a:lnRef>
-          <a:fillRef idx="3">
-            <a:schemeClr val="accent1"/>
-          </a:fillRef>
-          <a:effectRef idx="2">
-            <a:schemeClr val="accent1"/>
-          </a:effectRef>
-          <a:fontRef idx="minor">
-            <a:schemeClr val="lt1"/>
-          </a:fontRef>
-        </p:style>
-        <p:txBody>
-          <a:bodyPr rtlCol="0" anchor="ctr"/>
-          <a:lstStyle/>
-          <a:p>
-            <a:pPr algn="ctr"/>
-            <a:r>
-              <a:rPr lang="zh-CN" altLang="en-US" sz="1400" dirty="0">
-                <a:latin typeface="微软雅黑" panose="020B0503020204020204" pitchFamily="34" charset="-122"/>
-                <a:ea typeface="微软雅黑" panose="020B0503020204020204" pitchFamily="34" charset="-122"/>
-              </a:rPr>
-              <a:t>多源数据</a:t>
-            </a:r>
-            <a:endParaRPr lang="en-US" altLang="zh-CN" sz="1400" dirty="0">
+          <a:p>
+            <a:r>
+              <a:rPr lang="zh-CN" altLang="en-US" sz="2667" b="1" dirty="0">
+                <a:latin typeface="微软雅黑" panose="020B0503020204020204" pitchFamily="34" charset="-122"/>
+                <a:ea typeface="微软雅黑" panose="020B0503020204020204" pitchFamily="34" charset="-122"/>
+                <a:sym typeface="楷体" panose="02010609060101010101" pitchFamily="49" charset="-122"/>
+              </a:rPr>
+              <a:t>你想的也可以增加</a:t>
+            </a:r>
+            <a:endParaRPr lang="en-US" altLang="zh-CN" sz="2667" b="1" dirty="0">
               <a:latin typeface="微软雅黑" panose="020B0503020204020204" pitchFamily="34" charset="-122"/>
               <a:ea typeface="微软雅黑" panose="020B0503020204020204" pitchFamily="34" charset="-122"/>
+              <a:sym typeface="楷体" panose="02010609060101010101" pitchFamily="49" charset="-122"/>
             </a:endParaRPr>
           </a:p>
-          <a:p>
-            <a:pPr algn="ctr"/>
-            <a:r>
-              <a:rPr lang="zh-CN" altLang="en-US" sz="1400" dirty="0">
-                <a:latin typeface="微软雅黑" panose="020B0503020204020204" pitchFamily="34" charset="-122"/>
-                <a:ea typeface="微软雅黑" panose="020B0503020204020204" pitchFamily="34" charset="-122"/>
-              </a:rPr>
-              <a:t>实时接入</a:t>
-            </a:r>
-            <a:endParaRPr lang="en-US" altLang="zh-CN" sz="1400" dirty="0">
-              <a:latin typeface="微软雅黑" panose="020B0503020204020204" pitchFamily="34" charset="-122"/>
-              <a:ea typeface="微软雅黑" panose="020B0503020204020204" pitchFamily="34" charset="-122"/>
-            </a:endParaRPr>
-          </a:p>
-        </p:txBody>
-      </p:sp>
-      <p:sp>
-        <p:nvSpPr>
-          <p:cNvPr id="11" name="矩形 10">
-            <a:extLst>
-              <a:ext uri="{FF2B5EF4-FFF2-40B4-BE49-F238E27FC236}">
-                <a16:creationId xmlns:a16="http://schemas.microsoft.com/office/drawing/2014/main" id="{B749498E-EBEC-429A-ABDE-4C49EAB7E3A8}"/>
-              </a:ext>
-            </a:extLst>
-          </p:cNvPr>
-          <p:cNvSpPr/>
-          <p:nvPr/>
-        </p:nvSpPr>
-        <p:spPr>
-          <a:xfrm>
-            <a:off x="5802856" y="554230"/>
-            <a:ext cx="1168019" cy="629904"/>
-          </a:xfrm>
-          <a:prstGeom prst="rect">
-            <a:avLst/>
-          </a:prstGeom>
-          <a:solidFill>
-            <a:srgbClr val="1F497D"/>
-          </a:solidFill>
-          <a:ln/>
-        </p:spPr>
-        <p:style>
-          <a:lnRef idx="1">
-            <a:schemeClr val="accent1"/>
-          </a:lnRef>
-          <a:fillRef idx="3">
-            <a:schemeClr val="accent1"/>
-          </a:fillRef>
-          <a:effectRef idx="2">
-            <a:schemeClr val="accent1"/>
-          </a:effectRef>
-          <a:fontRef idx="minor">
-            <a:schemeClr val="lt1"/>
-          </a:fontRef>
-        </p:style>
-        <p:txBody>
-          <a:bodyPr rtlCol="0" anchor="ctr"/>
-          <a:lstStyle/>
-          <a:p>
-            <a:pPr algn="ctr"/>
-            <a:r>
-              <a:rPr lang="en-US" altLang="zh-CN" sz="1400" dirty="0">
-                <a:latin typeface="微软雅黑" panose="020B0503020204020204" pitchFamily="34" charset="-122"/>
-                <a:ea typeface="微软雅黑" panose="020B0503020204020204" pitchFamily="34" charset="-122"/>
-              </a:rPr>
-              <a:t>AI</a:t>
-            </a:r>
-            <a:r>
-              <a:rPr lang="zh-CN" altLang="en-US" sz="1400" dirty="0">
-                <a:latin typeface="微软雅黑" panose="020B0503020204020204" pitchFamily="34" charset="-122"/>
-                <a:ea typeface="微软雅黑" panose="020B0503020204020204" pitchFamily="34" charset="-122"/>
-              </a:rPr>
-              <a:t>原生应用</a:t>
-            </a:r>
-            <a:endParaRPr lang="en-US" altLang="zh-CN" sz="1400" dirty="0">
-              <a:latin typeface="微软雅黑" panose="020B0503020204020204" pitchFamily="34" charset="-122"/>
-              <a:ea typeface="微软雅黑" panose="020B0503020204020204" pitchFamily="34" charset="-122"/>
-            </a:endParaRPr>
-          </a:p>
-        </p:txBody>
-      </p:sp>
-      <p:sp>
-        <p:nvSpPr>
-          <p:cNvPr id="13" name="矩形 12">
-            <a:extLst>
-              <a:ext uri="{FF2B5EF4-FFF2-40B4-BE49-F238E27FC236}">
-                <a16:creationId xmlns:a16="http://schemas.microsoft.com/office/drawing/2014/main" id="{E6F75C0A-7631-5CA6-77A4-A27BCACFCA04}"/>
-              </a:ext>
-            </a:extLst>
-          </p:cNvPr>
-          <p:cNvSpPr/>
-          <p:nvPr/>
-        </p:nvSpPr>
-        <p:spPr>
-          <a:xfrm>
-            <a:off x="2522626" y="1624180"/>
-            <a:ext cx="1168019" cy="629904"/>
-          </a:xfrm>
-          <a:prstGeom prst="rect">
-            <a:avLst/>
-          </a:prstGeom>
-          <a:solidFill>
-            <a:srgbClr val="1F497D"/>
-          </a:solidFill>
-          <a:ln/>
-        </p:spPr>
-        <p:style>
-          <a:lnRef idx="1">
-            <a:schemeClr val="accent1"/>
-          </a:lnRef>
-          <a:fillRef idx="3">
-            <a:schemeClr val="accent1"/>
-          </a:fillRef>
-          <a:effectRef idx="2">
-            <a:schemeClr val="accent1"/>
-          </a:effectRef>
-          <a:fontRef idx="minor">
-            <a:schemeClr val="lt1"/>
-          </a:fontRef>
-        </p:style>
-        <p:txBody>
-          <a:bodyPr rtlCol="0" anchor="ctr"/>
-          <a:lstStyle/>
-          <a:p>
-            <a:pPr algn="ctr"/>
-            <a:r>
-              <a:rPr lang="zh-CN" altLang="en-US" sz="1400" dirty="0">
-                <a:latin typeface="微软雅黑" panose="020B0503020204020204" pitchFamily="34" charset="-122"/>
-                <a:ea typeface="微软雅黑" panose="020B0503020204020204" pitchFamily="34" charset="-122"/>
-              </a:rPr>
-              <a:t>实时</a:t>
-            </a:r>
-            <a:endParaRPr lang="en-US" altLang="zh-CN" sz="1400" dirty="0">
-              <a:latin typeface="微软雅黑" panose="020B0503020204020204" pitchFamily="34" charset="-122"/>
-              <a:ea typeface="微软雅黑" panose="020B0503020204020204" pitchFamily="34" charset="-122"/>
-            </a:endParaRPr>
-          </a:p>
-          <a:p>
-            <a:pPr algn="ctr"/>
-            <a:r>
-              <a:rPr lang="zh-CN" altLang="en-US" sz="1400" dirty="0">
-                <a:latin typeface="微软雅黑" panose="020B0503020204020204" pitchFamily="34" charset="-122"/>
-                <a:ea typeface="微软雅黑" panose="020B0503020204020204" pitchFamily="34" charset="-122"/>
-              </a:rPr>
-              <a:t>数据智能</a:t>
-            </a:r>
-            <a:endParaRPr lang="en-US" altLang="zh-CN" sz="1400" dirty="0">
-              <a:latin typeface="微软雅黑" panose="020B0503020204020204" pitchFamily="34" charset="-122"/>
-              <a:ea typeface="微软雅黑" panose="020B0503020204020204" pitchFamily="34" charset="-122"/>
-            </a:endParaRPr>
-          </a:p>
-        </p:txBody>
-      </p:sp>
-      <p:cxnSp>
-        <p:nvCxnSpPr>
-          <p:cNvPr id="21" name="直接箭头连接符 20">
-            <a:extLst>
-              <a:ext uri="{FF2B5EF4-FFF2-40B4-BE49-F238E27FC236}">
-                <a16:creationId xmlns:a16="http://schemas.microsoft.com/office/drawing/2014/main" id="{AD3DACCC-9718-ED21-2BA4-FDD860EEF5E8}"/>
-              </a:ext>
-            </a:extLst>
-          </p:cNvPr>
-          <p:cNvCxnSpPr>
-            <a:cxnSpLocks/>
-            <a:stCxn id="11" idx="2"/>
-            <a:endCxn id="9" idx="0"/>
-          </p:cNvCxnSpPr>
-          <p:nvPr/>
-        </p:nvCxnSpPr>
-        <p:spPr>
-          <a:xfrm>
-            <a:off x="6386866" y="1184134"/>
-            <a:ext cx="4440" cy="440046"/>
-          </a:xfrm>
-          <a:prstGeom prst="straightConnector1">
-            <a:avLst/>
-          </a:prstGeom>
-          <a:ln>
-            <a:tailEnd type="triangle"/>
-          </a:ln>
-        </p:spPr>
-        <p:style>
-          <a:lnRef idx="1">
-            <a:schemeClr val="accent1"/>
-          </a:lnRef>
-          <a:fillRef idx="0">
-            <a:schemeClr val="accent1"/>
-          </a:fillRef>
-          <a:effectRef idx="0">
-            <a:schemeClr val="accent1"/>
-          </a:effectRef>
-          <a:fontRef idx="minor">
-            <a:schemeClr val="tx1"/>
-          </a:fontRef>
-        </p:style>
-      </p:cxnSp>
-      <p:sp>
-        <p:nvSpPr>
-          <p:cNvPr id="3" name="矩形 2">
-            <a:extLst>
-              <a:ext uri="{FF2B5EF4-FFF2-40B4-BE49-F238E27FC236}">
-                <a16:creationId xmlns:a16="http://schemas.microsoft.com/office/drawing/2014/main" id="{9CCF6135-C96E-175D-A62A-F5923CBA3B2C}"/>
-              </a:ext>
-            </a:extLst>
-          </p:cNvPr>
-          <p:cNvSpPr/>
-          <p:nvPr/>
-        </p:nvSpPr>
-        <p:spPr>
-          <a:xfrm>
-            <a:off x="3384753" y="2797455"/>
-            <a:ext cx="1168019" cy="629904"/>
-          </a:xfrm>
-          <a:prstGeom prst="rect">
-            <a:avLst/>
-          </a:prstGeom>
-          <a:solidFill>
-            <a:srgbClr val="1F497D"/>
-          </a:solidFill>
-          <a:ln/>
-        </p:spPr>
-        <p:style>
-          <a:lnRef idx="1">
-            <a:schemeClr val="accent1"/>
-          </a:lnRef>
-          <a:fillRef idx="3">
-            <a:schemeClr val="accent1"/>
-          </a:fillRef>
-          <a:effectRef idx="2">
-            <a:schemeClr val="accent1"/>
-          </a:effectRef>
-          <a:fontRef idx="minor">
-            <a:schemeClr val="lt1"/>
-          </a:fontRef>
-        </p:style>
-        <p:txBody>
-          <a:bodyPr rtlCol="0" anchor="ctr"/>
-          <a:lstStyle/>
-          <a:p>
-            <a:pPr algn="ctr"/>
-            <a:r>
-              <a:rPr lang="zh-CN" altLang="en-US" sz="1400" dirty="0">
-                <a:latin typeface="微软雅黑" panose="020B0503020204020204" pitchFamily="34" charset="-122"/>
-                <a:ea typeface="微软雅黑" panose="020B0503020204020204" pitchFamily="34" charset="-122"/>
-              </a:rPr>
-              <a:t>上下文</a:t>
-            </a:r>
-            <a:endParaRPr lang="en-US" altLang="zh-CN" sz="1400" dirty="0">
-              <a:latin typeface="微软雅黑" panose="020B0503020204020204" pitchFamily="34" charset="-122"/>
-              <a:ea typeface="微软雅黑" panose="020B0503020204020204" pitchFamily="34" charset="-122"/>
-            </a:endParaRPr>
-          </a:p>
-          <a:p>
-            <a:pPr algn="ctr"/>
-            <a:r>
-              <a:rPr lang="zh-CN" altLang="en-US" sz="1400" dirty="0">
-                <a:latin typeface="微软雅黑" panose="020B0503020204020204" pitchFamily="34" charset="-122"/>
-                <a:ea typeface="微软雅黑" panose="020B0503020204020204" pitchFamily="34" charset="-122"/>
-              </a:rPr>
-              <a:t>感知处理</a:t>
-            </a:r>
-            <a:endParaRPr lang="en-US" altLang="zh-CN" sz="1400" dirty="0">
-              <a:latin typeface="微软雅黑" panose="020B0503020204020204" pitchFamily="34" charset="-122"/>
-              <a:ea typeface="微软雅黑" panose="020B0503020204020204" pitchFamily="34" charset="-122"/>
-            </a:endParaRPr>
-          </a:p>
-        </p:txBody>
-      </p:sp>
-      <p:sp>
-        <p:nvSpPr>
-          <p:cNvPr id="4" name="矩形 3">
-            <a:extLst>
-              <a:ext uri="{FF2B5EF4-FFF2-40B4-BE49-F238E27FC236}">
-                <a16:creationId xmlns:a16="http://schemas.microsoft.com/office/drawing/2014/main" id="{84E9C57A-0689-1E78-D10B-9069E628449A}"/>
-              </a:ext>
-            </a:extLst>
-          </p:cNvPr>
-          <p:cNvSpPr/>
-          <p:nvPr/>
-        </p:nvSpPr>
-        <p:spPr>
-          <a:xfrm>
-            <a:off x="4874215" y="2797455"/>
-            <a:ext cx="1168019" cy="629904"/>
-          </a:xfrm>
-          <a:prstGeom prst="rect">
-            <a:avLst/>
-          </a:prstGeom>
-          <a:solidFill>
-            <a:srgbClr val="1F497D"/>
-          </a:solidFill>
-          <a:ln/>
-        </p:spPr>
-        <p:style>
-          <a:lnRef idx="1">
-            <a:schemeClr val="accent1"/>
-          </a:lnRef>
-          <a:fillRef idx="3">
-            <a:schemeClr val="accent1"/>
-          </a:fillRef>
-          <a:effectRef idx="2">
-            <a:schemeClr val="accent1"/>
-          </a:effectRef>
-          <a:fontRef idx="minor">
-            <a:schemeClr val="lt1"/>
-          </a:fontRef>
-        </p:style>
-        <p:txBody>
-          <a:bodyPr rtlCol="0" anchor="ctr"/>
-          <a:lstStyle/>
-          <a:p>
-            <a:pPr algn="ctr"/>
-            <a:r>
-              <a:rPr lang="zh-CN" altLang="en-US" sz="1400" dirty="0">
-                <a:latin typeface="微软雅黑" panose="020B0503020204020204" pitchFamily="34" charset="-122"/>
-                <a:ea typeface="微软雅黑" panose="020B0503020204020204" pitchFamily="34" charset="-122"/>
-              </a:rPr>
-              <a:t>动态</a:t>
-            </a:r>
-            <a:endParaRPr lang="en-US" altLang="zh-CN" sz="1400" dirty="0">
-              <a:latin typeface="微软雅黑" panose="020B0503020204020204" pitchFamily="34" charset="-122"/>
-              <a:ea typeface="微软雅黑" panose="020B0503020204020204" pitchFamily="34" charset="-122"/>
-            </a:endParaRPr>
-          </a:p>
-          <a:p>
-            <a:pPr algn="ctr"/>
-            <a:r>
-              <a:rPr lang="zh-CN" altLang="en-US" sz="1400" dirty="0">
-                <a:latin typeface="微软雅黑" panose="020B0503020204020204" pitchFamily="34" charset="-122"/>
-                <a:ea typeface="微软雅黑" panose="020B0503020204020204" pitchFamily="34" charset="-122"/>
-              </a:rPr>
-              <a:t>规则生成</a:t>
-            </a:r>
-            <a:endParaRPr lang="en-US" altLang="zh-CN" sz="1400" dirty="0">
-              <a:latin typeface="微软雅黑" panose="020B0503020204020204" pitchFamily="34" charset="-122"/>
-              <a:ea typeface="微软雅黑" panose="020B0503020204020204" pitchFamily="34" charset="-122"/>
-            </a:endParaRPr>
-          </a:p>
-        </p:txBody>
-      </p:sp>
-      <p:sp>
-        <p:nvSpPr>
-          <p:cNvPr id="9" name="矩形 8">
-            <a:extLst>
-              <a:ext uri="{FF2B5EF4-FFF2-40B4-BE49-F238E27FC236}">
-                <a16:creationId xmlns:a16="http://schemas.microsoft.com/office/drawing/2014/main" id="{853C21CB-673D-A537-2525-DFB4A543DAB6}"/>
-              </a:ext>
-            </a:extLst>
-          </p:cNvPr>
-          <p:cNvSpPr/>
-          <p:nvPr/>
-        </p:nvSpPr>
-        <p:spPr>
-          <a:xfrm>
-            <a:off x="5807296" y="1624180"/>
-            <a:ext cx="1168019" cy="629904"/>
-          </a:xfrm>
-          <a:prstGeom prst="rect">
-            <a:avLst/>
-          </a:prstGeom>
-          <a:solidFill>
-            <a:srgbClr val="1F497D"/>
-          </a:solidFill>
-          <a:ln/>
-        </p:spPr>
-        <p:style>
-          <a:lnRef idx="1">
-            <a:schemeClr val="accent1"/>
-          </a:lnRef>
-          <a:fillRef idx="3">
-            <a:schemeClr val="accent1"/>
-          </a:fillRef>
-          <a:effectRef idx="2">
-            <a:schemeClr val="accent1"/>
-          </a:effectRef>
-          <a:fontRef idx="minor">
-            <a:schemeClr val="lt1"/>
-          </a:fontRef>
-        </p:style>
-        <p:txBody>
-          <a:bodyPr rtlCol="0" anchor="ctr"/>
-          <a:lstStyle/>
-          <a:p>
-            <a:pPr algn="ctr"/>
-            <a:r>
-              <a:rPr lang="zh-CN" altLang="en-US" sz="1400" dirty="0">
-                <a:latin typeface="微软雅黑" panose="020B0503020204020204" pitchFamily="34" charset="-122"/>
-                <a:ea typeface="微软雅黑" panose="020B0503020204020204" pitchFamily="34" charset="-122"/>
-              </a:rPr>
-              <a:t>自主</a:t>
-            </a:r>
-            <a:endParaRPr lang="en-US" altLang="zh-CN" sz="1400" dirty="0">
-              <a:latin typeface="微软雅黑" panose="020B0503020204020204" pitchFamily="34" charset="-122"/>
-              <a:ea typeface="微软雅黑" panose="020B0503020204020204" pitchFamily="34" charset="-122"/>
-            </a:endParaRPr>
-          </a:p>
-          <a:p>
-            <a:pPr algn="ctr"/>
-            <a:r>
-              <a:rPr lang="zh-CN" altLang="en-US" sz="1400" dirty="0">
-                <a:latin typeface="微软雅黑" panose="020B0503020204020204" pitchFamily="34" charset="-122"/>
-                <a:ea typeface="微软雅黑" panose="020B0503020204020204" pitchFamily="34" charset="-122"/>
-              </a:rPr>
-              <a:t>决策引擎</a:t>
-            </a:r>
-            <a:endParaRPr lang="en-US" altLang="zh-CN" sz="1400" dirty="0">
-              <a:latin typeface="微软雅黑" panose="020B0503020204020204" pitchFamily="34" charset="-122"/>
-              <a:ea typeface="微软雅黑" panose="020B0503020204020204" pitchFamily="34" charset="-122"/>
-            </a:endParaRPr>
-          </a:p>
-        </p:txBody>
-      </p:sp>
-      <p:sp>
-        <p:nvSpPr>
-          <p:cNvPr id="10" name="矩形 9">
-            <a:extLst>
-              <a:ext uri="{FF2B5EF4-FFF2-40B4-BE49-F238E27FC236}">
-                <a16:creationId xmlns:a16="http://schemas.microsoft.com/office/drawing/2014/main" id="{A1A0EFEF-13D3-46D4-C8B4-DBDB6C782CFF}"/>
-              </a:ext>
-            </a:extLst>
-          </p:cNvPr>
-          <p:cNvSpPr/>
-          <p:nvPr/>
-        </p:nvSpPr>
-        <p:spPr>
-          <a:xfrm>
-            <a:off x="6801827" y="2797455"/>
-            <a:ext cx="1168019" cy="629904"/>
-          </a:xfrm>
-          <a:prstGeom prst="rect">
-            <a:avLst/>
-          </a:prstGeom>
-          <a:solidFill>
-            <a:srgbClr val="1F497D"/>
-          </a:solidFill>
-          <a:ln/>
-        </p:spPr>
-        <p:style>
-          <a:lnRef idx="1">
-            <a:schemeClr val="accent1"/>
-          </a:lnRef>
-          <a:fillRef idx="3">
-            <a:schemeClr val="accent1"/>
-          </a:fillRef>
-          <a:effectRef idx="2">
-            <a:schemeClr val="accent1"/>
-          </a:effectRef>
-          <a:fontRef idx="minor">
-            <a:schemeClr val="lt1"/>
-          </a:fontRef>
-        </p:style>
-        <p:txBody>
-          <a:bodyPr rtlCol="0" anchor="ctr"/>
-          <a:lstStyle/>
-          <a:p>
-            <a:pPr algn="ctr"/>
-            <a:r>
-              <a:rPr lang="zh-CN" altLang="en-US" sz="1400" dirty="0">
-                <a:latin typeface="微软雅黑" panose="020B0503020204020204" pitchFamily="34" charset="-122"/>
-                <a:ea typeface="微软雅黑" panose="020B0503020204020204" pitchFamily="34" charset="-122"/>
-              </a:rPr>
-              <a:t>结果</a:t>
-            </a:r>
-            <a:endParaRPr lang="en-US" altLang="zh-CN" sz="1400" dirty="0">
-              <a:latin typeface="微软雅黑" panose="020B0503020204020204" pitchFamily="34" charset="-122"/>
-              <a:ea typeface="微软雅黑" panose="020B0503020204020204" pitchFamily="34" charset="-122"/>
-            </a:endParaRPr>
-          </a:p>
-          <a:p>
-            <a:pPr algn="ctr"/>
-            <a:r>
-              <a:rPr lang="zh-CN" altLang="en-US" sz="1400" dirty="0">
-                <a:latin typeface="微软雅黑" panose="020B0503020204020204" pitchFamily="34" charset="-122"/>
-                <a:ea typeface="微软雅黑" panose="020B0503020204020204" pitchFamily="34" charset="-122"/>
-              </a:rPr>
-              <a:t>预测与验证</a:t>
-            </a:r>
-            <a:endParaRPr lang="en-US" altLang="zh-CN" sz="1400" dirty="0">
-              <a:latin typeface="微软雅黑" panose="020B0503020204020204" pitchFamily="34" charset="-122"/>
-              <a:ea typeface="微软雅黑" panose="020B0503020204020204" pitchFamily="34" charset="-122"/>
-            </a:endParaRPr>
-          </a:p>
-        </p:txBody>
-      </p:sp>
-      <p:sp>
-        <p:nvSpPr>
-          <p:cNvPr id="12" name="矩形 11">
-            <a:extLst>
-              <a:ext uri="{FF2B5EF4-FFF2-40B4-BE49-F238E27FC236}">
-                <a16:creationId xmlns:a16="http://schemas.microsoft.com/office/drawing/2014/main" id="{E04DBE25-37D2-D643-1349-4651AD4B176E}"/>
-              </a:ext>
-            </a:extLst>
-          </p:cNvPr>
-          <p:cNvSpPr/>
-          <p:nvPr/>
-        </p:nvSpPr>
-        <p:spPr>
-          <a:xfrm>
-            <a:off x="8281764" y="2797455"/>
-            <a:ext cx="1168019" cy="629904"/>
-          </a:xfrm>
-          <a:prstGeom prst="rect">
-            <a:avLst/>
-          </a:prstGeom>
-          <a:solidFill>
-            <a:srgbClr val="1F497D"/>
-          </a:solidFill>
-          <a:ln/>
-        </p:spPr>
-        <p:style>
-          <a:lnRef idx="1">
-            <a:schemeClr val="accent1"/>
-          </a:lnRef>
-          <a:fillRef idx="3">
-            <a:schemeClr val="accent1"/>
-          </a:fillRef>
-          <a:effectRef idx="2">
-            <a:schemeClr val="accent1"/>
-          </a:effectRef>
-          <a:fontRef idx="minor">
-            <a:schemeClr val="lt1"/>
-          </a:fontRef>
-        </p:style>
-        <p:txBody>
-          <a:bodyPr rtlCol="0" anchor="ctr"/>
-          <a:lstStyle/>
-          <a:p>
-            <a:pPr algn="ctr"/>
-            <a:r>
-              <a:rPr lang="zh-CN" altLang="en-US" sz="1400" dirty="0">
-                <a:latin typeface="微软雅黑" panose="020B0503020204020204" pitchFamily="34" charset="-122"/>
-                <a:ea typeface="微软雅黑" panose="020B0503020204020204" pitchFamily="34" charset="-122"/>
-              </a:rPr>
-              <a:t>流程节点</a:t>
-            </a:r>
-            <a:endParaRPr lang="en-US" altLang="zh-CN" sz="1400" dirty="0">
-              <a:latin typeface="微软雅黑" panose="020B0503020204020204" pitchFamily="34" charset="-122"/>
-              <a:ea typeface="微软雅黑" panose="020B0503020204020204" pitchFamily="34" charset="-122"/>
-            </a:endParaRPr>
-          </a:p>
-          <a:p>
-            <a:pPr algn="ctr"/>
-            <a:r>
-              <a:rPr lang="zh-CN" altLang="en-US" sz="1400" dirty="0">
-                <a:latin typeface="微软雅黑" panose="020B0503020204020204" pitchFamily="34" charset="-122"/>
-                <a:ea typeface="微软雅黑" panose="020B0503020204020204" pitchFamily="34" charset="-122"/>
-              </a:rPr>
-              <a:t>智能调度</a:t>
-            </a:r>
-            <a:endParaRPr lang="en-US" altLang="zh-CN" sz="1400" dirty="0">
-              <a:latin typeface="微软雅黑" panose="020B0503020204020204" pitchFamily="34" charset="-122"/>
-              <a:ea typeface="微软雅黑" panose="020B0503020204020204" pitchFamily="34" charset="-122"/>
-            </a:endParaRPr>
-          </a:p>
-        </p:txBody>
-      </p:sp>
-      <p:sp>
-        <p:nvSpPr>
-          <p:cNvPr id="14" name="矩形 13">
-            <a:extLst>
-              <a:ext uri="{FF2B5EF4-FFF2-40B4-BE49-F238E27FC236}">
-                <a16:creationId xmlns:a16="http://schemas.microsoft.com/office/drawing/2014/main" id="{C04068C5-9C7F-3417-0567-6B1610619C31}"/>
-              </a:ext>
-            </a:extLst>
-          </p:cNvPr>
-          <p:cNvSpPr/>
-          <p:nvPr/>
-        </p:nvSpPr>
-        <p:spPr>
-          <a:xfrm>
-            <a:off x="9091966" y="1624180"/>
-            <a:ext cx="1168019" cy="629904"/>
-          </a:xfrm>
-          <a:prstGeom prst="rect">
-            <a:avLst/>
-          </a:prstGeom>
-          <a:solidFill>
-            <a:srgbClr val="1F497D"/>
-          </a:solidFill>
-          <a:ln/>
-        </p:spPr>
-        <p:style>
-          <a:lnRef idx="1">
-            <a:schemeClr val="accent1"/>
-          </a:lnRef>
-          <a:fillRef idx="3">
-            <a:schemeClr val="accent1"/>
-          </a:fillRef>
-          <a:effectRef idx="2">
-            <a:schemeClr val="accent1"/>
-          </a:effectRef>
-          <a:fontRef idx="minor">
-            <a:schemeClr val="lt1"/>
-          </a:fontRef>
-        </p:style>
-        <p:txBody>
-          <a:bodyPr rtlCol="0" anchor="ctr"/>
-          <a:lstStyle/>
-          <a:p>
-            <a:pPr algn="ctr"/>
-            <a:r>
-              <a:rPr lang="zh-CN" altLang="en-US" sz="1400" dirty="0">
-                <a:latin typeface="微软雅黑" panose="020B0503020204020204" pitchFamily="34" charset="-122"/>
-                <a:ea typeface="微软雅黑" panose="020B0503020204020204" pitchFamily="34" charset="-122"/>
-              </a:rPr>
-              <a:t>自适应</a:t>
-            </a:r>
-            <a:endParaRPr lang="en-US" altLang="zh-CN" sz="1400" dirty="0">
-              <a:latin typeface="微软雅黑" panose="020B0503020204020204" pitchFamily="34" charset="-122"/>
-              <a:ea typeface="微软雅黑" panose="020B0503020204020204" pitchFamily="34" charset="-122"/>
-            </a:endParaRPr>
-          </a:p>
-          <a:p>
-            <a:pPr algn="ctr"/>
-            <a:r>
-              <a:rPr lang="zh-CN" altLang="en-US" sz="1400" dirty="0">
-                <a:latin typeface="微软雅黑" panose="020B0503020204020204" pitchFamily="34" charset="-122"/>
-                <a:ea typeface="微软雅黑" panose="020B0503020204020204" pitchFamily="34" charset="-122"/>
-              </a:rPr>
-              <a:t>流程编排</a:t>
-            </a:r>
-            <a:endParaRPr lang="en-US" altLang="zh-CN" sz="1400" dirty="0">
-              <a:latin typeface="微软雅黑" panose="020B0503020204020204" pitchFamily="34" charset="-122"/>
-              <a:ea typeface="微软雅黑" panose="020B0503020204020204" pitchFamily="34" charset="-122"/>
-            </a:endParaRPr>
-          </a:p>
-        </p:txBody>
-      </p:sp>
-      <p:sp>
-        <p:nvSpPr>
-          <p:cNvPr id="18" name="矩形 17">
-            <a:extLst>
-              <a:ext uri="{FF2B5EF4-FFF2-40B4-BE49-F238E27FC236}">
-                <a16:creationId xmlns:a16="http://schemas.microsoft.com/office/drawing/2014/main" id="{80A4D35E-DF28-6414-E30E-ED408C90D023}"/>
-              </a:ext>
-            </a:extLst>
-          </p:cNvPr>
-          <p:cNvSpPr/>
-          <p:nvPr/>
-        </p:nvSpPr>
-        <p:spPr>
-          <a:xfrm>
-            <a:off x="10209375" y="2797455"/>
-            <a:ext cx="1168019" cy="629904"/>
-          </a:xfrm>
-          <a:prstGeom prst="rect">
-            <a:avLst/>
-          </a:prstGeom>
-          <a:solidFill>
-            <a:srgbClr val="1F497D"/>
-          </a:solidFill>
-          <a:ln/>
-        </p:spPr>
-        <p:style>
-          <a:lnRef idx="1">
-            <a:schemeClr val="accent1"/>
-          </a:lnRef>
-          <a:fillRef idx="3">
-            <a:schemeClr val="accent1"/>
-          </a:fillRef>
-          <a:effectRef idx="2">
-            <a:schemeClr val="accent1"/>
-          </a:effectRef>
-          <a:fontRef idx="minor">
-            <a:schemeClr val="lt1"/>
-          </a:fontRef>
-        </p:style>
-        <p:txBody>
-          <a:bodyPr rtlCol="0" anchor="ctr"/>
-          <a:lstStyle/>
-          <a:p>
-            <a:pPr algn="ctr"/>
-            <a:r>
-              <a:rPr lang="zh-CN" altLang="en-US" sz="1400" dirty="0">
-                <a:latin typeface="微软雅黑" panose="020B0503020204020204" pitchFamily="34" charset="-122"/>
-                <a:ea typeface="微软雅黑" panose="020B0503020204020204" pitchFamily="34" charset="-122"/>
-              </a:rPr>
-              <a:t>异常场景</a:t>
-            </a:r>
-            <a:endParaRPr lang="en-US" altLang="zh-CN" sz="1400" dirty="0">
-              <a:latin typeface="微软雅黑" panose="020B0503020204020204" pitchFamily="34" charset="-122"/>
-              <a:ea typeface="微软雅黑" panose="020B0503020204020204" pitchFamily="34" charset="-122"/>
-            </a:endParaRPr>
-          </a:p>
-          <a:p>
-            <a:pPr algn="ctr"/>
-            <a:r>
-              <a:rPr lang="zh-CN" altLang="en-US" sz="1400" dirty="0">
-                <a:latin typeface="微软雅黑" panose="020B0503020204020204" pitchFamily="34" charset="-122"/>
-                <a:ea typeface="微软雅黑" panose="020B0503020204020204" pitchFamily="34" charset="-122"/>
-              </a:rPr>
-              <a:t>自动修复</a:t>
-            </a:r>
-            <a:endParaRPr lang="en-US" altLang="zh-CN" sz="1400" dirty="0">
-              <a:latin typeface="微软雅黑" panose="020B0503020204020204" pitchFamily="34" charset="-122"/>
-              <a:ea typeface="微软雅黑" panose="020B0503020204020204" pitchFamily="34" charset="-122"/>
-            </a:endParaRPr>
-          </a:p>
-        </p:txBody>
-      </p:sp>
-      <p:cxnSp>
-        <p:nvCxnSpPr>
-          <p:cNvPr id="22" name="直接箭头连接符 21">
-            <a:extLst>
-              <a:ext uri="{FF2B5EF4-FFF2-40B4-BE49-F238E27FC236}">
-                <a16:creationId xmlns:a16="http://schemas.microsoft.com/office/drawing/2014/main" id="{31A3A37D-84F0-25EC-7B34-3B6043781E64}"/>
-              </a:ext>
-            </a:extLst>
-          </p:cNvPr>
-          <p:cNvCxnSpPr>
-            <a:cxnSpLocks/>
-            <a:stCxn id="11" idx="2"/>
-            <a:endCxn id="14" idx="0"/>
-          </p:cNvCxnSpPr>
-          <p:nvPr/>
-        </p:nvCxnSpPr>
-        <p:spPr>
-          <a:xfrm>
-            <a:off x="6386866" y="1184134"/>
-            <a:ext cx="3289110" cy="440046"/>
-          </a:xfrm>
-          <a:prstGeom prst="straightConnector1">
-            <a:avLst/>
-          </a:prstGeom>
-          <a:ln>
-            <a:tailEnd type="triangle"/>
-          </a:ln>
-        </p:spPr>
-        <p:style>
-          <a:lnRef idx="1">
-            <a:schemeClr val="accent1"/>
-          </a:lnRef>
-          <a:fillRef idx="0">
-            <a:schemeClr val="accent1"/>
-          </a:fillRef>
-          <a:effectRef idx="0">
-            <a:schemeClr val="accent1"/>
-          </a:effectRef>
-          <a:fontRef idx="minor">
-            <a:schemeClr val="tx1"/>
-          </a:fontRef>
-        </p:style>
-      </p:cxnSp>
-      <p:cxnSp>
-        <p:nvCxnSpPr>
-          <p:cNvPr id="26" name="直接箭头连接符 25">
-            <a:extLst>
-              <a:ext uri="{FF2B5EF4-FFF2-40B4-BE49-F238E27FC236}">
-                <a16:creationId xmlns:a16="http://schemas.microsoft.com/office/drawing/2014/main" id="{3304253A-B10D-1C36-FA61-F88E1C7C9E21}"/>
-              </a:ext>
-            </a:extLst>
-          </p:cNvPr>
-          <p:cNvCxnSpPr>
-            <a:cxnSpLocks/>
-            <a:stCxn id="11" idx="2"/>
-            <a:endCxn id="13" idx="0"/>
-          </p:cNvCxnSpPr>
-          <p:nvPr/>
-        </p:nvCxnSpPr>
-        <p:spPr>
-          <a:xfrm flipH="1">
-            <a:off x="3106636" y="1184134"/>
-            <a:ext cx="3280230" cy="440046"/>
-          </a:xfrm>
-          <a:prstGeom prst="straightConnector1">
-            <a:avLst/>
-          </a:prstGeom>
-          <a:ln>
-            <a:tailEnd type="triangle"/>
-          </a:ln>
-        </p:spPr>
-        <p:style>
-          <a:lnRef idx="1">
-            <a:schemeClr val="accent1"/>
-          </a:lnRef>
-          <a:fillRef idx="0">
-            <a:schemeClr val="accent1"/>
-          </a:fillRef>
-          <a:effectRef idx="0">
-            <a:schemeClr val="accent1"/>
-          </a:effectRef>
-          <a:fontRef idx="minor">
-            <a:schemeClr val="tx1"/>
-          </a:fontRef>
-        </p:style>
-      </p:cxnSp>
-      <p:cxnSp>
-        <p:nvCxnSpPr>
-          <p:cNvPr id="30" name="直接箭头连接符 29">
-            <a:extLst>
-              <a:ext uri="{FF2B5EF4-FFF2-40B4-BE49-F238E27FC236}">
-                <a16:creationId xmlns:a16="http://schemas.microsoft.com/office/drawing/2014/main" id="{30E0DC53-7835-DC55-17FE-710451718FD0}"/>
-              </a:ext>
-            </a:extLst>
-          </p:cNvPr>
-          <p:cNvCxnSpPr>
-            <a:cxnSpLocks/>
-            <a:stCxn id="13" idx="2"/>
-            <a:endCxn id="5" idx="0"/>
-          </p:cNvCxnSpPr>
-          <p:nvPr/>
-        </p:nvCxnSpPr>
-        <p:spPr>
-          <a:xfrm flipH="1">
-            <a:off x="2041151" y="2254084"/>
-            <a:ext cx="1065485" cy="543371"/>
-          </a:xfrm>
-          <a:prstGeom prst="straightConnector1">
-            <a:avLst/>
-          </a:prstGeom>
-          <a:ln>
-            <a:tailEnd type="triangle"/>
-          </a:ln>
-        </p:spPr>
-        <p:style>
-          <a:lnRef idx="1">
-            <a:schemeClr val="accent1"/>
-          </a:lnRef>
-          <a:fillRef idx="0">
-            <a:schemeClr val="accent1"/>
-          </a:fillRef>
-          <a:effectRef idx="0">
-            <a:schemeClr val="accent1"/>
-          </a:effectRef>
-          <a:fontRef idx="minor">
-            <a:schemeClr val="tx1"/>
-          </a:fontRef>
-        </p:style>
-      </p:cxnSp>
-      <p:cxnSp>
-        <p:nvCxnSpPr>
-          <p:cNvPr id="33" name="直接箭头连接符 32">
-            <a:extLst>
-              <a:ext uri="{FF2B5EF4-FFF2-40B4-BE49-F238E27FC236}">
-                <a16:creationId xmlns:a16="http://schemas.microsoft.com/office/drawing/2014/main" id="{95998390-C0E3-6147-99F0-3D0CAEA7F781}"/>
-              </a:ext>
-            </a:extLst>
-          </p:cNvPr>
-          <p:cNvCxnSpPr>
-            <a:cxnSpLocks/>
-            <a:stCxn id="13" idx="2"/>
-            <a:endCxn id="3" idx="0"/>
-          </p:cNvCxnSpPr>
-          <p:nvPr/>
-        </p:nvCxnSpPr>
-        <p:spPr>
-          <a:xfrm>
-            <a:off x="3106636" y="2254084"/>
-            <a:ext cx="862127" cy="543371"/>
-          </a:xfrm>
-          <a:prstGeom prst="straightConnector1">
-            <a:avLst/>
-          </a:prstGeom>
-          <a:ln>
-            <a:tailEnd type="triangle"/>
-          </a:ln>
-        </p:spPr>
-        <p:style>
-          <a:lnRef idx="1">
-            <a:schemeClr val="accent1"/>
-          </a:lnRef>
-          <a:fillRef idx="0">
-            <a:schemeClr val="accent1"/>
-          </a:fillRef>
-          <a:effectRef idx="0">
-            <a:schemeClr val="accent1"/>
-          </a:effectRef>
-          <a:fontRef idx="minor">
-            <a:schemeClr val="tx1"/>
-          </a:fontRef>
-        </p:style>
-      </p:cxnSp>
-      <p:cxnSp>
-        <p:nvCxnSpPr>
-          <p:cNvPr id="37" name="直接箭头连接符 36">
-            <a:extLst>
-              <a:ext uri="{FF2B5EF4-FFF2-40B4-BE49-F238E27FC236}">
-                <a16:creationId xmlns:a16="http://schemas.microsoft.com/office/drawing/2014/main" id="{EC3E7CAD-4835-0285-46EA-7948753AF583}"/>
-              </a:ext>
-            </a:extLst>
-          </p:cNvPr>
-          <p:cNvCxnSpPr>
-            <a:cxnSpLocks/>
-            <a:stCxn id="9" idx="2"/>
-            <a:endCxn id="4" idx="0"/>
-          </p:cNvCxnSpPr>
-          <p:nvPr/>
-        </p:nvCxnSpPr>
-        <p:spPr>
-          <a:xfrm flipH="1">
-            <a:off x="5458225" y="2254084"/>
-            <a:ext cx="933081" cy="543371"/>
-          </a:xfrm>
-          <a:prstGeom prst="straightConnector1">
-            <a:avLst/>
-          </a:prstGeom>
-          <a:ln>
-            <a:tailEnd type="triangle"/>
-          </a:ln>
-        </p:spPr>
-        <p:style>
-          <a:lnRef idx="1">
-            <a:schemeClr val="accent1"/>
-          </a:lnRef>
-          <a:fillRef idx="0">
-            <a:schemeClr val="accent1"/>
-          </a:fillRef>
-          <a:effectRef idx="0">
-            <a:schemeClr val="accent1"/>
-          </a:effectRef>
-          <a:fontRef idx="minor">
-            <a:schemeClr val="tx1"/>
-          </a:fontRef>
-        </p:style>
-      </p:cxnSp>
-      <p:cxnSp>
-        <p:nvCxnSpPr>
-          <p:cNvPr id="40" name="直接箭头连接符 39">
-            <a:extLst>
-              <a:ext uri="{FF2B5EF4-FFF2-40B4-BE49-F238E27FC236}">
-                <a16:creationId xmlns:a16="http://schemas.microsoft.com/office/drawing/2014/main" id="{02B4E83D-7ED8-8BE7-25E5-2DB70E6FA8B0}"/>
-              </a:ext>
-            </a:extLst>
-          </p:cNvPr>
-          <p:cNvCxnSpPr>
-            <a:cxnSpLocks/>
-            <a:stCxn id="9" idx="2"/>
-            <a:endCxn id="10" idx="0"/>
-          </p:cNvCxnSpPr>
-          <p:nvPr/>
-        </p:nvCxnSpPr>
-        <p:spPr>
-          <a:xfrm>
-            <a:off x="6391306" y="2254084"/>
-            <a:ext cx="994531" cy="543371"/>
-          </a:xfrm>
-          <a:prstGeom prst="straightConnector1">
-            <a:avLst/>
-          </a:prstGeom>
-          <a:ln>
-            <a:tailEnd type="triangle"/>
-          </a:ln>
-        </p:spPr>
-        <p:style>
-          <a:lnRef idx="1">
-            <a:schemeClr val="accent1"/>
-          </a:lnRef>
-          <a:fillRef idx="0">
-            <a:schemeClr val="accent1"/>
-          </a:fillRef>
-          <a:effectRef idx="0">
-            <a:schemeClr val="accent1"/>
-          </a:effectRef>
-          <a:fontRef idx="minor">
-            <a:schemeClr val="tx1"/>
-          </a:fontRef>
-        </p:style>
-      </p:cxnSp>
-      <p:cxnSp>
-        <p:nvCxnSpPr>
-          <p:cNvPr id="46" name="直接箭头连接符 45">
-            <a:extLst>
-              <a:ext uri="{FF2B5EF4-FFF2-40B4-BE49-F238E27FC236}">
-                <a16:creationId xmlns:a16="http://schemas.microsoft.com/office/drawing/2014/main" id="{B2DA25C1-C630-B292-82CE-D5AEA5E7B01B}"/>
-              </a:ext>
-            </a:extLst>
-          </p:cNvPr>
-          <p:cNvCxnSpPr>
-            <a:cxnSpLocks/>
-            <a:stCxn id="14" idx="2"/>
-            <a:endCxn id="12" idx="0"/>
-          </p:cNvCxnSpPr>
-          <p:nvPr/>
-        </p:nvCxnSpPr>
-        <p:spPr>
-          <a:xfrm flipH="1">
-            <a:off x="8865774" y="2254084"/>
-            <a:ext cx="810202" cy="543371"/>
-          </a:xfrm>
-          <a:prstGeom prst="straightConnector1">
-            <a:avLst/>
-          </a:prstGeom>
-          <a:ln>
-            <a:tailEnd type="triangle"/>
-          </a:ln>
-        </p:spPr>
-        <p:style>
-          <a:lnRef idx="1">
-            <a:schemeClr val="accent1"/>
-          </a:lnRef>
-          <a:fillRef idx="0">
-            <a:schemeClr val="accent1"/>
-          </a:fillRef>
-          <a:effectRef idx="0">
-            <a:schemeClr val="accent1"/>
-          </a:effectRef>
-          <a:fontRef idx="minor">
-            <a:schemeClr val="tx1"/>
-          </a:fontRef>
-        </p:style>
-      </p:cxnSp>
-      <p:cxnSp>
-        <p:nvCxnSpPr>
-          <p:cNvPr id="51" name="直接箭头连接符 50">
-            <a:extLst>
-              <a:ext uri="{FF2B5EF4-FFF2-40B4-BE49-F238E27FC236}">
-                <a16:creationId xmlns:a16="http://schemas.microsoft.com/office/drawing/2014/main" id="{9E7C1CD4-F9D2-AB50-8212-D300559A6EC5}"/>
-              </a:ext>
-            </a:extLst>
-          </p:cNvPr>
-          <p:cNvCxnSpPr>
-            <a:cxnSpLocks/>
-            <a:stCxn id="14" idx="2"/>
-            <a:endCxn id="18" idx="0"/>
-          </p:cNvCxnSpPr>
-          <p:nvPr/>
-        </p:nvCxnSpPr>
-        <p:spPr>
-          <a:xfrm>
-            <a:off x="9675976" y="2254084"/>
-            <a:ext cx="1117409" cy="543371"/>
-          </a:xfrm>
-          <a:prstGeom prst="straightConnector1">
-            <a:avLst/>
-          </a:prstGeom>
-          <a:ln>
-            <a:tailEnd type="triangle"/>
-          </a:ln>
-        </p:spPr>
-        <p:style>
-          <a:lnRef idx="1">
-            <a:schemeClr val="accent1"/>
-          </a:lnRef>
-          <a:fillRef idx="0">
-            <a:schemeClr val="accent1"/>
-          </a:fillRef>
-          <a:effectRef idx="0">
-            <a:schemeClr val="accent1"/>
-          </a:effectRef>
-          <a:fontRef idx="minor">
-            <a:schemeClr val="tx1"/>
-          </a:fontRef>
-        </p:style>
-      </p:cxnSp>
-      <p:sp>
-        <p:nvSpPr>
-          <p:cNvPr id="15360" name="矩形 15359">
-            <a:extLst>
-              <a:ext uri="{FF2B5EF4-FFF2-40B4-BE49-F238E27FC236}">
-                <a16:creationId xmlns:a16="http://schemas.microsoft.com/office/drawing/2014/main" id="{CD4B99B0-059B-A8FD-A179-1CAF983C8F8D}"/>
-              </a:ext>
-            </a:extLst>
-          </p:cNvPr>
-          <p:cNvSpPr/>
-          <p:nvPr/>
-        </p:nvSpPr>
-        <p:spPr>
-          <a:xfrm>
-            <a:off x="1457140" y="4197630"/>
-            <a:ext cx="1168019" cy="629904"/>
-          </a:xfrm>
-          <a:prstGeom prst="rect">
-            <a:avLst/>
-          </a:prstGeom>
-          <a:solidFill>
-            <a:srgbClr val="1F497D"/>
-          </a:solidFill>
-          <a:ln/>
-        </p:spPr>
-        <p:style>
-          <a:lnRef idx="1">
-            <a:schemeClr val="accent1"/>
-          </a:lnRef>
-          <a:fillRef idx="3">
-            <a:schemeClr val="accent1"/>
-          </a:fillRef>
-          <a:effectRef idx="2">
-            <a:schemeClr val="accent1"/>
-          </a:effectRef>
-          <a:fontRef idx="minor">
-            <a:schemeClr val="lt1"/>
-          </a:fontRef>
-        </p:style>
-        <p:txBody>
-          <a:bodyPr rtlCol="0" anchor="ctr"/>
-          <a:lstStyle/>
-          <a:p>
-            <a:pPr algn="ctr"/>
-            <a:r>
-              <a:rPr lang="zh-CN" altLang="en-US" sz="1400" dirty="0">
-                <a:latin typeface="微软雅黑" panose="020B0503020204020204" pitchFamily="34" charset="-122"/>
-                <a:ea typeface="微软雅黑" panose="020B0503020204020204" pitchFamily="34" charset="-122"/>
-              </a:rPr>
-              <a:t>系统</a:t>
-            </a:r>
-            <a:endParaRPr lang="en-US" altLang="zh-CN" sz="1400" dirty="0">
-              <a:latin typeface="微软雅黑" panose="020B0503020204020204" pitchFamily="34" charset="-122"/>
-              <a:ea typeface="微软雅黑" panose="020B0503020204020204" pitchFamily="34" charset="-122"/>
-            </a:endParaRPr>
-          </a:p>
-          <a:p>
-            <a:pPr algn="ctr"/>
-            <a:r>
-              <a:rPr lang="en-US" altLang="zh-CN" sz="1400" dirty="0">
-                <a:latin typeface="微软雅黑" panose="020B0503020204020204" pitchFamily="34" charset="-122"/>
-                <a:ea typeface="微软雅黑" panose="020B0503020204020204" pitchFamily="34" charset="-122"/>
-              </a:rPr>
-              <a:t>Agent</a:t>
-            </a:r>
-          </a:p>
-        </p:txBody>
-      </p:sp>
-      <p:cxnSp>
-        <p:nvCxnSpPr>
-          <p:cNvPr id="15365" name="直接连接符 15364">
-            <a:extLst>
-              <a:ext uri="{FF2B5EF4-FFF2-40B4-BE49-F238E27FC236}">
-                <a16:creationId xmlns:a16="http://schemas.microsoft.com/office/drawing/2014/main" id="{46FB2061-AC57-9975-F657-C09F6CBCAF64}"/>
-              </a:ext>
-            </a:extLst>
-          </p:cNvPr>
-          <p:cNvCxnSpPr/>
-          <p:nvPr/>
-        </p:nvCxnSpPr>
-        <p:spPr>
-          <a:xfrm>
-            <a:off x="1457140" y="3819525"/>
-            <a:ext cx="9896660" cy="0"/>
-          </a:xfrm>
-          <a:prstGeom prst="line">
-            <a:avLst/>
-          </a:prstGeom>
-          <a:ln w="28575"/>
-        </p:spPr>
-        <p:style>
-          <a:lnRef idx="1">
-            <a:schemeClr val="accent1"/>
-          </a:lnRef>
-          <a:fillRef idx="0">
-            <a:schemeClr val="accent1"/>
-          </a:fillRef>
-          <a:effectRef idx="0">
-            <a:schemeClr val="accent1"/>
-          </a:effectRef>
-          <a:fontRef idx="minor">
-            <a:schemeClr val="tx1"/>
-          </a:fontRef>
-        </p:style>
-      </p:cxnSp>
-      <p:sp>
-        <p:nvSpPr>
-          <p:cNvPr id="15366" name="矩形 15365">
-            <a:extLst>
-              <a:ext uri="{FF2B5EF4-FFF2-40B4-BE49-F238E27FC236}">
-                <a16:creationId xmlns:a16="http://schemas.microsoft.com/office/drawing/2014/main" id="{3B0713B3-8729-08CA-C8D8-791235355A18}"/>
-              </a:ext>
-            </a:extLst>
-          </p:cNvPr>
-          <p:cNvSpPr/>
-          <p:nvPr/>
-        </p:nvSpPr>
-        <p:spPr>
-          <a:xfrm>
-            <a:off x="1457139" y="4843061"/>
-            <a:ext cx="1168019" cy="629904"/>
-          </a:xfrm>
-          <a:prstGeom prst="rect">
-            <a:avLst/>
-          </a:prstGeom>
-          <a:solidFill>
-            <a:srgbClr val="1F497D"/>
-          </a:solidFill>
-          <a:ln/>
-        </p:spPr>
-        <p:style>
-          <a:lnRef idx="1">
-            <a:schemeClr val="accent1"/>
-          </a:lnRef>
-          <a:fillRef idx="3">
-            <a:schemeClr val="accent1"/>
-          </a:fillRef>
-          <a:effectRef idx="2">
-            <a:schemeClr val="accent1"/>
-          </a:effectRef>
-          <a:fontRef idx="minor">
-            <a:schemeClr val="lt1"/>
-          </a:fontRef>
-        </p:style>
-        <p:txBody>
-          <a:bodyPr rtlCol="0" anchor="ctr"/>
-          <a:lstStyle/>
-          <a:p>
-            <a:pPr algn="ctr"/>
-            <a:r>
-              <a:rPr lang="zh-CN" altLang="en-US" sz="1400" dirty="0">
-                <a:latin typeface="微软雅黑" panose="020B0503020204020204" pitchFamily="34" charset="-122"/>
-                <a:ea typeface="微软雅黑" panose="020B0503020204020204" pitchFamily="34" charset="-122"/>
-              </a:rPr>
-              <a:t>子系统</a:t>
-            </a:r>
-            <a:endParaRPr lang="en-US" altLang="zh-CN" sz="1400" dirty="0">
-              <a:latin typeface="微软雅黑" panose="020B0503020204020204" pitchFamily="34" charset="-122"/>
-              <a:ea typeface="微软雅黑" panose="020B0503020204020204" pitchFamily="34" charset="-122"/>
-            </a:endParaRPr>
-          </a:p>
-          <a:p>
-            <a:pPr algn="ctr"/>
-            <a:r>
-              <a:rPr lang="zh-CN" altLang="en-US" sz="1400" dirty="0">
-                <a:latin typeface="微软雅黑" panose="020B0503020204020204" pitchFamily="34" charset="-122"/>
-                <a:ea typeface="微软雅黑" panose="020B0503020204020204" pitchFamily="34" charset="-122"/>
-              </a:rPr>
-              <a:t>代码</a:t>
-            </a:r>
-            <a:endParaRPr lang="en-US" altLang="zh-CN" sz="1400" dirty="0">
-              <a:latin typeface="微软雅黑" panose="020B0503020204020204" pitchFamily="34" charset="-122"/>
-              <a:ea typeface="微软雅黑" panose="020B0503020204020204" pitchFamily="34" charset="-122"/>
-            </a:endParaRPr>
-          </a:p>
-        </p:txBody>
-      </p:sp>
-      <p:sp>
-        <p:nvSpPr>
-          <p:cNvPr id="15367" name="矩形 15366">
-            <a:extLst>
-              <a:ext uri="{FF2B5EF4-FFF2-40B4-BE49-F238E27FC236}">
-                <a16:creationId xmlns:a16="http://schemas.microsoft.com/office/drawing/2014/main" id="{30C7E04F-3937-D077-A5F7-96E53DA8477C}"/>
-              </a:ext>
-            </a:extLst>
-          </p:cNvPr>
-          <p:cNvSpPr/>
-          <p:nvPr/>
-        </p:nvSpPr>
-        <p:spPr>
-          <a:xfrm>
-            <a:off x="3238315" y="4210924"/>
-            <a:ext cx="1168019" cy="629904"/>
-          </a:xfrm>
-          <a:prstGeom prst="rect">
-            <a:avLst/>
-          </a:prstGeom>
-          <a:solidFill>
-            <a:srgbClr val="1F497D"/>
-          </a:solidFill>
-          <a:ln/>
-        </p:spPr>
-        <p:style>
-          <a:lnRef idx="1">
-            <a:schemeClr val="accent1"/>
-          </a:lnRef>
-          <a:fillRef idx="3">
-            <a:schemeClr val="accent1"/>
-          </a:fillRef>
-          <a:effectRef idx="2">
-            <a:schemeClr val="accent1"/>
-          </a:effectRef>
-          <a:fontRef idx="minor">
-            <a:schemeClr val="lt1"/>
-          </a:fontRef>
-        </p:style>
-        <p:txBody>
-          <a:bodyPr rtlCol="0" anchor="ctr"/>
-          <a:lstStyle/>
-          <a:p>
-            <a:pPr algn="ctr"/>
-            <a:r>
-              <a:rPr lang="zh-CN" altLang="en-US" sz="1400" dirty="0">
-                <a:latin typeface="微软雅黑" panose="020B0503020204020204" pitchFamily="34" charset="-122"/>
-                <a:ea typeface="微软雅黑" panose="020B0503020204020204" pitchFamily="34" charset="-122"/>
-              </a:rPr>
-              <a:t>知识</a:t>
-            </a:r>
-            <a:endParaRPr lang="en-US" altLang="zh-CN" sz="1400" dirty="0">
-              <a:latin typeface="微软雅黑" panose="020B0503020204020204" pitchFamily="34" charset="-122"/>
-              <a:ea typeface="微软雅黑" panose="020B0503020204020204" pitchFamily="34" charset="-122"/>
-            </a:endParaRPr>
-          </a:p>
-          <a:p>
-            <a:pPr algn="ctr"/>
-            <a:r>
-              <a:rPr lang="en-US" altLang="zh-CN" sz="1400" dirty="0">
-                <a:latin typeface="微软雅黑" panose="020B0503020204020204" pitchFamily="34" charset="-122"/>
-                <a:ea typeface="微软雅黑" panose="020B0503020204020204" pitchFamily="34" charset="-122"/>
-              </a:rPr>
-              <a:t>Agent</a:t>
-            </a:r>
-          </a:p>
-        </p:txBody>
-      </p:sp>
-      <p:sp>
-        <p:nvSpPr>
-          <p:cNvPr id="15369" name="矩形 15368">
-            <a:extLst>
-              <a:ext uri="{FF2B5EF4-FFF2-40B4-BE49-F238E27FC236}">
-                <a16:creationId xmlns:a16="http://schemas.microsoft.com/office/drawing/2014/main" id="{ACA5D7D2-0399-C9A1-3292-505AEF0FECF4}"/>
-              </a:ext>
-            </a:extLst>
-          </p:cNvPr>
-          <p:cNvSpPr/>
-          <p:nvPr/>
-        </p:nvSpPr>
-        <p:spPr>
-          <a:xfrm>
-            <a:off x="3238314" y="4856355"/>
-            <a:ext cx="1168019" cy="629904"/>
-          </a:xfrm>
-          <a:prstGeom prst="rect">
-            <a:avLst/>
-          </a:prstGeom>
-          <a:solidFill>
-            <a:srgbClr val="1F497D"/>
-          </a:solidFill>
-          <a:ln/>
-        </p:spPr>
-        <p:style>
-          <a:lnRef idx="1">
-            <a:schemeClr val="accent1"/>
-          </a:lnRef>
-          <a:fillRef idx="3">
-            <a:schemeClr val="accent1"/>
-          </a:fillRef>
-          <a:effectRef idx="2">
-            <a:schemeClr val="accent1"/>
-          </a:effectRef>
-          <a:fontRef idx="minor">
-            <a:schemeClr val="lt1"/>
-          </a:fontRef>
-        </p:style>
-        <p:txBody>
-          <a:bodyPr rtlCol="0" anchor="ctr"/>
-          <a:lstStyle/>
-          <a:p>
-            <a:pPr algn="ctr"/>
-            <a:r>
-              <a:rPr lang="zh-CN" altLang="en-US" sz="1400" dirty="0">
-                <a:latin typeface="微软雅黑" panose="020B0503020204020204" pitchFamily="34" charset="-122"/>
-                <a:ea typeface="微软雅黑" panose="020B0503020204020204" pitchFamily="34" charset="-122"/>
-              </a:rPr>
-              <a:t>存量</a:t>
-            </a:r>
-            <a:endParaRPr lang="en-US" altLang="zh-CN" sz="1400" dirty="0">
-              <a:latin typeface="微软雅黑" panose="020B0503020204020204" pitchFamily="34" charset="-122"/>
-              <a:ea typeface="微软雅黑" panose="020B0503020204020204" pitchFamily="34" charset="-122"/>
-            </a:endParaRPr>
-          </a:p>
-          <a:p>
-            <a:pPr algn="ctr"/>
-            <a:r>
-              <a:rPr lang="zh-CN" altLang="en-US" sz="1400" dirty="0">
-                <a:latin typeface="微软雅黑" panose="020B0503020204020204" pitchFamily="34" charset="-122"/>
-                <a:ea typeface="微软雅黑" panose="020B0503020204020204" pitchFamily="34" charset="-122"/>
-              </a:rPr>
-              <a:t>业务知识</a:t>
-            </a:r>
-            <a:endParaRPr lang="en-US" altLang="zh-CN" sz="1400" dirty="0">
-              <a:latin typeface="微软雅黑" panose="020B0503020204020204" pitchFamily="34" charset="-122"/>
-              <a:ea typeface="微软雅黑" panose="020B0503020204020204" pitchFamily="34" charset="-122"/>
-            </a:endParaRPr>
-          </a:p>
-        </p:txBody>
-      </p:sp>
-      <p:cxnSp>
-        <p:nvCxnSpPr>
-          <p:cNvPr id="15372" name="直接箭头连接符 15371">
-            <a:extLst>
-              <a:ext uri="{FF2B5EF4-FFF2-40B4-BE49-F238E27FC236}">
-                <a16:creationId xmlns:a16="http://schemas.microsoft.com/office/drawing/2014/main" id="{4C657148-B118-77F2-C384-C5AA9A8BFE4D}"/>
-              </a:ext>
-            </a:extLst>
-          </p:cNvPr>
-          <p:cNvCxnSpPr>
-            <a:stCxn id="15360" idx="0"/>
-          </p:cNvCxnSpPr>
-          <p:nvPr/>
-        </p:nvCxnSpPr>
-        <p:spPr>
-          <a:xfrm flipH="1" flipV="1">
-            <a:off x="2041148" y="3819525"/>
-            <a:ext cx="2" cy="378105"/>
-          </a:xfrm>
-          <a:prstGeom prst="straightConnector1">
-            <a:avLst/>
-          </a:prstGeom>
-          <a:ln>
-            <a:tailEnd type="triangle"/>
-          </a:ln>
-        </p:spPr>
-        <p:style>
-          <a:lnRef idx="1">
-            <a:schemeClr val="accent1"/>
-          </a:lnRef>
-          <a:fillRef idx="0">
-            <a:schemeClr val="accent1"/>
-          </a:fillRef>
-          <a:effectRef idx="0">
-            <a:schemeClr val="accent1"/>
-          </a:effectRef>
-          <a:fontRef idx="minor">
-            <a:schemeClr val="tx1"/>
-          </a:fontRef>
-        </p:style>
-      </p:cxnSp>
-      <p:cxnSp>
-        <p:nvCxnSpPr>
-          <p:cNvPr id="15374" name="直接箭头连接符 15373">
-            <a:extLst>
-              <a:ext uri="{FF2B5EF4-FFF2-40B4-BE49-F238E27FC236}">
-                <a16:creationId xmlns:a16="http://schemas.microsoft.com/office/drawing/2014/main" id="{39309BDB-4FFE-D9C2-7C94-DB532C807D83}"/>
-              </a:ext>
-            </a:extLst>
-          </p:cNvPr>
-          <p:cNvCxnSpPr/>
-          <p:nvPr/>
-        </p:nvCxnSpPr>
-        <p:spPr>
-          <a:xfrm flipH="1" flipV="1">
-            <a:off x="3822323" y="3827868"/>
-            <a:ext cx="2" cy="378105"/>
-          </a:xfrm>
-          <a:prstGeom prst="straightConnector1">
-            <a:avLst/>
-          </a:prstGeom>
-          <a:ln>
-            <a:tailEnd type="triangle"/>
-          </a:ln>
-        </p:spPr>
-        <p:style>
-          <a:lnRef idx="1">
-            <a:schemeClr val="accent1"/>
-          </a:lnRef>
-          <a:fillRef idx="0">
-            <a:schemeClr val="accent1"/>
-          </a:fillRef>
-          <a:effectRef idx="0">
-            <a:schemeClr val="accent1"/>
-          </a:effectRef>
-          <a:fontRef idx="minor">
-            <a:schemeClr val="tx1"/>
-          </a:fontRef>
-        </p:style>
-      </p:cxnSp>
-      <p:sp>
-        <p:nvSpPr>
-          <p:cNvPr id="15375" name="矩形 15374">
-            <a:extLst>
-              <a:ext uri="{FF2B5EF4-FFF2-40B4-BE49-F238E27FC236}">
-                <a16:creationId xmlns:a16="http://schemas.microsoft.com/office/drawing/2014/main" id="{986BE01C-ACA4-7943-6453-F7E6B79FB6C9}"/>
-              </a:ext>
-            </a:extLst>
-          </p:cNvPr>
-          <p:cNvSpPr/>
-          <p:nvPr/>
-        </p:nvSpPr>
-        <p:spPr>
-          <a:xfrm>
-            <a:off x="8349203" y="4226451"/>
-            <a:ext cx="1168019" cy="629904"/>
-          </a:xfrm>
-          <a:prstGeom prst="rect">
-            <a:avLst/>
-          </a:prstGeom>
-          <a:solidFill>
-            <a:srgbClr val="1F497D"/>
-          </a:solidFill>
-          <a:ln/>
-        </p:spPr>
-        <p:style>
-          <a:lnRef idx="1">
-            <a:schemeClr val="accent1"/>
-          </a:lnRef>
-          <a:fillRef idx="3">
-            <a:schemeClr val="accent1"/>
-          </a:fillRef>
-          <a:effectRef idx="2">
-            <a:schemeClr val="accent1"/>
-          </a:effectRef>
-          <a:fontRef idx="minor">
-            <a:schemeClr val="lt1"/>
-          </a:fontRef>
-        </p:style>
-        <p:txBody>
-          <a:bodyPr rtlCol="0" anchor="ctr"/>
-          <a:lstStyle/>
-          <a:p>
-            <a:pPr algn="ctr"/>
-            <a:r>
-              <a:rPr lang="zh-CN" altLang="en-US" sz="1400" dirty="0">
-                <a:latin typeface="微软雅黑" panose="020B0503020204020204" pitchFamily="34" charset="-122"/>
-                <a:ea typeface="微软雅黑" panose="020B0503020204020204" pitchFamily="34" charset="-122"/>
-              </a:rPr>
-              <a:t>知识</a:t>
-            </a:r>
-            <a:endParaRPr lang="en-US" altLang="zh-CN" sz="1400" dirty="0">
-              <a:latin typeface="微软雅黑" panose="020B0503020204020204" pitchFamily="34" charset="-122"/>
-              <a:ea typeface="微软雅黑" panose="020B0503020204020204" pitchFamily="34" charset="-122"/>
-            </a:endParaRPr>
-          </a:p>
-          <a:p>
-            <a:pPr algn="ctr"/>
-            <a:r>
-              <a:rPr lang="en-US" altLang="zh-CN" sz="1400" dirty="0">
-                <a:latin typeface="微软雅黑" panose="020B0503020204020204" pitchFamily="34" charset="-122"/>
-                <a:ea typeface="微软雅黑" panose="020B0503020204020204" pitchFamily="34" charset="-122"/>
-              </a:rPr>
-              <a:t>Agent</a:t>
-            </a:r>
-          </a:p>
-        </p:txBody>
-      </p:sp>
-      <p:sp>
-        <p:nvSpPr>
-          <p:cNvPr id="15376" name="矩形 15375">
-            <a:extLst>
-              <a:ext uri="{FF2B5EF4-FFF2-40B4-BE49-F238E27FC236}">
-                <a16:creationId xmlns:a16="http://schemas.microsoft.com/office/drawing/2014/main" id="{A96491CE-7412-0E3E-AEB1-C5F0322ACF25}"/>
-              </a:ext>
-            </a:extLst>
-          </p:cNvPr>
-          <p:cNvSpPr/>
-          <p:nvPr/>
-        </p:nvSpPr>
-        <p:spPr>
-          <a:xfrm>
-            <a:off x="8349202" y="4871882"/>
-            <a:ext cx="1168019" cy="629904"/>
-          </a:xfrm>
-          <a:prstGeom prst="rect">
-            <a:avLst/>
-          </a:prstGeom>
-          <a:solidFill>
-            <a:srgbClr val="1F497D"/>
-          </a:solidFill>
-          <a:ln/>
-        </p:spPr>
-        <p:style>
-          <a:lnRef idx="1">
-            <a:schemeClr val="accent1"/>
-          </a:lnRef>
-          <a:fillRef idx="3">
-            <a:schemeClr val="accent1"/>
-          </a:fillRef>
-          <a:effectRef idx="2">
-            <a:schemeClr val="accent1"/>
-          </a:effectRef>
-          <a:fontRef idx="minor">
-            <a:schemeClr val="lt1"/>
-          </a:fontRef>
-        </p:style>
-        <p:txBody>
-          <a:bodyPr rtlCol="0" anchor="ctr"/>
-          <a:lstStyle/>
-          <a:p>
-            <a:pPr algn="ctr"/>
-            <a:r>
-              <a:rPr lang="en-US" altLang="zh-CN" sz="1400" dirty="0">
-                <a:latin typeface="微软雅黑" panose="020B0503020204020204" pitchFamily="34" charset="-122"/>
-                <a:ea typeface="微软雅黑" panose="020B0503020204020204" pitchFamily="34" charset="-122"/>
-              </a:rPr>
-              <a:t>DB</a:t>
-            </a:r>
-          </a:p>
-        </p:txBody>
-      </p:sp>
-      <p:cxnSp>
-        <p:nvCxnSpPr>
-          <p:cNvPr id="15377" name="直接箭头连接符 15376">
-            <a:extLst>
-              <a:ext uri="{FF2B5EF4-FFF2-40B4-BE49-F238E27FC236}">
-                <a16:creationId xmlns:a16="http://schemas.microsoft.com/office/drawing/2014/main" id="{D68AB787-6AF8-AAC6-A29A-422801CCB7F2}"/>
-              </a:ext>
-            </a:extLst>
-          </p:cNvPr>
-          <p:cNvCxnSpPr/>
-          <p:nvPr/>
-        </p:nvCxnSpPr>
-        <p:spPr>
-          <a:xfrm flipH="1" flipV="1">
-            <a:off x="8933211" y="3843395"/>
-            <a:ext cx="2" cy="378105"/>
-          </a:xfrm>
-          <a:prstGeom prst="straightConnector1">
-            <a:avLst/>
-          </a:prstGeom>
-          <a:ln>
-            <a:tailEnd type="triangle"/>
-          </a:ln>
-        </p:spPr>
-        <p:style>
-          <a:lnRef idx="1">
-            <a:schemeClr val="accent1"/>
-          </a:lnRef>
-          <a:fillRef idx="0">
-            <a:schemeClr val="accent1"/>
-          </a:fillRef>
-          <a:effectRef idx="0">
-            <a:schemeClr val="accent1"/>
-          </a:effectRef>
-          <a:fontRef idx="minor">
-            <a:schemeClr val="tx1"/>
-          </a:fontRef>
-        </p:style>
-      </p:cxnSp>
-      <p:sp>
-        <p:nvSpPr>
-          <p:cNvPr id="15378" name="矩形 15377">
-            <a:extLst>
-              <a:ext uri="{FF2B5EF4-FFF2-40B4-BE49-F238E27FC236}">
-                <a16:creationId xmlns:a16="http://schemas.microsoft.com/office/drawing/2014/main" id="{0CA87ED3-E30F-F2E5-063C-CDB612F69066}"/>
-              </a:ext>
-            </a:extLst>
-          </p:cNvPr>
-          <p:cNvSpPr/>
-          <p:nvPr/>
-        </p:nvSpPr>
-        <p:spPr>
-          <a:xfrm>
-            <a:off x="9675975" y="4221500"/>
-            <a:ext cx="1168019" cy="629904"/>
-          </a:xfrm>
-          <a:prstGeom prst="rect">
-            <a:avLst/>
-          </a:prstGeom>
-          <a:solidFill>
-            <a:srgbClr val="1F497D"/>
-          </a:solidFill>
-          <a:ln/>
-        </p:spPr>
-        <p:style>
-          <a:lnRef idx="1">
-            <a:schemeClr val="accent1"/>
-          </a:lnRef>
-          <a:fillRef idx="3">
-            <a:schemeClr val="accent1"/>
-          </a:fillRef>
-          <a:effectRef idx="2">
-            <a:schemeClr val="accent1"/>
-          </a:effectRef>
-          <a:fontRef idx="minor">
-            <a:schemeClr val="lt1"/>
-          </a:fontRef>
-        </p:style>
-        <p:txBody>
-          <a:bodyPr rtlCol="0" anchor="ctr"/>
-          <a:lstStyle/>
-          <a:p>
-            <a:pPr algn="ctr"/>
-            <a:r>
-              <a:rPr lang="zh-CN" altLang="en-US" sz="1400" dirty="0">
-                <a:latin typeface="微软雅黑" panose="020B0503020204020204" pitchFamily="34" charset="-122"/>
-                <a:ea typeface="微软雅黑" panose="020B0503020204020204" pitchFamily="34" charset="-122"/>
-              </a:rPr>
-              <a:t>接口</a:t>
-            </a:r>
-            <a:endParaRPr lang="en-US" altLang="zh-CN" sz="1400" dirty="0">
-              <a:latin typeface="微软雅黑" panose="020B0503020204020204" pitchFamily="34" charset="-122"/>
-              <a:ea typeface="微软雅黑" panose="020B0503020204020204" pitchFamily="34" charset="-122"/>
-            </a:endParaRPr>
-          </a:p>
-          <a:p>
-            <a:pPr algn="ctr"/>
-            <a:r>
-              <a:rPr lang="en-US" altLang="zh-CN" sz="1400" dirty="0">
-                <a:latin typeface="微软雅黑" panose="020B0503020204020204" pitchFamily="34" charset="-122"/>
-                <a:ea typeface="微软雅黑" panose="020B0503020204020204" pitchFamily="34" charset="-122"/>
-              </a:rPr>
-              <a:t>Agent</a:t>
-            </a:r>
-          </a:p>
-        </p:txBody>
-      </p:sp>
-      <p:sp>
-        <p:nvSpPr>
-          <p:cNvPr id="15379" name="矩形 15378">
-            <a:extLst>
-              <a:ext uri="{FF2B5EF4-FFF2-40B4-BE49-F238E27FC236}">
-                <a16:creationId xmlns:a16="http://schemas.microsoft.com/office/drawing/2014/main" id="{C5EECA5E-123A-5FA2-8CCB-FB59984F9E86}"/>
-              </a:ext>
-            </a:extLst>
-          </p:cNvPr>
-          <p:cNvSpPr/>
-          <p:nvPr/>
-        </p:nvSpPr>
-        <p:spPr>
-          <a:xfrm>
-            <a:off x="9675974" y="4866931"/>
-            <a:ext cx="1168019" cy="629904"/>
-          </a:xfrm>
-          <a:prstGeom prst="rect">
-            <a:avLst/>
-          </a:prstGeom>
-          <a:solidFill>
-            <a:srgbClr val="1F497D"/>
-          </a:solidFill>
-          <a:ln/>
-        </p:spPr>
-        <p:style>
-          <a:lnRef idx="1">
-            <a:schemeClr val="accent1"/>
-          </a:lnRef>
-          <a:fillRef idx="3">
-            <a:schemeClr val="accent1"/>
-          </a:fillRef>
-          <a:effectRef idx="2">
-            <a:schemeClr val="accent1"/>
-          </a:effectRef>
-          <a:fontRef idx="minor">
-            <a:schemeClr val="lt1"/>
-          </a:fontRef>
-        </p:style>
-        <p:txBody>
-          <a:bodyPr rtlCol="0" anchor="ctr"/>
-          <a:lstStyle/>
-          <a:p>
-            <a:pPr algn="ctr"/>
-            <a:r>
-              <a:rPr lang="zh-CN" altLang="en-US" sz="1400" dirty="0">
-                <a:latin typeface="微软雅黑" panose="020B0503020204020204" pitchFamily="34" charset="-122"/>
-                <a:ea typeface="微软雅黑" panose="020B0503020204020204" pitchFamily="34" charset="-122"/>
-              </a:rPr>
-              <a:t>存量接口</a:t>
-            </a:r>
-            <a:endParaRPr lang="en-US" altLang="zh-CN" sz="1400" dirty="0">
-              <a:latin typeface="微软雅黑" panose="020B0503020204020204" pitchFamily="34" charset="-122"/>
-              <a:ea typeface="微软雅黑" panose="020B0503020204020204" pitchFamily="34" charset="-122"/>
-            </a:endParaRPr>
-          </a:p>
-        </p:txBody>
-      </p:sp>
-      <p:cxnSp>
-        <p:nvCxnSpPr>
-          <p:cNvPr id="15380" name="直接箭头连接符 15379">
-            <a:extLst>
-              <a:ext uri="{FF2B5EF4-FFF2-40B4-BE49-F238E27FC236}">
-                <a16:creationId xmlns:a16="http://schemas.microsoft.com/office/drawing/2014/main" id="{D338E2B5-D0AB-ACD8-0619-A121D23192D6}"/>
-              </a:ext>
-            </a:extLst>
-          </p:cNvPr>
-          <p:cNvCxnSpPr/>
-          <p:nvPr/>
-        </p:nvCxnSpPr>
-        <p:spPr>
-          <a:xfrm flipH="1" flipV="1">
-            <a:off x="10259983" y="3838444"/>
-            <a:ext cx="2" cy="378105"/>
-          </a:xfrm>
-          <a:prstGeom prst="straightConnector1">
-            <a:avLst/>
-          </a:prstGeom>
-          <a:ln>
-            <a:tailEnd type="triangle"/>
-          </a:ln>
-        </p:spPr>
-        <p:style>
-          <a:lnRef idx="1">
-            <a:schemeClr val="accent1"/>
-          </a:lnRef>
-          <a:fillRef idx="0">
-            <a:schemeClr val="accent1"/>
-          </a:fillRef>
-          <a:effectRef idx="0">
-            <a:schemeClr val="accent1"/>
-          </a:effectRef>
-          <a:fontRef idx="minor">
-            <a:schemeClr val="tx1"/>
-          </a:fontRef>
-        </p:style>
-      </p:cxnSp>
+        </p:txBody>
+      </p:sp>
     </p:spTree>
     <p:extLst>
       <p:ext uri="{BB962C8B-B14F-4D97-AF65-F5344CB8AC3E}">
-        <p14:creationId xmlns:p14="http://schemas.microsoft.com/office/powerpoint/2010/main" val="3593849669"/>
+        <p14:creationId xmlns:p14="http://schemas.microsoft.com/office/powerpoint/2010/main" val="2890312723"/>
       </p:ext>
     </p:extLst>
   </p:cSld>
@@ -19590,7 +19590,7 @@
                 <a:ea typeface="微软雅黑" panose="020B0503020204020204" pitchFamily="34" charset="-122"/>
                 <a:sym typeface="楷体" panose="02010609060101010101" pitchFamily="49" charset="-122"/>
               </a:rPr>
-              <a:t>原生是大模型，那么就不应该有代码，代码即母语。</a:t>
+              <a:t>原生是大模型，那么就不应该有代码，母语即代码。</a:t>
             </a:r>
             <a:endParaRPr lang="en-US" altLang="zh-CN" sz="2667" b="1" dirty="0">
               <a:latin typeface="微软雅黑" panose="020B0503020204020204" pitchFamily="34" charset="-122"/>
